--- a/weekly_report/group5/第五组_小组报告_第三周_20171018.pptx
+++ b/weekly_report/group5/第五组_小组报告_第三周_20171018.pptx
@@ -4,15 +4,20 @@
   <p:sldMasterIdLst>
     <p:sldMasterId id="2147483660" r:id="rId1"/>
   </p:sldMasterIdLst>
+  <p:notesMasterIdLst>
+    <p:notesMasterId r:id="rId12"/>
+  </p:notesMasterIdLst>
   <p:sldIdLst>
     <p:sldId id="259" r:id="rId2"/>
     <p:sldId id="260" r:id="rId3"/>
     <p:sldId id="263" r:id="rId4"/>
     <p:sldId id="264" r:id="rId5"/>
-    <p:sldId id="265" r:id="rId6"/>
-    <p:sldId id="266" r:id="rId7"/>
-    <p:sldId id="261" r:id="rId8"/>
-    <p:sldId id="262" r:id="rId9"/>
+    <p:sldId id="261" r:id="rId6"/>
+    <p:sldId id="265" r:id="rId7"/>
+    <p:sldId id="266" r:id="rId8"/>
+    <p:sldId id="267" r:id="rId9"/>
+    <p:sldId id="262" r:id="rId10"/>
+    <p:sldId id="268" r:id="rId11"/>
   </p:sldIdLst>
   <p:sldSz cx="12192000" cy="6858000"/>
   <p:notesSz cx="6858000" cy="9144000"/>
@@ -124,6 +129,753 @@
 </file>
 
 <file path=ppt/diagrams/colors1.xml><?xml version="1.0" encoding="utf-8"?>
+<dgm:colorsDef xmlns:dgm="http://schemas.openxmlformats.org/drawingml/2006/diagram" xmlns:a="http://schemas.openxmlformats.org/drawingml/2006/main" uniqueId="urn:microsoft.com/office/officeart/2005/8/colors/accent1_2">
+  <dgm:title val=""/>
+  <dgm:desc val=""/>
+  <dgm:catLst>
+    <dgm:cat type="accent1" pri="11200"/>
+  </dgm:catLst>
+  <dgm:styleLbl name="node0">
+    <dgm:fillClrLst meth="repeat">
+      <a:schemeClr val="accent1"/>
+    </dgm:fillClrLst>
+    <dgm:linClrLst meth="repeat">
+      <a:schemeClr val="lt1"/>
+    </dgm:linClrLst>
+    <dgm:effectClrLst/>
+    <dgm:txLinClrLst/>
+    <dgm:txFillClrLst/>
+    <dgm:txEffectClrLst/>
+  </dgm:styleLbl>
+  <dgm:styleLbl name="alignNode1">
+    <dgm:fillClrLst meth="repeat">
+      <a:schemeClr val="accent1"/>
+    </dgm:fillClrLst>
+    <dgm:linClrLst meth="repeat">
+      <a:schemeClr val="accent1"/>
+    </dgm:linClrLst>
+    <dgm:effectClrLst/>
+    <dgm:txLinClrLst/>
+    <dgm:txFillClrLst/>
+    <dgm:txEffectClrLst/>
+  </dgm:styleLbl>
+  <dgm:styleLbl name="node1">
+    <dgm:fillClrLst meth="repeat">
+      <a:schemeClr val="accent1"/>
+    </dgm:fillClrLst>
+    <dgm:linClrLst meth="repeat">
+      <a:schemeClr val="lt1"/>
+    </dgm:linClrLst>
+    <dgm:effectClrLst/>
+    <dgm:txLinClrLst/>
+    <dgm:txFillClrLst/>
+    <dgm:txEffectClrLst/>
+  </dgm:styleLbl>
+  <dgm:styleLbl name="lnNode1">
+    <dgm:fillClrLst meth="repeat">
+      <a:schemeClr val="accent1"/>
+    </dgm:fillClrLst>
+    <dgm:linClrLst meth="repeat">
+      <a:schemeClr val="lt1"/>
+    </dgm:linClrLst>
+    <dgm:effectClrLst/>
+    <dgm:txLinClrLst/>
+    <dgm:txFillClrLst/>
+    <dgm:txEffectClrLst/>
+  </dgm:styleLbl>
+  <dgm:styleLbl name="vennNode1">
+    <dgm:fillClrLst meth="repeat">
+      <a:schemeClr val="accent1">
+        <a:alpha val="50000"/>
+      </a:schemeClr>
+    </dgm:fillClrLst>
+    <dgm:linClrLst meth="repeat">
+      <a:schemeClr val="lt1"/>
+    </dgm:linClrLst>
+    <dgm:effectClrLst/>
+    <dgm:txLinClrLst/>
+    <dgm:txFillClrLst/>
+    <dgm:txEffectClrLst/>
+  </dgm:styleLbl>
+  <dgm:styleLbl name="node2">
+    <dgm:fillClrLst meth="repeat">
+      <a:schemeClr val="accent1"/>
+    </dgm:fillClrLst>
+    <dgm:linClrLst meth="repeat">
+      <a:schemeClr val="lt1"/>
+    </dgm:linClrLst>
+    <dgm:effectClrLst/>
+    <dgm:txLinClrLst/>
+    <dgm:txFillClrLst/>
+    <dgm:txEffectClrLst/>
+  </dgm:styleLbl>
+  <dgm:styleLbl name="node3">
+    <dgm:fillClrLst meth="repeat">
+      <a:schemeClr val="accent1"/>
+    </dgm:fillClrLst>
+    <dgm:linClrLst meth="repeat">
+      <a:schemeClr val="lt1"/>
+    </dgm:linClrLst>
+    <dgm:effectClrLst/>
+    <dgm:txLinClrLst/>
+    <dgm:txFillClrLst/>
+    <dgm:txEffectClrLst/>
+  </dgm:styleLbl>
+  <dgm:styleLbl name="node4">
+    <dgm:fillClrLst meth="repeat">
+      <a:schemeClr val="accent1"/>
+    </dgm:fillClrLst>
+    <dgm:linClrLst meth="repeat">
+      <a:schemeClr val="lt1"/>
+    </dgm:linClrLst>
+    <dgm:effectClrLst/>
+    <dgm:txLinClrLst/>
+    <dgm:txFillClrLst/>
+    <dgm:txEffectClrLst/>
+  </dgm:styleLbl>
+  <dgm:styleLbl name="fgImgPlace1">
+    <dgm:fillClrLst meth="repeat">
+      <a:schemeClr val="accent1">
+        <a:tint val="50000"/>
+      </a:schemeClr>
+    </dgm:fillClrLst>
+    <dgm:linClrLst meth="repeat">
+      <a:schemeClr val="lt1"/>
+    </dgm:linClrLst>
+    <dgm:effectClrLst/>
+    <dgm:txLinClrLst/>
+    <dgm:txFillClrLst meth="repeat">
+      <a:schemeClr val="lt1"/>
+    </dgm:txFillClrLst>
+    <dgm:txEffectClrLst/>
+  </dgm:styleLbl>
+  <dgm:styleLbl name="alignImgPlace1">
+    <dgm:fillClrLst meth="repeat">
+      <a:schemeClr val="accent1">
+        <a:tint val="50000"/>
+      </a:schemeClr>
+    </dgm:fillClrLst>
+    <dgm:linClrLst meth="repeat">
+      <a:schemeClr val="lt1"/>
+    </dgm:linClrLst>
+    <dgm:effectClrLst/>
+    <dgm:txLinClrLst/>
+    <dgm:txFillClrLst meth="repeat">
+      <a:schemeClr val="lt1"/>
+    </dgm:txFillClrLst>
+    <dgm:txEffectClrLst/>
+  </dgm:styleLbl>
+  <dgm:styleLbl name="bgImgPlace1">
+    <dgm:fillClrLst meth="repeat">
+      <a:schemeClr val="accent1">
+        <a:tint val="50000"/>
+      </a:schemeClr>
+    </dgm:fillClrLst>
+    <dgm:linClrLst meth="repeat">
+      <a:schemeClr val="lt1"/>
+    </dgm:linClrLst>
+    <dgm:effectClrLst/>
+    <dgm:txLinClrLst/>
+    <dgm:txFillClrLst meth="repeat">
+      <a:schemeClr val="lt1"/>
+    </dgm:txFillClrLst>
+    <dgm:txEffectClrLst/>
+  </dgm:styleLbl>
+  <dgm:styleLbl name="sibTrans2D1">
+    <dgm:fillClrLst meth="repeat">
+      <a:schemeClr val="accent1">
+        <a:tint val="60000"/>
+      </a:schemeClr>
+    </dgm:fillClrLst>
+    <dgm:linClrLst meth="repeat">
+      <a:schemeClr val="accent1">
+        <a:tint val="60000"/>
+      </a:schemeClr>
+    </dgm:linClrLst>
+    <dgm:effectClrLst/>
+    <dgm:txLinClrLst/>
+    <dgm:txFillClrLst/>
+    <dgm:txEffectClrLst/>
+  </dgm:styleLbl>
+  <dgm:styleLbl name="fgSibTrans2D1">
+    <dgm:fillClrLst meth="repeat">
+      <a:schemeClr val="accent1">
+        <a:tint val="60000"/>
+      </a:schemeClr>
+    </dgm:fillClrLst>
+    <dgm:linClrLst meth="repeat">
+      <a:schemeClr val="accent1">
+        <a:tint val="60000"/>
+      </a:schemeClr>
+    </dgm:linClrLst>
+    <dgm:effectClrLst/>
+    <dgm:txLinClrLst/>
+    <dgm:txFillClrLst/>
+    <dgm:txEffectClrLst/>
+  </dgm:styleLbl>
+  <dgm:styleLbl name="bgSibTrans2D1">
+    <dgm:fillClrLst meth="repeat">
+      <a:schemeClr val="accent1">
+        <a:tint val="60000"/>
+      </a:schemeClr>
+    </dgm:fillClrLst>
+    <dgm:linClrLst meth="repeat">
+      <a:schemeClr val="accent1">
+        <a:tint val="60000"/>
+      </a:schemeClr>
+    </dgm:linClrLst>
+    <dgm:effectClrLst/>
+    <dgm:txLinClrLst/>
+    <dgm:txFillClrLst/>
+    <dgm:txEffectClrLst/>
+  </dgm:styleLbl>
+  <dgm:styleLbl name="sibTrans1D1">
+    <dgm:fillClrLst meth="repeat">
+      <a:schemeClr val="accent1"/>
+    </dgm:fillClrLst>
+    <dgm:linClrLst meth="repeat">
+      <a:schemeClr val="accent1"/>
+    </dgm:linClrLst>
+    <dgm:effectClrLst/>
+    <dgm:txLinClrLst/>
+    <dgm:txFillClrLst meth="repeat">
+      <a:schemeClr val="tx1"/>
+    </dgm:txFillClrLst>
+    <dgm:txEffectClrLst/>
+  </dgm:styleLbl>
+  <dgm:styleLbl name="callout">
+    <dgm:fillClrLst meth="repeat">
+      <a:schemeClr val="accent1"/>
+    </dgm:fillClrLst>
+    <dgm:linClrLst meth="repeat">
+      <a:schemeClr val="accent1">
+        <a:tint val="50000"/>
+      </a:schemeClr>
+    </dgm:linClrLst>
+    <dgm:effectClrLst/>
+    <dgm:txLinClrLst/>
+    <dgm:txFillClrLst meth="repeat">
+      <a:schemeClr val="tx1"/>
+    </dgm:txFillClrLst>
+    <dgm:txEffectClrLst/>
+  </dgm:styleLbl>
+  <dgm:styleLbl name="asst0">
+    <dgm:fillClrLst meth="repeat">
+      <a:schemeClr val="accent1"/>
+    </dgm:fillClrLst>
+    <dgm:linClrLst meth="repeat">
+      <a:schemeClr val="lt1"/>
+    </dgm:linClrLst>
+    <dgm:effectClrLst/>
+    <dgm:txLinClrLst/>
+    <dgm:txFillClrLst/>
+    <dgm:txEffectClrLst/>
+  </dgm:styleLbl>
+  <dgm:styleLbl name="asst1">
+    <dgm:fillClrLst meth="repeat">
+      <a:schemeClr val="accent1"/>
+    </dgm:fillClrLst>
+    <dgm:linClrLst meth="repeat">
+      <a:schemeClr val="lt1"/>
+    </dgm:linClrLst>
+    <dgm:effectClrLst/>
+    <dgm:txLinClrLst/>
+    <dgm:txFillClrLst/>
+    <dgm:txEffectClrLst/>
+  </dgm:styleLbl>
+  <dgm:styleLbl name="asst2">
+    <dgm:fillClrLst meth="repeat">
+      <a:schemeClr val="accent1"/>
+    </dgm:fillClrLst>
+    <dgm:linClrLst meth="repeat">
+      <a:schemeClr val="lt1"/>
+    </dgm:linClrLst>
+    <dgm:effectClrLst/>
+    <dgm:txLinClrLst/>
+    <dgm:txFillClrLst/>
+    <dgm:txEffectClrLst/>
+  </dgm:styleLbl>
+  <dgm:styleLbl name="asst3">
+    <dgm:fillClrLst meth="repeat">
+      <a:schemeClr val="accent1"/>
+    </dgm:fillClrLst>
+    <dgm:linClrLst meth="repeat">
+      <a:schemeClr val="lt1"/>
+    </dgm:linClrLst>
+    <dgm:effectClrLst/>
+    <dgm:txLinClrLst/>
+    <dgm:txFillClrLst/>
+    <dgm:txEffectClrLst/>
+  </dgm:styleLbl>
+  <dgm:styleLbl name="asst4">
+    <dgm:fillClrLst meth="repeat">
+      <a:schemeClr val="accent1"/>
+    </dgm:fillClrLst>
+    <dgm:linClrLst meth="repeat">
+      <a:schemeClr val="lt1"/>
+    </dgm:linClrLst>
+    <dgm:effectClrLst/>
+    <dgm:txLinClrLst/>
+    <dgm:txFillClrLst/>
+    <dgm:txEffectClrLst/>
+  </dgm:styleLbl>
+  <dgm:styleLbl name="parChTrans2D1">
+    <dgm:fillClrLst meth="repeat">
+      <a:schemeClr val="accent1">
+        <a:tint val="60000"/>
+      </a:schemeClr>
+    </dgm:fillClrLst>
+    <dgm:linClrLst meth="repeat">
+      <a:schemeClr val="accent1">
+        <a:tint val="60000"/>
+      </a:schemeClr>
+    </dgm:linClrLst>
+    <dgm:effectClrLst/>
+    <dgm:txLinClrLst/>
+    <dgm:txFillClrLst meth="repeat">
+      <a:schemeClr val="lt1"/>
+    </dgm:txFillClrLst>
+    <dgm:txEffectClrLst/>
+  </dgm:styleLbl>
+  <dgm:styleLbl name="parChTrans2D2">
+    <dgm:fillClrLst meth="repeat">
+      <a:schemeClr val="accent1"/>
+    </dgm:fillClrLst>
+    <dgm:linClrLst meth="repeat">
+      <a:schemeClr val="accent1"/>
+    </dgm:linClrLst>
+    <dgm:effectClrLst/>
+    <dgm:txLinClrLst/>
+    <dgm:txFillClrLst meth="repeat">
+      <a:schemeClr val="lt1"/>
+    </dgm:txFillClrLst>
+    <dgm:txEffectClrLst/>
+  </dgm:styleLbl>
+  <dgm:styleLbl name="parChTrans2D3">
+    <dgm:fillClrLst meth="repeat">
+      <a:schemeClr val="accent1"/>
+    </dgm:fillClrLst>
+    <dgm:linClrLst meth="repeat">
+      <a:schemeClr val="accent1"/>
+    </dgm:linClrLst>
+    <dgm:effectClrLst/>
+    <dgm:txLinClrLst/>
+    <dgm:txFillClrLst meth="repeat">
+      <a:schemeClr val="lt1"/>
+    </dgm:txFillClrLst>
+    <dgm:txEffectClrLst/>
+  </dgm:styleLbl>
+  <dgm:styleLbl name="parChTrans2D4">
+    <dgm:fillClrLst meth="repeat">
+      <a:schemeClr val="accent1"/>
+    </dgm:fillClrLst>
+    <dgm:linClrLst meth="repeat">
+      <a:schemeClr val="accent1"/>
+    </dgm:linClrLst>
+    <dgm:effectClrLst/>
+    <dgm:txLinClrLst/>
+    <dgm:txFillClrLst meth="repeat">
+      <a:schemeClr val="lt1"/>
+    </dgm:txFillClrLst>
+    <dgm:txEffectClrLst/>
+  </dgm:styleLbl>
+  <dgm:styleLbl name="parChTrans1D1">
+    <dgm:fillClrLst meth="repeat">
+      <a:schemeClr val="accent1"/>
+    </dgm:fillClrLst>
+    <dgm:linClrLst meth="repeat">
+      <a:schemeClr val="accent1">
+        <a:shade val="60000"/>
+      </a:schemeClr>
+    </dgm:linClrLst>
+    <dgm:effectClrLst/>
+    <dgm:txLinClrLst/>
+    <dgm:txFillClrLst meth="repeat">
+      <a:schemeClr val="tx1"/>
+    </dgm:txFillClrLst>
+    <dgm:txEffectClrLst/>
+  </dgm:styleLbl>
+  <dgm:styleLbl name="parChTrans1D2">
+    <dgm:fillClrLst meth="repeat">
+      <a:schemeClr val="accent1"/>
+    </dgm:fillClrLst>
+    <dgm:linClrLst meth="repeat">
+      <a:schemeClr val="accent1">
+        <a:shade val="60000"/>
+      </a:schemeClr>
+    </dgm:linClrLst>
+    <dgm:effectClrLst/>
+    <dgm:txLinClrLst/>
+    <dgm:txFillClrLst meth="repeat">
+      <a:schemeClr val="tx1"/>
+    </dgm:txFillClrLst>
+    <dgm:txEffectClrLst/>
+  </dgm:styleLbl>
+  <dgm:styleLbl name="parChTrans1D3">
+    <dgm:fillClrLst meth="repeat">
+      <a:schemeClr val="accent1"/>
+    </dgm:fillClrLst>
+    <dgm:linClrLst meth="repeat">
+      <a:schemeClr val="accent1">
+        <a:shade val="80000"/>
+      </a:schemeClr>
+    </dgm:linClrLst>
+    <dgm:effectClrLst/>
+    <dgm:txLinClrLst/>
+    <dgm:txFillClrLst meth="repeat">
+      <a:schemeClr val="tx1"/>
+    </dgm:txFillClrLst>
+    <dgm:txEffectClrLst/>
+  </dgm:styleLbl>
+  <dgm:styleLbl name="parChTrans1D4">
+    <dgm:fillClrLst meth="repeat">
+      <a:schemeClr val="accent1"/>
+    </dgm:fillClrLst>
+    <dgm:linClrLst meth="repeat">
+      <a:schemeClr val="accent1">
+        <a:shade val="80000"/>
+      </a:schemeClr>
+    </dgm:linClrLst>
+    <dgm:effectClrLst/>
+    <dgm:txLinClrLst/>
+    <dgm:txFillClrLst meth="repeat">
+      <a:schemeClr val="tx1"/>
+    </dgm:txFillClrLst>
+    <dgm:txEffectClrLst/>
+  </dgm:styleLbl>
+  <dgm:styleLbl name="fgAcc1">
+    <dgm:fillClrLst meth="repeat">
+      <a:schemeClr val="lt1">
+        <a:alpha val="90000"/>
+      </a:schemeClr>
+    </dgm:fillClrLst>
+    <dgm:linClrLst meth="repeat">
+      <a:schemeClr val="accent1"/>
+    </dgm:linClrLst>
+    <dgm:effectClrLst/>
+    <dgm:txLinClrLst/>
+    <dgm:txFillClrLst meth="repeat">
+      <a:schemeClr val="dk1"/>
+    </dgm:txFillClrLst>
+    <dgm:txEffectClrLst/>
+  </dgm:styleLbl>
+  <dgm:styleLbl name="conFgAcc1">
+    <dgm:fillClrLst meth="repeat">
+      <a:schemeClr val="lt1">
+        <a:alpha val="90000"/>
+      </a:schemeClr>
+    </dgm:fillClrLst>
+    <dgm:linClrLst meth="repeat">
+      <a:schemeClr val="accent1"/>
+    </dgm:linClrLst>
+    <dgm:effectClrLst/>
+    <dgm:txLinClrLst/>
+    <dgm:txFillClrLst meth="repeat">
+      <a:schemeClr val="dk1"/>
+    </dgm:txFillClrLst>
+    <dgm:txEffectClrLst/>
+  </dgm:styleLbl>
+  <dgm:styleLbl name="alignAcc1">
+    <dgm:fillClrLst meth="repeat">
+      <a:schemeClr val="lt1">
+        <a:alpha val="90000"/>
+      </a:schemeClr>
+    </dgm:fillClrLst>
+    <dgm:linClrLst meth="repeat">
+      <a:schemeClr val="accent1"/>
+    </dgm:linClrLst>
+    <dgm:effectClrLst/>
+    <dgm:txLinClrLst/>
+    <dgm:txFillClrLst meth="repeat">
+      <a:schemeClr val="dk1"/>
+    </dgm:txFillClrLst>
+    <dgm:txEffectClrLst/>
+  </dgm:styleLbl>
+  <dgm:styleLbl name="trAlignAcc1">
+    <dgm:fillClrLst meth="repeat">
+      <a:schemeClr val="lt1">
+        <a:alpha val="40000"/>
+      </a:schemeClr>
+    </dgm:fillClrLst>
+    <dgm:linClrLst meth="repeat">
+      <a:schemeClr val="accent1"/>
+    </dgm:linClrLst>
+    <dgm:effectClrLst/>
+    <dgm:txLinClrLst/>
+    <dgm:txFillClrLst meth="repeat">
+      <a:schemeClr val="dk1"/>
+    </dgm:txFillClrLst>
+    <dgm:txEffectClrLst/>
+  </dgm:styleLbl>
+  <dgm:styleLbl name="bgAcc1">
+    <dgm:fillClrLst meth="repeat">
+      <a:schemeClr val="lt1">
+        <a:alpha val="90000"/>
+      </a:schemeClr>
+    </dgm:fillClrLst>
+    <dgm:linClrLst meth="repeat">
+      <a:schemeClr val="accent1"/>
+    </dgm:linClrLst>
+    <dgm:effectClrLst/>
+    <dgm:txLinClrLst/>
+    <dgm:txFillClrLst meth="repeat">
+      <a:schemeClr val="dk1"/>
+    </dgm:txFillClrLst>
+    <dgm:txEffectClrLst/>
+  </dgm:styleLbl>
+  <dgm:styleLbl name="solidFgAcc1">
+    <dgm:fillClrLst meth="repeat">
+      <a:schemeClr val="lt1"/>
+    </dgm:fillClrLst>
+    <dgm:linClrLst meth="repeat">
+      <a:schemeClr val="accent1"/>
+    </dgm:linClrLst>
+    <dgm:effectClrLst/>
+    <dgm:txLinClrLst/>
+    <dgm:txFillClrLst meth="repeat">
+      <a:schemeClr val="dk1"/>
+    </dgm:txFillClrLst>
+    <dgm:txEffectClrLst/>
+  </dgm:styleLbl>
+  <dgm:styleLbl name="solidAlignAcc1">
+    <dgm:fillClrLst meth="repeat">
+      <a:schemeClr val="lt1"/>
+    </dgm:fillClrLst>
+    <dgm:linClrLst meth="repeat">
+      <a:schemeClr val="accent1"/>
+    </dgm:linClrLst>
+    <dgm:effectClrLst/>
+    <dgm:txLinClrLst/>
+    <dgm:txFillClrLst meth="repeat">
+      <a:schemeClr val="dk1"/>
+    </dgm:txFillClrLst>
+    <dgm:txEffectClrLst/>
+  </dgm:styleLbl>
+  <dgm:styleLbl name="solidBgAcc1">
+    <dgm:fillClrLst meth="repeat">
+      <a:schemeClr val="lt1"/>
+    </dgm:fillClrLst>
+    <dgm:linClrLst meth="repeat">
+      <a:schemeClr val="accent1"/>
+    </dgm:linClrLst>
+    <dgm:effectClrLst/>
+    <dgm:txLinClrLst/>
+    <dgm:txFillClrLst meth="repeat">
+      <a:schemeClr val="dk1"/>
+    </dgm:txFillClrLst>
+    <dgm:txEffectClrLst/>
+  </dgm:styleLbl>
+  <dgm:styleLbl name="fgAccFollowNode1">
+    <dgm:fillClrLst meth="repeat">
+      <a:schemeClr val="accent1">
+        <a:alpha val="90000"/>
+        <a:tint val="40000"/>
+      </a:schemeClr>
+    </dgm:fillClrLst>
+    <dgm:linClrLst meth="repeat">
+      <a:schemeClr val="accent1">
+        <a:alpha val="90000"/>
+        <a:tint val="40000"/>
+      </a:schemeClr>
+    </dgm:linClrLst>
+    <dgm:effectClrLst/>
+    <dgm:txLinClrLst/>
+    <dgm:txFillClrLst meth="repeat">
+      <a:schemeClr val="dk1"/>
+    </dgm:txFillClrLst>
+    <dgm:txEffectClrLst/>
+  </dgm:styleLbl>
+  <dgm:styleLbl name="alignAccFollowNode1">
+    <dgm:fillClrLst meth="repeat">
+      <a:schemeClr val="accent1">
+        <a:alpha val="90000"/>
+        <a:tint val="40000"/>
+      </a:schemeClr>
+    </dgm:fillClrLst>
+    <dgm:linClrLst meth="repeat">
+      <a:schemeClr val="accent1">
+        <a:alpha val="90000"/>
+        <a:tint val="40000"/>
+      </a:schemeClr>
+    </dgm:linClrLst>
+    <dgm:effectClrLst/>
+    <dgm:txLinClrLst/>
+    <dgm:txFillClrLst meth="repeat">
+      <a:schemeClr val="dk1"/>
+    </dgm:txFillClrLst>
+    <dgm:txEffectClrLst/>
+  </dgm:styleLbl>
+  <dgm:styleLbl name="bgAccFollowNode1">
+    <dgm:fillClrLst meth="repeat">
+      <a:schemeClr val="accent1">
+        <a:alpha val="90000"/>
+        <a:tint val="40000"/>
+      </a:schemeClr>
+    </dgm:fillClrLst>
+    <dgm:linClrLst meth="repeat">
+      <a:schemeClr val="accent1">
+        <a:alpha val="90000"/>
+        <a:tint val="40000"/>
+      </a:schemeClr>
+    </dgm:linClrLst>
+    <dgm:effectClrLst/>
+    <dgm:txLinClrLst/>
+    <dgm:txFillClrLst meth="repeat">
+      <a:schemeClr val="dk1"/>
+    </dgm:txFillClrLst>
+    <dgm:txEffectClrLst/>
+  </dgm:styleLbl>
+  <dgm:styleLbl name="fgAcc0">
+    <dgm:fillClrLst meth="repeat">
+      <a:schemeClr val="lt1">
+        <a:alpha val="90000"/>
+      </a:schemeClr>
+    </dgm:fillClrLst>
+    <dgm:linClrLst meth="repeat">
+      <a:schemeClr val="accent1"/>
+    </dgm:linClrLst>
+    <dgm:effectClrLst/>
+    <dgm:txLinClrLst/>
+    <dgm:txFillClrLst meth="repeat">
+      <a:schemeClr val="dk1"/>
+    </dgm:txFillClrLst>
+    <dgm:txEffectClrLst/>
+  </dgm:styleLbl>
+  <dgm:styleLbl name="fgAcc2">
+    <dgm:fillClrLst meth="repeat">
+      <a:schemeClr val="lt1">
+        <a:alpha val="90000"/>
+      </a:schemeClr>
+    </dgm:fillClrLst>
+    <dgm:linClrLst meth="repeat">
+      <a:schemeClr val="accent1"/>
+    </dgm:linClrLst>
+    <dgm:effectClrLst/>
+    <dgm:txLinClrLst/>
+    <dgm:txFillClrLst meth="repeat">
+      <a:schemeClr val="dk1"/>
+    </dgm:txFillClrLst>
+    <dgm:txEffectClrLst/>
+  </dgm:styleLbl>
+  <dgm:styleLbl name="fgAcc3">
+    <dgm:fillClrLst meth="repeat">
+      <a:schemeClr val="lt1">
+        <a:alpha val="90000"/>
+      </a:schemeClr>
+    </dgm:fillClrLst>
+    <dgm:linClrLst meth="repeat">
+      <a:schemeClr val="accent1"/>
+    </dgm:linClrLst>
+    <dgm:effectClrLst/>
+    <dgm:txLinClrLst/>
+    <dgm:txFillClrLst meth="repeat">
+      <a:schemeClr val="dk1"/>
+    </dgm:txFillClrLst>
+    <dgm:txEffectClrLst/>
+  </dgm:styleLbl>
+  <dgm:styleLbl name="fgAcc4">
+    <dgm:fillClrLst meth="repeat">
+      <a:schemeClr val="lt1">
+        <a:alpha val="90000"/>
+      </a:schemeClr>
+    </dgm:fillClrLst>
+    <dgm:linClrLst meth="repeat">
+      <a:schemeClr val="accent1"/>
+    </dgm:linClrLst>
+    <dgm:effectClrLst/>
+    <dgm:txLinClrLst/>
+    <dgm:txFillClrLst meth="repeat">
+      <a:schemeClr val="dk1"/>
+    </dgm:txFillClrLst>
+    <dgm:txEffectClrLst/>
+  </dgm:styleLbl>
+  <dgm:styleLbl name="bgShp">
+    <dgm:fillClrLst meth="repeat">
+      <a:schemeClr val="accent1">
+        <a:tint val="40000"/>
+      </a:schemeClr>
+    </dgm:fillClrLst>
+    <dgm:linClrLst meth="repeat">
+      <a:schemeClr val="accent1"/>
+    </dgm:linClrLst>
+    <dgm:effectClrLst/>
+    <dgm:txLinClrLst/>
+    <dgm:txFillClrLst meth="repeat">
+      <a:schemeClr val="dk1"/>
+    </dgm:txFillClrLst>
+    <dgm:txEffectClrLst/>
+  </dgm:styleLbl>
+  <dgm:styleLbl name="dkBgShp">
+    <dgm:fillClrLst meth="repeat">
+      <a:schemeClr val="accent1">
+        <a:shade val="80000"/>
+      </a:schemeClr>
+    </dgm:fillClrLst>
+    <dgm:linClrLst meth="repeat">
+      <a:schemeClr val="accent1"/>
+    </dgm:linClrLst>
+    <dgm:effectClrLst/>
+    <dgm:txLinClrLst/>
+    <dgm:txFillClrLst meth="repeat">
+      <a:schemeClr val="lt1"/>
+    </dgm:txFillClrLst>
+    <dgm:txEffectClrLst/>
+  </dgm:styleLbl>
+  <dgm:styleLbl name="trBgShp">
+    <dgm:fillClrLst meth="repeat">
+      <a:schemeClr val="accent1">
+        <a:tint val="50000"/>
+        <a:alpha val="40000"/>
+      </a:schemeClr>
+    </dgm:fillClrLst>
+    <dgm:linClrLst meth="repeat">
+      <a:schemeClr val="accent1"/>
+    </dgm:linClrLst>
+    <dgm:effectClrLst/>
+    <dgm:txLinClrLst/>
+    <dgm:txFillClrLst meth="repeat">
+      <a:schemeClr val="lt1"/>
+    </dgm:txFillClrLst>
+    <dgm:txEffectClrLst/>
+  </dgm:styleLbl>
+  <dgm:styleLbl name="fgShp">
+    <dgm:fillClrLst meth="repeat">
+      <a:schemeClr val="accent1">
+        <a:tint val="60000"/>
+      </a:schemeClr>
+    </dgm:fillClrLst>
+    <dgm:linClrLst meth="repeat">
+      <a:schemeClr val="lt1"/>
+    </dgm:linClrLst>
+    <dgm:effectClrLst/>
+    <dgm:txLinClrLst/>
+    <dgm:txFillClrLst meth="repeat">
+      <a:schemeClr val="dk1"/>
+    </dgm:txFillClrLst>
+    <dgm:txEffectClrLst/>
+  </dgm:styleLbl>
+  <dgm:styleLbl name="revTx">
+    <dgm:fillClrLst meth="repeat">
+      <a:schemeClr val="lt1">
+        <a:alpha val="0"/>
+      </a:schemeClr>
+    </dgm:fillClrLst>
+    <dgm:linClrLst meth="repeat">
+      <a:schemeClr val="dk1">
+        <a:alpha val="0"/>
+      </a:schemeClr>
+    </dgm:linClrLst>
+    <dgm:effectClrLst/>
+    <dgm:txLinClrLst/>
+    <dgm:txFillClrLst meth="repeat">
+      <a:schemeClr val="tx1"/>
+    </dgm:txFillClrLst>
+    <dgm:txEffectClrLst/>
+  </dgm:styleLbl>
+</dgm:colorsDef>
+</file>
+
+<file path=ppt/diagrams/colors2.xml><?xml version="1.0" encoding="utf-8"?>
 <dgm:colorsDef xmlns:dgm="http://schemas.openxmlformats.org/drawingml/2006/diagram" xmlns:a="http://schemas.openxmlformats.org/drawingml/2006/main" uniqueId="urn:microsoft.com/office/officeart/2005/8/colors/accent1_2">
   <dgm:title val=""/>
   <dgm:desc val=""/>
@@ -1027,6 +1779,223 @@
 </dgm:dataModel>
 </file>
 
+<file path=ppt/diagrams/data2.xml><?xml version="1.0" encoding="utf-8"?>
+<dgm:dataModel xmlns:dgm="http://schemas.openxmlformats.org/drawingml/2006/diagram" xmlns:a="http://schemas.openxmlformats.org/drawingml/2006/main">
+  <dgm:ptLst>
+    <dgm:pt modelId="{84D7D0E4-2D8A-497E-B748-90A90281DDDF}" type="doc">
+      <dgm:prSet loTypeId="urn:microsoft.com/office/officeart/2005/8/layout/cycle2" loCatId="cycle" qsTypeId="urn:microsoft.com/office/officeart/2005/8/quickstyle/simple1" qsCatId="simple" csTypeId="urn:microsoft.com/office/officeart/2005/8/colors/accent1_2" csCatId="accent1" phldr="1"/>
+      <dgm:spPr/>
+      <dgm:t>
+        <a:bodyPr/>
+        <a:lstStyle/>
+        <a:p>
+          <a:endParaRPr lang="zh-CN" altLang="en-US"/>
+        </a:p>
+      </dgm:t>
+    </dgm:pt>
+    <dgm:pt modelId="{616770AD-C635-4E0F-8D61-F36489CC932D}">
+      <dgm:prSet phldrT="[文本]"/>
+      <dgm:spPr/>
+      <dgm:t>
+        <a:bodyPr/>
+        <a:lstStyle/>
+        <a:p>
+          <a:r>
+            <a:rPr lang="en-US" altLang="zh-CN" dirty="0"/>
+            <a:t>A</a:t>
+          </a:r>
+          <a:endParaRPr lang="zh-CN" altLang="en-US" dirty="0"/>
+        </a:p>
+      </dgm:t>
+    </dgm:pt>
+    <dgm:pt modelId="{4C8A2BDF-F30A-4104-AEEC-3358080493AA}" type="parTrans" cxnId="{AD03F35C-683A-4AF3-BE21-EF670F700262}">
+      <dgm:prSet/>
+      <dgm:spPr/>
+      <dgm:t>
+        <a:bodyPr/>
+        <a:lstStyle/>
+        <a:p>
+          <a:endParaRPr lang="zh-CN" altLang="en-US"/>
+        </a:p>
+      </dgm:t>
+    </dgm:pt>
+    <dgm:pt modelId="{1E62CD41-EC01-418C-90BE-E31F30EDD9E8}" type="sibTrans" cxnId="{AD03F35C-683A-4AF3-BE21-EF670F700262}">
+      <dgm:prSet/>
+      <dgm:spPr/>
+      <dgm:t>
+        <a:bodyPr/>
+        <a:lstStyle/>
+        <a:p>
+          <a:endParaRPr lang="zh-CN" altLang="en-US"/>
+        </a:p>
+      </dgm:t>
+    </dgm:pt>
+    <dgm:pt modelId="{EFBB782F-B8E8-4FA8-A272-9E6B712DBE8A}">
+      <dgm:prSet phldrT="[文本]"/>
+      <dgm:spPr/>
+      <dgm:t>
+        <a:bodyPr/>
+        <a:lstStyle/>
+        <a:p>
+          <a:r>
+            <a:rPr lang="en-US" altLang="zh-CN" dirty="0"/>
+            <a:t>D</a:t>
+          </a:r>
+          <a:endParaRPr lang="zh-CN" altLang="en-US" dirty="0"/>
+        </a:p>
+      </dgm:t>
+    </dgm:pt>
+    <dgm:pt modelId="{63614F12-76A4-4F06-82E9-BA9048064174}" type="parTrans" cxnId="{79704B62-0F7C-4305-98DF-F251D37123FE}">
+      <dgm:prSet/>
+      <dgm:spPr/>
+      <dgm:t>
+        <a:bodyPr/>
+        <a:lstStyle/>
+        <a:p>
+          <a:endParaRPr lang="zh-CN" altLang="en-US"/>
+        </a:p>
+      </dgm:t>
+    </dgm:pt>
+    <dgm:pt modelId="{E6D03229-D29A-46BA-8963-175347BECBC1}" type="sibTrans" cxnId="{79704B62-0F7C-4305-98DF-F251D37123FE}">
+      <dgm:prSet/>
+      <dgm:spPr/>
+      <dgm:t>
+        <a:bodyPr/>
+        <a:lstStyle/>
+        <a:p>
+          <a:endParaRPr lang="zh-CN" altLang="en-US"/>
+        </a:p>
+      </dgm:t>
+    </dgm:pt>
+    <dgm:pt modelId="{92FD4F9C-054A-4E9B-A2D0-D6A438B4BE65}">
+      <dgm:prSet phldrT="[文本]"/>
+      <dgm:spPr/>
+      <dgm:t>
+        <a:bodyPr/>
+        <a:lstStyle/>
+        <a:p>
+          <a:r>
+            <a:rPr lang="en-US" altLang="zh-CN" dirty="0"/>
+            <a:t>M</a:t>
+          </a:r>
+          <a:endParaRPr lang="zh-CN" altLang="en-US" dirty="0"/>
+        </a:p>
+      </dgm:t>
+    </dgm:pt>
+    <dgm:pt modelId="{D06D8005-08A3-4580-9087-1FB4041E9E07}" type="parTrans" cxnId="{FF14B234-5E73-4860-9AE1-104C3B2992DA}">
+      <dgm:prSet/>
+      <dgm:spPr/>
+      <dgm:t>
+        <a:bodyPr/>
+        <a:lstStyle/>
+        <a:p>
+          <a:endParaRPr lang="zh-CN" altLang="en-US"/>
+        </a:p>
+      </dgm:t>
+    </dgm:pt>
+    <dgm:pt modelId="{2C5D6EB2-0CF5-4D83-9B21-1416A58A4631}" type="sibTrans" cxnId="{FF14B234-5E73-4860-9AE1-104C3B2992DA}">
+      <dgm:prSet/>
+      <dgm:spPr/>
+      <dgm:t>
+        <a:bodyPr/>
+        <a:lstStyle/>
+        <a:p>
+          <a:endParaRPr lang="zh-CN" altLang="en-US"/>
+        </a:p>
+      </dgm:t>
+    </dgm:pt>
+    <dgm:pt modelId="{AB58BC33-35E6-4592-93E6-66FD533512C1}" type="pres">
+      <dgm:prSet presAssocID="{84D7D0E4-2D8A-497E-B748-90A90281DDDF}" presName="cycle" presStyleCnt="0">
+        <dgm:presLayoutVars>
+          <dgm:dir/>
+          <dgm:resizeHandles val="exact"/>
+        </dgm:presLayoutVars>
+      </dgm:prSet>
+      <dgm:spPr/>
+    </dgm:pt>
+    <dgm:pt modelId="{50862458-5BC7-439C-BC7A-DAD09D3000BC}" type="pres">
+      <dgm:prSet presAssocID="{616770AD-C635-4E0F-8D61-F36489CC932D}" presName="node" presStyleLbl="node1" presStyleIdx="0" presStyleCnt="3" custRadScaleRad="96450" custRadScaleInc="-1193">
+        <dgm:presLayoutVars>
+          <dgm:bulletEnabled val="1"/>
+        </dgm:presLayoutVars>
+      </dgm:prSet>
+      <dgm:spPr/>
+    </dgm:pt>
+    <dgm:pt modelId="{40B9F26D-EF78-4021-ADAD-B2DA2989E4DC}" type="pres">
+      <dgm:prSet presAssocID="{1E62CD41-EC01-418C-90BE-E31F30EDD9E8}" presName="sibTrans" presStyleLbl="sibTrans2D1" presStyleIdx="0" presStyleCnt="3"/>
+      <dgm:spPr/>
+    </dgm:pt>
+    <dgm:pt modelId="{6189A33A-4068-4F0F-B745-1AB05232C0D5}" type="pres">
+      <dgm:prSet presAssocID="{1E62CD41-EC01-418C-90BE-E31F30EDD9E8}" presName="connectorText" presStyleLbl="sibTrans2D1" presStyleIdx="0" presStyleCnt="3"/>
+      <dgm:spPr/>
+    </dgm:pt>
+    <dgm:pt modelId="{AFA1E341-19E5-4FED-83E7-6F45154C62D8}" type="pres">
+      <dgm:prSet presAssocID="{EFBB782F-B8E8-4FA8-A272-9E6B712DBE8A}" presName="node" presStyleLbl="node1" presStyleIdx="1" presStyleCnt="3">
+        <dgm:presLayoutVars>
+          <dgm:bulletEnabled val="1"/>
+        </dgm:presLayoutVars>
+      </dgm:prSet>
+      <dgm:spPr/>
+    </dgm:pt>
+    <dgm:pt modelId="{C1C4728B-1354-466A-900D-A128CDF6F09C}" type="pres">
+      <dgm:prSet presAssocID="{E6D03229-D29A-46BA-8963-175347BECBC1}" presName="sibTrans" presStyleLbl="sibTrans2D1" presStyleIdx="1" presStyleCnt="3"/>
+      <dgm:spPr/>
+    </dgm:pt>
+    <dgm:pt modelId="{B165D22A-A333-47CE-9CD7-0712262F8AED}" type="pres">
+      <dgm:prSet presAssocID="{E6D03229-D29A-46BA-8963-175347BECBC1}" presName="connectorText" presStyleLbl="sibTrans2D1" presStyleIdx="1" presStyleCnt="3"/>
+      <dgm:spPr/>
+    </dgm:pt>
+    <dgm:pt modelId="{7AD93F0A-92D2-43AE-A7BC-AA243D482C79}" type="pres">
+      <dgm:prSet presAssocID="{92FD4F9C-054A-4E9B-A2D0-D6A438B4BE65}" presName="node" presStyleLbl="node1" presStyleIdx="2" presStyleCnt="3">
+        <dgm:presLayoutVars>
+          <dgm:bulletEnabled val="1"/>
+        </dgm:presLayoutVars>
+      </dgm:prSet>
+      <dgm:spPr/>
+    </dgm:pt>
+    <dgm:pt modelId="{8778F986-43C0-401C-952F-46736B0561CF}" type="pres">
+      <dgm:prSet presAssocID="{2C5D6EB2-0CF5-4D83-9B21-1416A58A4631}" presName="sibTrans" presStyleLbl="sibTrans2D1" presStyleIdx="2" presStyleCnt="3"/>
+      <dgm:spPr/>
+    </dgm:pt>
+    <dgm:pt modelId="{638190FB-7C55-4C3F-9936-2B8F2C06625E}" type="pres">
+      <dgm:prSet presAssocID="{2C5D6EB2-0CF5-4D83-9B21-1416A58A4631}" presName="connectorText" presStyleLbl="sibTrans2D1" presStyleIdx="2" presStyleCnt="3"/>
+      <dgm:spPr/>
+    </dgm:pt>
+  </dgm:ptLst>
+  <dgm:cxnLst>
+    <dgm:cxn modelId="{E8C1710A-2DA6-4D2D-9E62-95879C105073}" type="presOf" srcId="{1E62CD41-EC01-418C-90BE-E31F30EDD9E8}" destId="{40B9F26D-EF78-4021-ADAD-B2DA2989E4DC}" srcOrd="0" destOrd="0" presId="urn:microsoft.com/office/officeart/2005/8/layout/cycle2"/>
+    <dgm:cxn modelId="{BD139719-993A-408A-9E60-ECA6A1F04B88}" type="presOf" srcId="{E6D03229-D29A-46BA-8963-175347BECBC1}" destId="{C1C4728B-1354-466A-900D-A128CDF6F09C}" srcOrd="0" destOrd="0" presId="urn:microsoft.com/office/officeart/2005/8/layout/cycle2"/>
+    <dgm:cxn modelId="{DBBA052A-329B-4543-BE41-67C9FAA338B3}" type="presOf" srcId="{2C5D6EB2-0CF5-4D83-9B21-1416A58A4631}" destId="{8778F986-43C0-401C-952F-46736B0561CF}" srcOrd="0" destOrd="0" presId="urn:microsoft.com/office/officeart/2005/8/layout/cycle2"/>
+    <dgm:cxn modelId="{FF14B234-5E73-4860-9AE1-104C3B2992DA}" srcId="{84D7D0E4-2D8A-497E-B748-90A90281DDDF}" destId="{92FD4F9C-054A-4E9B-A2D0-D6A438B4BE65}" srcOrd="2" destOrd="0" parTransId="{D06D8005-08A3-4580-9087-1FB4041E9E07}" sibTransId="{2C5D6EB2-0CF5-4D83-9B21-1416A58A4631}"/>
+    <dgm:cxn modelId="{5C3B2D39-D85D-431D-B171-C4890E7A0A93}" type="presOf" srcId="{1E62CD41-EC01-418C-90BE-E31F30EDD9E8}" destId="{6189A33A-4068-4F0F-B745-1AB05232C0D5}" srcOrd="1" destOrd="0" presId="urn:microsoft.com/office/officeart/2005/8/layout/cycle2"/>
+    <dgm:cxn modelId="{AD03F35C-683A-4AF3-BE21-EF670F700262}" srcId="{84D7D0E4-2D8A-497E-B748-90A90281DDDF}" destId="{616770AD-C635-4E0F-8D61-F36489CC932D}" srcOrd="0" destOrd="0" parTransId="{4C8A2BDF-F30A-4104-AEEC-3358080493AA}" sibTransId="{1E62CD41-EC01-418C-90BE-E31F30EDD9E8}"/>
+    <dgm:cxn modelId="{79704B62-0F7C-4305-98DF-F251D37123FE}" srcId="{84D7D0E4-2D8A-497E-B748-90A90281DDDF}" destId="{EFBB782F-B8E8-4FA8-A272-9E6B712DBE8A}" srcOrd="1" destOrd="0" parTransId="{63614F12-76A4-4F06-82E9-BA9048064174}" sibTransId="{E6D03229-D29A-46BA-8963-175347BECBC1}"/>
+    <dgm:cxn modelId="{CDEED371-E950-4443-BDFE-D647F51DB612}" type="presOf" srcId="{616770AD-C635-4E0F-8D61-F36489CC932D}" destId="{50862458-5BC7-439C-BC7A-DAD09D3000BC}" srcOrd="0" destOrd="0" presId="urn:microsoft.com/office/officeart/2005/8/layout/cycle2"/>
+    <dgm:cxn modelId="{08E93693-63D6-4E98-8BBB-8E818DC1B9E5}" type="presOf" srcId="{92FD4F9C-054A-4E9B-A2D0-D6A438B4BE65}" destId="{7AD93F0A-92D2-43AE-A7BC-AA243D482C79}" srcOrd="0" destOrd="0" presId="urn:microsoft.com/office/officeart/2005/8/layout/cycle2"/>
+    <dgm:cxn modelId="{8E333EBF-C91F-4831-8582-23D9A264A18B}" type="presOf" srcId="{84D7D0E4-2D8A-497E-B748-90A90281DDDF}" destId="{AB58BC33-35E6-4592-93E6-66FD533512C1}" srcOrd="0" destOrd="0" presId="urn:microsoft.com/office/officeart/2005/8/layout/cycle2"/>
+    <dgm:cxn modelId="{ECFEFEC0-5142-4AEF-BD65-315D22A9716E}" type="presOf" srcId="{EFBB782F-B8E8-4FA8-A272-9E6B712DBE8A}" destId="{AFA1E341-19E5-4FED-83E7-6F45154C62D8}" srcOrd="0" destOrd="0" presId="urn:microsoft.com/office/officeart/2005/8/layout/cycle2"/>
+    <dgm:cxn modelId="{D32008E1-B18F-4C0E-85D9-E0E97B3281D5}" type="presOf" srcId="{2C5D6EB2-0CF5-4D83-9B21-1416A58A4631}" destId="{638190FB-7C55-4C3F-9936-2B8F2C06625E}" srcOrd="1" destOrd="0" presId="urn:microsoft.com/office/officeart/2005/8/layout/cycle2"/>
+    <dgm:cxn modelId="{785A86ED-928A-4947-AB4A-3466D5AABBA2}" type="presOf" srcId="{E6D03229-D29A-46BA-8963-175347BECBC1}" destId="{B165D22A-A333-47CE-9CD7-0712262F8AED}" srcOrd="1" destOrd="0" presId="urn:microsoft.com/office/officeart/2005/8/layout/cycle2"/>
+    <dgm:cxn modelId="{0C6764F0-D4DE-4937-AD3E-4788A3AE746E}" type="presParOf" srcId="{AB58BC33-35E6-4592-93E6-66FD533512C1}" destId="{50862458-5BC7-439C-BC7A-DAD09D3000BC}" srcOrd="0" destOrd="0" presId="urn:microsoft.com/office/officeart/2005/8/layout/cycle2"/>
+    <dgm:cxn modelId="{618AED1D-8F64-460B-B0BC-77C063FDE6E8}" type="presParOf" srcId="{AB58BC33-35E6-4592-93E6-66FD533512C1}" destId="{40B9F26D-EF78-4021-ADAD-B2DA2989E4DC}" srcOrd="1" destOrd="0" presId="urn:microsoft.com/office/officeart/2005/8/layout/cycle2"/>
+    <dgm:cxn modelId="{4A82C099-705A-4DC7-BDF7-377FE6909F6B}" type="presParOf" srcId="{40B9F26D-EF78-4021-ADAD-B2DA2989E4DC}" destId="{6189A33A-4068-4F0F-B745-1AB05232C0D5}" srcOrd="0" destOrd="0" presId="urn:microsoft.com/office/officeart/2005/8/layout/cycle2"/>
+    <dgm:cxn modelId="{400F8B44-2F25-4078-B469-3C600D265B79}" type="presParOf" srcId="{AB58BC33-35E6-4592-93E6-66FD533512C1}" destId="{AFA1E341-19E5-4FED-83E7-6F45154C62D8}" srcOrd="2" destOrd="0" presId="urn:microsoft.com/office/officeart/2005/8/layout/cycle2"/>
+    <dgm:cxn modelId="{304D9665-512E-4AC7-842B-3F1AB7D3B90E}" type="presParOf" srcId="{AB58BC33-35E6-4592-93E6-66FD533512C1}" destId="{C1C4728B-1354-466A-900D-A128CDF6F09C}" srcOrd="3" destOrd="0" presId="urn:microsoft.com/office/officeart/2005/8/layout/cycle2"/>
+    <dgm:cxn modelId="{CC034CAA-B030-4C86-B602-082060D9D2F4}" type="presParOf" srcId="{C1C4728B-1354-466A-900D-A128CDF6F09C}" destId="{B165D22A-A333-47CE-9CD7-0712262F8AED}" srcOrd="0" destOrd="0" presId="urn:microsoft.com/office/officeart/2005/8/layout/cycle2"/>
+    <dgm:cxn modelId="{BC219033-59C4-480B-8C87-7380B8FAC7D8}" type="presParOf" srcId="{AB58BC33-35E6-4592-93E6-66FD533512C1}" destId="{7AD93F0A-92D2-43AE-A7BC-AA243D482C79}" srcOrd="4" destOrd="0" presId="urn:microsoft.com/office/officeart/2005/8/layout/cycle2"/>
+    <dgm:cxn modelId="{47859B27-5B2C-490B-9FAE-72EB24E59B3A}" type="presParOf" srcId="{AB58BC33-35E6-4592-93E6-66FD533512C1}" destId="{8778F986-43C0-401C-952F-46736B0561CF}" srcOrd="5" destOrd="0" presId="urn:microsoft.com/office/officeart/2005/8/layout/cycle2"/>
+    <dgm:cxn modelId="{07829F6E-96D8-40A1-8BC1-D48B48FD9718}" type="presParOf" srcId="{8778F986-43C0-401C-952F-46736B0561CF}" destId="{638190FB-7C55-4C3F-9936-2B8F2C06625E}" srcOrd="0" destOrd="0" presId="urn:microsoft.com/office/officeart/2005/8/layout/cycle2"/>
+  </dgm:cxnLst>
+  <dgm:bg/>
+  <dgm:whole/>
+  <dgm:extLst>
+    <a:ext uri="http://schemas.microsoft.com/office/drawing/2008/diagram">
+      <dsp:dataModelExt xmlns:dsp="http://schemas.microsoft.com/office/drawing/2008/diagram" relId="rId6" minVer="http://schemas.openxmlformats.org/drawingml/2006/diagram"/>
+    </a:ext>
+  </dgm:extLst>
+</dgm:dataModel>
+</file>
+
 <file path=ppt/diagrams/drawing1.xml><?xml version="1.0" encoding="utf-8"?>
 <dsp:drawing xmlns:dgm="http://schemas.openxmlformats.org/drawingml/2006/diagram" xmlns:dsp="http://schemas.microsoft.com/office/drawing/2008/diagram" xmlns:a="http://schemas.openxmlformats.org/drawingml/2006/main">
   <dsp:spTree>
@@ -1335,7 +2304,674 @@
 </dsp:drawing>
 </file>
 
+<file path=ppt/diagrams/drawing2.xml><?xml version="1.0" encoding="utf-8"?>
+<dsp:drawing xmlns:dgm="http://schemas.openxmlformats.org/drawingml/2006/diagram" xmlns:dsp="http://schemas.microsoft.com/office/drawing/2008/diagram" xmlns:a="http://schemas.openxmlformats.org/drawingml/2006/main">
+  <dsp:spTree>
+    <dsp:nvGrpSpPr>
+      <dsp:cNvPr id="0" name=""/>
+      <dsp:cNvGrpSpPr/>
+    </dsp:nvGrpSpPr>
+    <dsp:grpSpPr/>
+    <dsp:sp modelId="{50862458-5BC7-439C-BC7A-DAD09D3000BC}">
+      <dsp:nvSpPr>
+        <dsp:cNvPr id="0" name=""/>
+        <dsp:cNvSpPr/>
+      </dsp:nvSpPr>
+      <dsp:spPr>
+        <a:xfrm>
+          <a:off x="1806721" y="47292"/>
+          <a:ext cx="1510348" cy="1510348"/>
+        </a:xfrm>
+        <a:prstGeom prst="ellipse">
+          <a:avLst/>
+        </a:prstGeom>
+        <a:solidFill>
+          <a:schemeClr val="accent1">
+            <a:hueOff val="0"/>
+            <a:satOff val="0"/>
+            <a:lumOff val="0"/>
+            <a:alphaOff val="0"/>
+          </a:schemeClr>
+        </a:solidFill>
+        <a:ln w="12700" cap="flat" cmpd="sng" algn="in">
+          <a:solidFill>
+            <a:schemeClr val="lt1">
+              <a:hueOff val="0"/>
+              <a:satOff val="0"/>
+              <a:lumOff val="0"/>
+              <a:alphaOff val="0"/>
+            </a:schemeClr>
+          </a:solidFill>
+          <a:prstDash val="solid"/>
+        </a:ln>
+        <a:effectLst/>
+      </dsp:spPr>
+      <dsp:style>
+        <a:lnRef idx="2">
+          <a:scrgbClr r="0" g="0" b="0"/>
+        </a:lnRef>
+        <a:fillRef idx="1">
+          <a:scrgbClr r="0" g="0" b="0"/>
+        </a:fillRef>
+        <a:effectRef idx="0">
+          <a:scrgbClr r="0" g="0" b="0"/>
+        </a:effectRef>
+        <a:fontRef idx="minor">
+          <a:schemeClr val="lt1"/>
+        </a:fontRef>
+      </dsp:style>
+      <dsp:txBody>
+        <a:bodyPr spcFirstLastPara="0" vert="horz" wrap="square" lIns="82550" tIns="82550" rIns="82550" bIns="82550" numCol="1" spcCol="1270" anchor="ctr" anchorCtr="0">
+          <a:noAutofit/>
+        </a:bodyPr>
+        <a:lstStyle/>
+        <a:p>
+          <a:pPr marL="0" lvl="0" indent="0" algn="ctr" defTabSz="2889250">
+            <a:lnSpc>
+              <a:spcPct val="90000"/>
+            </a:lnSpc>
+            <a:spcBef>
+              <a:spcPct val="0"/>
+            </a:spcBef>
+            <a:spcAft>
+              <a:spcPct val="35000"/>
+            </a:spcAft>
+            <a:buNone/>
+          </a:pPr>
+          <a:r>
+            <a:rPr lang="en-US" altLang="zh-CN" sz="6500" kern="1200" dirty="0"/>
+            <a:t>A</a:t>
+          </a:r>
+          <a:endParaRPr lang="zh-CN" altLang="en-US" sz="6500" kern="1200" dirty="0"/>
+        </a:p>
+      </dsp:txBody>
+      <dsp:txXfrm>
+        <a:off x="2027906" y="268477"/>
+        <a:ext cx="1067978" cy="1067978"/>
+      </dsp:txXfrm>
+    </dsp:sp>
+    <dsp:sp modelId="{40B9F26D-EF78-4021-ADAD-B2DA2989E4DC}">
+      <dsp:nvSpPr>
+        <dsp:cNvPr id="0" name=""/>
+        <dsp:cNvSpPr/>
+      </dsp:nvSpPr>
+      <dsp:spPr>
+        <a:xfrm rot="3543176">
+          <a:off x="2938955" y="1496363"/>
+          <a:ext cx="383650" cy="509742"/>
+        </a:xfrm>
+        <a:prstGeom prst="rightArrow">
+          <a:avLst>
+            <a:gd name="adj1" fmla="val 60000"/>
+            <a:gd name="adj2" fmla="val 50000"/>
+          </a:avLst>
+        </a:prstGeom>
+        <a:solidFill>
+          <a:schemeClr val="accent1">
+            <a:tint val="60000"/>
+            <a:hueOff val="0"/>
+            <a:satOff val="0"/>
+            <a:lumOff val="0"/>
+            <a:alphaOff val="0"/>
+          </a:schemeClr>
+        </a:solidFill>
+        <a:ln>
+          <a:noFill/>
+        </a:ln>
+        <a:effectLst/>
+      </dsp:spPr>
+      <dsp:style>
+        <a:lnRef idx="0">
+          <a:scrgbClr r="0" g="0" b="0"/>
+        </a:lnRef>
+        <a:fillRef idx="1">
+          <a:scrgbClr r="0" g="0" b="0"/>
+        </a:fillRef>
+        <a:effectRef idx="0">
+          <a:scrgbClr r="0" g="0" b="0"/>
+        </a:effectRef>
+        <a:fontRef idx="minor">
+          <a:schemeClr val="lt1"/>
+        </a:fontRef>
+      </dsp:style>
+      <dsp:txBody>
+        <a:bodyPr spcFirstLastPara="0" vert="horz" wrap="square" lIns="0" tIns="0" rIns="0" bIns="0" numCol="1" spcCol="1270" anchor="ctr" anchorCtr="0">
+          <a:noAutofit/>
+        </a:bodyPr>
+        <a:lstStyle/>
+        <a:p>
+          <a:pPr marL="0" lvl="0" indent="0" algn="ctr" defTabSz="1022350">
+            <a:lnSpc>
+              <a:spcPct val="90000"/>
+            </a:lnSpc>
+            <a:spcBef>
+              <a:spcPct val="0"/>
+            </a:spcBef>
+            <a:spcAft>
+              <a:spcPct val="35000"/>
+            </a:spcAft>
+            <a:buNone/>
+          </a:pPr>
+          <a:endParaRPr lang="zh-CN" altLang="en-US" sz="2300" kern="1200"/>
+        </a:p>
+      </dsp:txBody>
+      <dsp:txXfrm>
+        <a:off x="2966909" y="1548956"/>
+        <a:ext cx="268555" cy="305846"/>
+      </dsp:txXfrm>
+    </dsp:sp>
+    <dsp:sp modelId="{AFA1E341-19E5-4FED-83E7-6F45154C62D8}">
+      <dsp:nvSpPr>
+        <dsp:cNvPr id="0" name=""/>
+        <dsp:cNvSpPr/>
+      </dsp:nvSpPr>
+      <dsp:spPr>
+        <a:xfrm>
+          <a:off x="2955658" y="1963453"/>
+          <a:ext cx="1510348" cy="1510348"/>
+        </a:xfrm>
+        <a:prstGeom prst="ellipse">
+          <a:avLst/>
+        </a:prstGeom>
+        <a:solidFill>
+          <a:schemeClr val="accent1">
+            <a:hueOff val="0"/>
+            <a:satOff val="0"/>
+            <a:lumOff val="0"/>
+            <a:alphaOff val="0"/>
+          </a:schemeClr>
+        </a:solidFill>
+        <a:ln w="12700" cap="flat" cmpd="sng" algn="in">
+          <a:solidFill>
+            <a:schemeClr val="lt1">
+              <a:hueOff val="0"/>
+              <a:satOff val="0"/>
+              <a:lumOff val="0"/>
+              <a:alphaOff val="0"/>
+            </a:schemeClr>
+          </a:solidFill>
+          <a:prstDash val="solid"/>
+        </a:ln>
+        <a:effectLst/>
+      </dsp:spPr>
+      <dsp:style>
+        <a:lnRef idx="2">
+          <a:scrgbClr r="0" g="0" b="0"/>
+        </a:lnRef>
+        <a:fillRef idx="1">
+          <a:scrgbClr r="0" g="0" b="0"/>
+        </a:fillRef>
+        <a:effectRef idx="0">
+          <a:scrgbClr r="0" g="0" b="0"/>
+        </a:effectRef>
+        <a:fontRef idx="minor">
+          <a:schemeClr val="lt1"/>
+        </a:fontRef>
+      </dsp:style>
+      <dsp:txBody>
+        <a:bodyPr spcFirstLastPara="0" vert="horz" wrap="square" lIns="82550" tIns="82550" rIns="82550" bIns="82550" numCol="1" spcCol="1270" anchor="ctr" anchorCtr="0">
+          <a:noAutofit/>
+        </a:bodyPr>
+        <a:lstStyle/>
+        <a:p>
+          <a:pPr marL="0" lvl="0" indent="0" algn="ctr" defTabSz="2889250">
+            <a:lnSpc>
+              <a:spcPct val="90000"/>
+            </a:lnSpc>
+            <a:spcBef>
+              <a:spcPct val="0"/>
+            </a:spcBef>
+            <a:spcAft>
+              <a:spcPct val="35000"/>
+            </a:spcAft>
+            <a:buNone/>
+          </a:pPr>
+          <a:r>
+            <a:rPr lang="en-US" altLang="zh-CN" sz="6500" kern="1200" dirty="0"/>
+            <a:t>D</a:t>
+          </a:r>
+          <a:endParaRPr lang="zh-CN" altLang="en-US" sz="6500" kern="1200" dirty="0"/>
+        </a:p>
+      </dsp:txBody>
+      <dsp:txXfrm>
+        <a:off x="3176843" y="2184638"/>
+        <a:ext cx="1067978" cy="1067978"/>
+      </dsp:txXfrm>
+    </dsp:sp>
+    <dsp:sp modelId="{C1C4728B-1354-466A-900D-A128CDF6F09C}">
+      <dsp:nvSpPr>
+        <dsp:cNvPr id="0" name=""/>
+        <dsp:cNvSpPr/>
+      </dsp:nvSpPr>
+      <dsp:spPr>
+        <a:xfrm rot="10800000">
+          <a:off x="2388663" y="2463756"/>
+          <a:ext cx="400676" cy="509742"/>
+        </a:xfrm>
+        <a:prstGeom prst="rightArrow">
+          <a:avLst>
+            <a:gd name="adj1" fmla="val 60000"/>
+            <a:gd name="adj2" fmla="val 50000"/>
+          </a:avLst>
+        </a:prstGeom>
+        <a:solidFill>
+          <a:schemeClr val="accent1">
+            <a:tint val="60000"/>
+            <a:hueOff val="0"/>
+            <a:satOff val="0"/>
+            <a:lumOff val="0"/>
+            <a:alphaOff val="0"/>
+          </a:schemeClr>
+        </a:solidFill>
+        <a:ln>
+          <a:noFill/>
+        </a:ln>
+        <a:effectLst/>
+      </dsp:spPr>
+      <dsp:style>
+        <a:lnRef idx="0">
+          <a:scrgbClr r="0" g="0" b="0"/>
+        </a:lnRef>
+        <a:fillRef idx="1">
+          <a:scrgbClr r="0" g="0" b="0"/>
+        </a:fillRef>
+        <a:effectRef idx="0">
+          <a:scrgbClr r="0" g="0" b="0"/>
+        </a:effectRef>
+        <a:fontRef idx="minor">
+          <a:schemeClr val="lt1"/>
+        </a:fontRef>
+      </dsp:style>
+      <dsp:txBody>
+        <a:bodyPr spcFirstLastPara="0" vert="horz" wrap="square" lIns="0" tIns="0" rIns="0" bIns="0" numCol="1" spcCol="1270" anchor="ctr" anchorCtr="0">
+          <a:noAutofit/>
+        </a:bodyPr>
+        <a:lstStyle/>
+        <a:p>
+          <a:pPr marL="0" lvl="0" indent="0" algn="ctr" defTabSz="1022350">
+            <a:lnSpc>
+              <a:spcPct val="90000"/>
+            </a:lnSpc>
+            <a:spcBef>
+              <a:spcPct val="0"/>
+            </a:spcBef>
+            <a:spcAft>
+              <a:spcPct val="35000"/>
+            </a:spcAft>
+            <a:buNone/>
+          </a:pPr>
+          <a:endParaRPr lang="zh-CN" altLang="en-US" sz="2300" kern="1200"/>
+        </a:p>
+      </dsp:txBody>
+      <dsp:txXfrm rot="10800000">
+        <a:off x="2508866" y="2565704"/>
+        <a:ext cx="280473" cy="305846"/>
+      </dsp:txXfrm>
+    </dsp:sp>
+    <dsp:sp modelId="{7AD93F0A-92D2-43AE-A7BC-AA243D482C79}">
+      <dsp:nvSpPr>
+        <dsp:cNvPr id="0" name=""/>
+        <dsp:cNvSpPr/>
+      </dsp:nvSpPr>
+      <dsp:spPr>
+        <a:xfrm>
+          <a:off x="689316" y="1963453"/>
+          <a:ext cx="1510348" cy="1510348"/>
+        </a:xfrm>
+        <a:prstGeom prst="ellipse">
+          <a:avLst/>
+        </a:prstGeom>
+        <a:solidFill>
+          <a:schemeClr val="accent1">
+            <a:hueOff val="0"/>
+            <a:satOff val="0"/>
+            <a:lumOff val="0"/>
+            <a:alphaOff val="0"/>
+          </a:schemeClr>
+        </a:solidFill>
+        <a:ln w="12700" cap="flat" cmpd="sng" algn="in">
+          <a:solidFill>
+            <a:schemeClr val="lt1">
+              <a:hueOff val="0"/>
+              <a:satOff val="0"/>
+              <a:lumOff val="0"/>
+              <a:alphaOff val="0"/>
+            </a:schemeClr>
+          </a:solidFill>
+          <a:prstDash val="solid"/>
+        </a:ln>
+        <a:effectLst/>
+      </dsp:spPr>
+      <dsp:style>
+        <a:lnRef idx="2">
+          <a:scrgbClr r="0" g="0" b="0"/>
+        </a:lnRef>
+        <a:fillRef idx="1">
+          <a:scrgbClr r="0" g="0" b="0"/>
+        </a:fillRef>
+        <a:effectRef idx="0">
+          <a:scrgbClr r="0" g="0" b="0"/>
+        </a:effectRef>
+        <a:fontRef idx="minor">
+          <a:schemeClr val="lt1"/>
+        </a:fontRef>
+      </dsp:style>
+      <dsp:txBody>
+        <a:bodyPr spcFirstLastPara="0" vert="horz" wrap="square" lIns="82550" tIns="82550" rIns="82550" bIns="82550" numCol="1" spcCol="1270" anchor="ctr" anchorCtr="0">
+          <a:noAutofit/>
+        </a:bodyPr>
+        <a:lstStyle/>
+        <a:p>
+          <a:pPr marL="0" lvl="0" indent="0" algn="ctr" defTabSz="2889250">
+            <a:lnSpc>
+              <a:spcPct val="90000"/>
+            </a:lnSpc>
+            <a:spcBef>
+              <a:spcPct val="0"/>
+            </a:spcBef>
+            <a:spcAft>
+              <a:spcPct val="35000"/>
+            </a:spcAft>
+            <a:buNone/>
+          </a:pPr>
+          <a:r>
+            <a:rPr lang="en-US" altLang="zh-CN" sz="6500" kern="1200" dirty="0"/>
+            <a:t>M</a:t>
+          </a:r>
+          <a:endParaRPr lang="zh-CN" altLang="en-US" sz="6500" kern="1200" dirty="0"/>
+        </a:p>
+      </dsp:txBody>
+      <dsp:txXfrm>
+        <a:off x="910501" y="2184638"/>
+        <a:ext cx="1067978" cy="1067978"/>
+      </dsp:txXfrm>
+    </dsp:sp>
+    <dsp:sp modelId="{8778F986-43C0-401C-952F-46736B0561CF}">
+      <dsp:nvSpPr>
+        <dsp:cNvPr id="0" name=""/>
+        <dsp:cNvSpPr/>
+      </dsp:nvSpPr>
+      <dsp:spPr>
+        <a:xfrm rot="18014910">
+          <a:off x="1810272" y="1514848"/>
+          <a:ext cx="375143" cy="509742"/>
+        </a:xfrm>
+        <a:prstGeom prst="rightArrow">
+          <a:avLst>
+            <a:gd name="adj1" fmla="val 60000"/>
+            <a:gd name="adj2" fmla="val 50000"/>
+          </a:avLst>
+        </a:prstGeom>
+        <a:solidFill>
+          <a:schemeClr val="accent1">
+            <a:tint val="60000"/>
+            <a:hueOff val="0"/>
+            <a:satOff val="0"/>
+            <a:lumOff val="0"/>
+            <a:alphaOff val="0"/>
+          </a:schemeClr>
+        </a:solidFill>
+        <a:ln>
+          <a:noFill/>
+        </a:ln>
+        <a:effectLst/>
+      </dsp:spPr>
+      <dsp:style>
+        <a:lnRef idx="0">
+          <a:scrgbClr r="0" g="0" b="0"/>
+        </a:lnRef>
+        <a:fillRef idx="1">
+          <a:scrgbClr r="0" g="0" b="0"/>
+        </a:fillRef>
+        <a:effectRef idx="0">
+          <a:scrgbClr r="0" g="0" b="0"/>
+        </a:effectRef>
+        <a:fontRef idx="minor">
+          <a:schemeClr val="lt1"/>
+        </a:fontRef>
+      </dsp:style>
+      <dsp:txBody>
+        <a:bodyPr spcFirstLastPara="0" vert="horz" wrap="square" lIns="0" tIns="0" rIns="0" bIns="0" numCol="1" spcCol="1270" anchor="ctr" anchorCtr="0">
+          <a:noAutofit/>
+        </a:bodyPr>
+        <a:lstStyle/>
+        <a:p>
+          <a:pPr marL="0" lvl="0" indent="0" algn="ctr" defTabSz="1022350">
+            <a:lnSpc>
+              <a:spcPct val="90000"/>
+            </a:lnSpc>
+            <a:spcBef>
+              <a:spcPct val="0"/>
+            </a:spcBef>
+            <a:spcAft>
+              <a:spcPct val="35000"/>
+            </a:spcAft>
+            <a:buNone/>
+          </a:pPr>
+          <a:endParaRPr lang="zh-CN" altLang="en-US" sz="2300" kern="1200"/>
+        </a:p>
+      </dsp:txBody>
+      <dsp:txXfrm>
+        <a:off x="1838197" y="1665406"/>
+        <a:ext cx="262600" cy="305846"/>
+      </dsp:txXfrm>
+    </dsp:sp>
+  </dsp:spTree>
+</dsp:drawing>
+</file>
+
 <file path=ppt/diagrams/layout1.xml><?xml version="1.0" encoding="utf-8"?>
+<dgm:layoutDef xmlns:dgm="http://schemas.openxmlformats.org/drawingml/2006/diagram" xmlns:a="http://schemas.openxmlformats.org/drawingml/2006/main" uniqueId="urn:microsoft.com/office/officeart/2005/8/layout/cycle2">
+  <dgm:title val=""/>
+  <dgm:desc val=""/>
+  <dgm:catLst>
+    <dgm:cat type="cycle" pri="1000"/>
+    <dgm:cat type="convert" pri="10000"/>
+  </dgm:catLst>
+  <dgm:sampData>
+    <dgm:dataModel>
+      <dgm:ptLst>
+        <dgm:pt modelId="0" type="doc"/>
+        <dgm:pt modelId="1">
+          <dgm:prSet phldr="1"/>
+        </dgm:pt>
+        <dgm:pt modelId="2">
+          <dgm:prSet phldr="1"/>
+        </dgm:pt>
+        <dgm:pt modelId="3">
+          <dgm:prSet phldr="1"/>
+        </dgm:pt>
+        <dgm:pt modelId="4">
+          <dgm:prSet phldr="1"/>
+        </dgm:pt>
+        <dgm:pt modelId="5">
+          <dgm:prSet phldr="1"/>
+        </dgm:pt>
+      </dgm:ptLst>
+      <dgm:cxnLst>
+        <dgm:cxn modelId="6" srcId="0" destId="1" srcOrd="0" destOrd="0"/>
+        <dgm:cxn modelId="7" srcId="0" destId="2" srcOrd="1" destOrd="0"/>
+        <dgm:cxn modelId="8" srcId="0" destId="3" srcOrd="2" destOrd="0"/>
+        <dgm:cxn modelId="9" srcId="0" destId="4" srcOrd="3" destOrd="0"/>
+        <dgm:cxn modelId="10" srcId="0" destId="5" srcOrd="4" destOrd="0"/>
+      </dgm:cxnLst>
+      <dgm:bg/>
+      <dgm:whole/>
+    </dgm:dataModel>
+  </dgm:sampData>
+  <dgm:styleData>
+    <dgm:dataModel>
+      <dgm:ptLst>
+        <dgm:pt modelId="0" type="doc"/>
+        <dgm:pt modelId="1"/>
+        <dgm:pt modelId="2"/>
+        <dgm:pt modelId="3"/>
+      </dgm:ptLst>
+      <dgm:cxnLst>
+        <dgm:cxn modelId="4" srcId="0" destId="1" srcOrd="0" destOrd="0"/>
+        <dgm:cxn modelId="5" srcId="0" destId="2" srcOrd="1" destOrd="0"/>
+        <dgm:cxn modelId="6" srcId="0" destId="3" srcOrd="2" destOrd="0"/>
+      </dgm:cxnLst>
+      <dgm:bg/>
+      <dgm:whole/>
+    </dgm:dataModel>
+  </dgm:styleData>
+  <dgm:clrData>
+    <dgm:dataModel>
+      <dgm:ptLst>
+        <dgm:pt modelId="0" type="doc"/>
+        <dgm:pt modelId="1"/>
+        <dgm:pt modelId="2"/>
+        <dgm:pt modelId="3"/>
+        <dgm:pt modelId="4"/>
+        <dgm:pt modelId="5"/>
+        <dgm:pt modelId="6"/>
+      </dgm:ptLst>
+      <dgm:cxnLst>
+        <dgm:cxn modelId="7" srcId="0" destId="1" srcOrd="0" destOrd="0"/>
+        <dgm:cxn modelId="8" srcId="0" destId="2" srcOrd="1" destOrd="0"/>
+        <dgm:cxn modelId="9" srcId="0" destId="3" srcOrd="2" destOrd="0"/>
+        <dgm:cxn modelId="10" srcId="0" destId="4" srcOrd="3" destOrd="0"/>
+        <dgm:cxn modelId="11" srcId="0" destId="5" srcOrd="4" destOrd="0"/>
+        <dgm:cxn modelId="12" srcId="0" destId="6" srcOrd="5" destOrd="0"/>
+      </dgm:cxnLst>
+      <dgm:bg/>
+      <dgm:whole/>
+    </dgm:dataModel>
+  </dgm:clrData>
+  <dgm:layoutNode name="cycle">
+    <dgm:varLst>
+      <dgm:dir/>
+      <dgm:resizeHandles val="exact"/>
+    </dgm:varLst>
+    <dgm:choose name="Name0">
+      <dgm:if name="Name1" func="var" arg="dir" op="equ" val="norm">
+        <dgm:choose name="Name2">
+          <dgm:if name="Name3" axis="ch" ptType="node" func="cnt" op="gt" val="2">
+            <dgm:alg type="cycle">
+              <dgm:param type="stAng" val="0"/>
+              <dgm:param type="spanAng" val="360"/>
+            </dgm:alg>
+          </dgm:if>
+          <dgm:else name="Name4">
+            <dgm:alg type="cycle">
+              <dgm:param type="stAng" val="-90"/>
+              <dgm:param type="spanAng" val="360"/>
+            </dgm:alg>
+          </dgm:else>
+        </dgm:choose>
+      </dgm:if>
+      <dgm:else name="Name5">
+        <dgm:choose name="Name6">
+          <dgm:if name="Name7" axis="ch" ptType="node" func="cnt" op="gt" val="2">
+            <dgm:alg type="cycle">
+              <dgm:param type="stAng" val="0"/>
+              <dgm:param type="spanAng" val="-360"/>
+            </dgm:alg>
+          </dgm:if>
+          <dgm:else name="Name8">
+            <dgm:alg type="cycle">
+              <dgm:param type="stAng" val="90"/>
+              <dgm:param type="spanAng" val="-360"/>
+            </dgm:alg>
+          </dgm:else>
+        </dgm:choose>
+      </dgm:else>
+    </dgm:choose>
+    <dgm:shape xmlns:r="http://schemas.openxmlformats.org/officeDocument/2006/relationships" r:blip="">
+      <dgm:adjLst/>
+    </dgm:shape>
+    <dgm:presOf/>
+    <dgm:constrLst>
+      <dgm:constr type="w" for="ch" ptType="node" refType="w"/>
+      <dgm:constr type="w" for="ch" ptType="sibTrans" refType="w" refFor="ch" refPtType="node" op="equ" fact="0.25"/>
+      <dgm:constr type="sibSp" refType="w" refFor="ch" refPtType="node" fact="0.5"/>
+      <dgm:constr type="primFontSz" for="ch" ptType="node" op="equ" val="65"/>
+      <dgm:constr type="primFontSz" for="des" forName="connectorText" op="equ" val="55"/>
+      <dgm:constr type="primFontSz" for="des" forName="connectorText" refType="primFontSz" refFor="ch" refPtType="node" op="lte" fact="0.8"/>
+    </dgm:constrLst>
+    <dgm:ruleLst/>
+    <dgm:forEach name="nodesForEach" axis="ch" ptType="node">
+      <dgm:layoutNode name="node">
+        <dgm:varLst>
+          <dgm:bulletEnabled val="1"/>
+        </dgm:varLst>
+        <dgm:alg type="tx">
+          <dgm:param type="txAnchorVertCh" val="mid"/>
+        </dgm:alg>
+        <dgm:shape xmlns:r="http://schemas.openxmlformats.org/officeDocument/2006/relationships" type="ellipse" r:blip="">
+          <dgm:adjLst/>
+        </dgm:shape>
+        <dgm:presOf axis="desOrSelf" ptType="node"/>
+        <dgm:constrLst>
+          <dgm:constr type="h" refType="w"/>
+          <dgm:constr type="lMarg" refType="primFontSz" fact="0.1"/>
+          <dgm:constr type="rMarg" refType="primFontSz" fact="0.1"/>
+          <dgm:constr type="tMarg" refType="primFontSz" fact="0.1"/>
+          <dgm:constr type="bMarg" refType="primFontSz" fact="0.1"/>
+        </dgm:constrLst>
+        <dgm:ruleLst>
+          <dgm:rule type="primFontSz" val="5" fact="NaN" max="NaN"/>
+        </dgm:ruleLst>
+      </dgm:layoutNode>
+      <dgm:choose name="Name9">
+        <dgm:if name="Name10" axis="par ch" ptType="doc node" func="cnt" op="gt" val="1">
+          <dgm:forEach name="sibTransForEach" axis="followSib" ptType="sibTrans" hideLastTrans="0" cnt="1">
+            <dgm:layoutNode name="sibTrans">
+              <dgm:choose name="Name11">
+                <dgm:if name="Name12" axis="par ch" ptType="doc node" func="cnt" op="lt" val="3">
+                  <dgm:alg type="conn">
+                    <dgm:param type="begPts" val="radial"/>
+                    <dgm:param type="endPts" val="radial"/>
+                  </dgm:alg>
+                </dgm:if>
+                <dgm:else name="Name13">
+                  <dgm:alg type="conn">
+                    <dgm:param type="begPts" val="auto"/>
+                    <dgm:param type="endPts" val="auto"/>
+                  </dgm:alg>
+                </dgm:else>
+              </dgm:choose>
+              <dgm:shape xmlns:r="http://schemas.openxmlformats.org/officeDocument/2006/relationships" type="conn" r:blip="">
+                <dgm:adjLst/>
+              </dgm:shape>
+              <dgm:presOf axis="self"/>
+              <dgm:constrLst>
+                <dgm:constr type="h" refType="w" fact="1.35"/>
+                <dgm:constr type="connDist"/>
+                <dgm:constr type="w" for="ch" refType="connDist" fact="0.45"/>
+                <dgm:constr type="h" for="ch" refType="h"/>
+              </dgm:constrLst>
+              <dgm:ruleLst/>
+              <dgm:layoutNode name="connectorText">
+                <dgm:alg type="tx">
+                  <dgm:param type="autoTxRot" val="grav"/>
+                </dgm:alg>
+                <dgm:shape xmlns:r="http://schemas.openxmlformats.org/officeDocument/2006/relationships" type="conn" r:blip="" hideGeom="1">
+                  <dgm:adjLst/>
+                </dgm:shape>
+                <dgm:presOf axis="self"/>
+                <dgm:constrLst>
+                  <dgm:constr type="lMarg"/>
+                  <dgm:constr type="rMarg"/>
+                  <dgm:constr type="tMarg"/>
+                  <dgm:constr type="bMarg"/>
+                </dgm:constrLst>
+                <dgm:ruleLst>
+                  <dgm:rule type="primFontSz" val="5" fact="NaN" max="NaN"/>
+                </dgm:ruleLst>
+              </dgm:layoutNode>
+            </dgm:layoutNode>
+          </dgm:forEach>
+        </dgm:if>
+        <dgm:else name="Name14"/>
+      </dgm:choose>
+    </dgm:forEach>
+  </dgm:layoutNode>
+</dgm:layoutDef>
+</file>
+
+<file path=ppt/diagrams/layout2.xml><?xml version="1.0" encoding="utf-8"?>
 <dgm:layoutDef xmlns:dgm="http://schemas.openxmlformats.org/drawingml/2006/diagram" xmlns:a="http://schemas.openxmlformats.org/drawingml/2006/main" uniqueId="urn:microsoft.com/office/officeart/2005/8/layout/cycle2">
   <dgm:title val=""/>
   <dgm:desc val=""/>
@@ -2578,6 +4214,1389 @@
     </dgm:style>
   </dgm:styleLbl>
 </dgm:styleDef>
+</file>
+
+<file path=ppt/diagrams/quickStyle2.xml><?xml version="1.0" encoding="utf-8"?>
+<dgm:styleDef xmlns:dgm="http://schemas.openxmlformats.org/drawingml/2006/diagram" xmlns:a="http://schemas.openxmlformats.org/drawingml/2006/main" uniqueId="urn:microsoft.com/office/officeart/2005/8/quickstyle/simple1">
+  <dgm:title val=""/>
+  <dgm:desc val=""/>
+  <dgm:catLst>
+    <dgm:cat type="simple" pri="10100"/>
+  </dgm:catLst>
+  <dgm:scene3d>
+    <a:camera prst="orthographicFront"/>
+    <a:lightRig rig="threePt" dir="t"/>
+  </dgm:scene3d>
+  <dgm:styleLbl name="node0">
+    <dgm:scene3d>
+      <a:camera prst="orthographicFront"/>
+      <a:lightRig rig="threePt" dir="t"/>
+    </dgm:scene3d>
+    <dgm:sp3d/>
+    <dgm:txPr/>
+    <dgm:style>
+      <a:lnRef idx="2">
+        <a:scrgbClr r="0" g="0" b="0"/>
+      </a:lnRef>
+      <a:fillRef idx="1">
+        <a:scrgbClr r="0" g="0" b="0"/>
+      </a:fillRef>
+      <a:effectRef idx="0">
+        <a:scrgbClr r="0" g="0" b="0"/>
+      </a:effectRef>
+      <a:fontRef idx="minor">
+        <a:schemeClr val="lt1"/>
+      </a:fontRef>
+    </dgm:style>
+  </dgm:styleLbl>
+  <dgm:styleLbl name="lnNode1">
+    <dgm:scene3d>
+      <a:camera prst="orthographicFront"/>
+      <a:lightRig rig="threePt" dir="t"/>
+    </dgm:scene3d>
+    <dgm:sp3d/>
+    <dgm:txPr/>
+    <dgm:style>
+      <a:lnRef idx="2">
+        <a:scrgbClr r="0" g="0" b="0"/>
+      </a:lnRef>
+      <a:fillRef idx="1">
+        <a:scrgbClr r="0" g="0" b="0"/>
+      </a:fillRef>
+      <a:effectRef idx="0">
+        <a:scrgbClr r="0" g="0" b="0"/>
+      </a:effectRef>
+      <a:fontRef idx="minor">
+        <a:schemeClr val="lt1"/>
+      </a:fontRef>
+    </dgm:style>
+  </dgm:styleLbl>
+  <dgm:styleLbl name="vennNode1">
+    <dgm:scene3d>
+      <a:camera prst="orthographicFront"/>
+      <a:lightRig rig="threePt" dir="t"/>
+    </dgm:scene3d>
+    <dgm:sp3d/>
+    <dgm:txPr/>
+    <dgm:style>
+      <a:lnRef idx="2">
+        <a:scrgbClr r="0" g="0" b="0"/>
+      </a:lnRef>
+      <a:fillRef idx="1">
+        <a:scrgbClr r="0" g="0" b="0"/>
+      </a:fillRef>
+      <a:effectRef idx="0">
+        <a:scrgbClr r="0" g="0" b="0"/>
+      </a:effectRef>
+      <a:fontRef idx="minor">
+        <a:schemeClr val="tx1"/>
+      </a:fontRef>
+    </dgm:style>
+  </dgm:styleLbl>
+  <dgm:styleLbl name="alignNode1">
+    <dgm:scene3d>
+      <a:camera prst="orthographicFront"/>
+      <a:lightRig rig="threePt" dir="t"/>
+    </dgm:scene3d>
+    <dgm:sp3d/>
+    <dgm:txPr/>
+    <dgm:style>
+      <a:lnRef idx="2">
+        <a:scrgbClr r="0" g="0" b="0"/>
+      </a:lnRef>
+      <a:fillRef idx="1">
+        <a:scrgbClr r="0" g="0" b="0"/>
+      </a:fillRef>
+      <a:effectRef idx="0">
+        <a:scrgbClr r="0" g="0" b="0"/>
+      </a:effectRef>
+      <a:fontRef idx="minor">
+        <a:schemeClr val="lt1"/>
+      </a:fontRef>
+    </dgm:style>
+  </dgm:styleLbl>
+  <dgm:styleLbl name="node1">
+    <dgm:scene3d>
+      <a:camera prst="orthographicFront"/>
+      <a:lightRig rig="threePt" dir="t"/>
+    </dgm:scene3d>
+    <dgm:sp3d/>
+    <dgm:txPr/>
+    <dgm:style>
+      <a:lnRef idx="2">
+        <a:scrgbClr r="0" g="0" b="0"/>
+      </a:lnRef>
+      <a:fillRef idx="1">
+        <a:scrgbClr r="0" g="0" b="0"/>
+      </a:fillRef>
+      <a:effectRef idx="0">
+        <a:scrgbClr r="0" g="0" b="0"/>
+      </a:effectRef>
+      <a:fontRef idx="minor">
+        <a:schemeClr val="lt1"/>
+      </a:fontRef>
+    </dgm:style>
+  </dgm:styleLbl>
+  <dgm:styleLbl name="node2">
+    <dgm:scene3d>
+      <a:camera prst="orthographicFront"/>
+      <a:lightRig rig="threePt" dir="t"/>
+    </dgm:scene3d>
+    <dgm:sp3d/>
+    <dgm:txPr/>
+    <dgm:style>
+      <a:lnRef idx="2">
+        <a:scrgbClr r="0" g="0" b="0"/>
+      </a:lnRef>
+      <a:fillRef idx="1">
+        <a:scrgbClr r="0" g="0" b="0"/>
+      </a:fillRef>
+      <a:effectRef idx="0">
+        <a:scrgbClr r="0" g="0" b="0"/>
+      </a:effectRef>
+      <a:fontRef idx="minor">
+        <a:schemeClr val="lt1"/>
+      </a:fontRef>
+    </dgm:style>
+  </dgm:styleLbl>
+  <dgm:styleLbl name="node3">
+    <dgm:scene3d>
+      <a:camera prst="orthographicFront"/>
+      <a:lightRig rig="threePt" dir="t"/>
+    </dgm:scene3d>
+    <dgm:sp3d/>
+    <dgm:txPr/>
+    <dgm:style>
+      <a:lnRef idx="2">
+        <a:scrgbClr r="0" g="0" b="0"/>
+      </a:lnRef>
+      <a:fillRef idx="1">
+        <a:scrgbClr r="0" g="0" b="0"/>
+      </a:fillRef>
+      <a:effectRef idx="0">
+        <a:scrgbClr r="0" g="0" b="0"/>
+      </a:effectRef>
+      <a:fontRef idx="minor">
+        <a:schemeClr val="lt1"/>
+      </a:fontRef>
+    </dgm:style>
+  </dgm:styleLbl>
+  <dgm:styleLbl name="node4">
+    <dgm:scene3d>
+      <a:camera prst="orthographicFront"/>
+      <a:lightRig rig="threePt" dir="t"/>
+    </dgm:scene3d>
+    <dgm:sp3d/>
+    <dgm:txPr/>
+    <dgm:style>
+      <a:lnRef idx="2">
+        <a:scrgbClr r="0" g="0" b="0"/>
+      </a:lnRef>
+      <a:fillRef idx="1">
+        <a:scrgbClr r="0" g="0" b="0"/>
+      </a:fillRef>
+      <a:effectRef idx="0">
+        <a:scrgbClr r="0" g="0" b="0"/>
+      </a:effectRef>
+      <a:fontRef idx="minor">
+        <a:schemeClr val="lt1"/>
+      </a:fontRef>
+    </dgm:style>
+  </dgm:styleLbl>
+  <dgm:styleLbl name="fgImgPlace1">
+    <dgm:scene3d>
+      <a:camera prst="orthographicFront"/>
+      <a:lightRig rig="threePt" dir="t"/>
+    </dgm:scene3d>
+    <dgm:sp3d/>
+    <dgm:txPr/>
+    <dgm:style>
+      <a:lnRef idx="2">
+        <a:scrgbClr r="0" g="0" b="0"/>
+      </a:lnRef>
+      <a:fillRef idx="1">
+        <a:scrgbClr r="0" g="0" b="0"/>
+      </a:fillRef>
+      <a:effectRef idx="0">
+        <a:scrgbClr r="0" g="0" b="0"/>
+      </a:effectRef>
+      <a:fontRef idx="minor"/>
+    </dgm:style>
+  </dgm:styleLbl>
+  <dgm:styleLbl name="alignImgPlace1">
+    <dgm:scene3d>
+      <a:camera prst="orthographicFront"/>
+      <a:lightRig rig="threePt" dir="t"/>
+    </dgm:scene3d>
+    <dgm:sp3d/>
+    <dgm:txPr/>
+    <dgm:style>
+      <a:lnRef idx="2">
+        <a:scrgbClr r="0" g="0" b="0"/>
+      </a:lnRef>
+      <a:fillRef idx="1">
+        <a:scrgbClr r="0" g="0" b="0"/>
+      </a:fillRef>
+      <a:effectRef idx="0">
+        <a:scrgbClr r="0" g="0" b="0"/>
+      </a:effectRef>
+      <a:fontRef idx="minor"/>
+    </dgm:style>
+  </dgm:styleLbl>
+  <dgm:styleLbl name="bgImgPlace1">
+    <dgm:scene3d>
+      <a:camera prst="orthographicFront"/>
+      <a:lightRig rig="threePt" dir="t"/>
+    </dgm:scene3d>
+    <dgm:sp3d/>
+    <dgm:txPr/>
+    <dgm:style>
+      <a:lnRef idx="2">
+        <a:scrgbClr r="0" g="0" b="0"/>
+      </a:lnRef>
+      <a:fillRef idx="1">
+        <a:scrgbClr r="0" g="0" b="0"/>
+      </a:fillRef>
+      <a:effectRef idx="0">
+        <a:scrgbClr r="0" g="0" b="0"/>
+      </a:effectRef>
+      <a:fontRef idx="minor"/>
+    </dgm:style>
+  </dgm:styleLbl>
+  <dgm:styleLbl name="sibTrans2D1">
+    <dgm:scene3d>
+      <a:camera prst="orthographicFront"/>
+      <a:lightRig rig="threePt" dir="t"/>
+    </dgm:scene3d>
+    <dgm:sp3d/>
+    <dgm:txPr/>
+    <dgm:style>
+      <a:lnRef idx="0">
+        <a:scrgbClr r="0" g="0" b="0"/>
+      </a:lnRef>
+      <a:fillRef idx="1">
+        <a:scrgbClr r="0" g="0" b="0"/>
+      </a:fillRef>
+      <a:effectRef idx="0">
+        <a:scrgbClr r="0" g="0" b="0"/>
+      </a:effectRef>
+      <a:fontRef idx="minor">
+        <a:schemeClr val="lt1"/>
+      </a:fontRef>
+    </dgm:style>
+  </dgm:styleLbl>
+  <dgm:styleLbl name="fgSibTrans2D1">
+    <dgm:scene3d>
+      <a:camera prst="orthographicFront"/>
+      <a:lightRig rig="threePt" dir="t"/>
+    </dgm:scene3d>
+    <dgm:sp3d/>
+    <dgm:txPr/>
+    <dgm:style>
+      <a:lnRef idx="0">
+        <a:scrgbClr r="0" g="0" b="0"/>
+      </a:lnRef>
+      <a:fillRef idx="1">
+        <a:scrgbClr r="0" g="0" b="0"/>
+      </a:fillRef>
+      <a:effectRef idx="0">
+        <a:scrgbClr r="0" g="0" b="0"/>
+      </a:effectRef>
+      <a:fontRef idx="minor">
+        <a:schemeClr val="lt1"/>
+      </a:fontRef>
+    </dgm:style>
+  </dgm:styleLbl>
+  <dgm:styleLbl name="bgSibTrans2D1">
+    <dgm:scene3d>
+      <a:camera prst="orthographicFront"/>
+      <a:lightRig rig="threePt" dir="t"/>
+    </dgm:scene3d>
+    <dgm:sp3d/>
+    <dgm:txPr/>
+    <dgm:style>
+      <a:lnRef idx="0">
+        <a:scrgbClr r="0" g="0" b="0"/>
+      </a:lnRef>
+      <a:fillRef idx="1">
+        <a:scrgbClr r="0" g="0" b="0"/>
+      </a:fillRef>
+      <a:effectRef idx="0">
+        <a:scrgbClr r="0" g="0" b="0"/>
+      </a:effectRef>
+      <a:fontRef idx="minor">
+        <a:schemeClr val="lt1"/>
+      </a:fontRef>
+    </dgm:style>
+  </dgm:styleLbl>
+  <dgm:styleLbl name="sibTrans1D1">
+    <dgm:scene3d>
+      <a:camera prst="orthographicFront"/>
+      <a:lightRig rig="threePt" dir="t"/>
+    </dgm:scene3d>
+    <dgm:sp3d/>
+    <dgm:txPr/>
+    <dgm:style>
+      <a:lnRef idx="1">
+        <a:scrgbClr r="0" g="0" b="0"/>
+      </a:lnRef>
+      <a:fillRef idx="0">
+        <a:scrgbClr r="0" g="0" b="0"/>
+      </a:fillRef>
+      <a:effectRef idx="0">
+        <a:scrgbClr r="0" g="0" b="0"/>
+      </a:effectRef>
+      <a:fontRef idx="minor"/>
+    </dgm:style>
+  </dgm:styleLbl>
+  <dgm:styleLbl name="callout">
+    <dgm:scene3d>
+      <a:camera prst="orthographicFront"/>
+      <a:lightRig rig="threePt" dir="t"/>
+    </dgm:scene3d>
+    <dgm:sp3d/>
+    <dgm:txPr/>
+    <dgm:style>
+      <a:lnRef idx="2">
+        <a:scrgbClr r="0" g="0" b="0"/>
+      </a:lnRef>
+      <a:fillRef idx="1">
+        <a:scrgbClr r="0" g="0" b="0"/>
+      </a:fillRef>
+      <a:effectRef idx="0">
+        <a:scrgbClr r="0" g="0" b="0"/>
+      </a:effectRef>
+      <a:fontRef idx="minor"/>
+    </dgm:style>
+  </dgm:styleLbl>
+  <dgm:styleLbl name="asst0">
+    <dgm:scene3d>
+      <a:camera prst="orthographicFront"/>
+      <a:lightRig rig="threePt" dir="t"/>
+    </dgm:scene3d>
+    <dgm:sp3d/>
+    <dgm:txPr/>
+    <dgm:style>
+      <a:lnRef idx="2">
+        <a:scrgbClr r="0" g="0" b="0"/>
+      </a:lnRef>
+      <a:fillRef idx="1">
+        <a:scrgbClr r="0" g="0" b="0"/>
+      </a:fillRef>
+      <a:effectRef idx="0">
+        <a:scrgbClr r="0" g="0" b="0"/>
+      </a:effectRef>
+      <a:fontRef idx="minor">
+        <a:schemeClr val="lt1"/>
+      </a:fontRef>
+    </dgm:style>
+  </dgm:styleLbl>
+  <dgm:styleLbl name="asst1">
+    <dgm:scene3d>
+      <a:camera prst="orthographicFront"/>
+      <a:lightRig rig="threePt" dir="t"/>
+    </dgm:scene3d>
+    <dgm:sp3d/>
+    <dgm:txPr/>
+    <dgm:style>
+      <a:lnRef idx="2">
+        <a:scrgbClr r="0" g="0" b="0"/>
+      </a:lnRef>
+      <a:fillRef idx="1">
+        <a:scrgbClr r="0" g="0" b="0"/>
+      </a:fillRef>
+      <a:effectRef idx="0">
+        <a:scrgbClr r="0" g="0" b="0"/>
+      </a:effectRef>
+      <a:fontRef idx="minor">
+        <a:schemeClr val="lt1"/>
+      </a:fontRef>
+    </dgm:style>
+  </dgm:styleLbl>
+  <dgm:styleLbl name="asst2">
+    <dgm:scene3d>
+      <a:camera prst="orthographicFront"/>
+      <a:lightRig rig="threePt" dir="t"/>
+    </dgm:scene3d>
+    <dgm:sp3d/>
+    <dgm:txPr/>
+    <dgm:style>
+      <a:lnRef idx="2">
+        <a:scrgbClr r="0" g="0" b="0"/>
+      </a:lnRef>
+      <a:fillRef idx="1">
+        <a:scrgbClr r="0" g="0" b="0"/>
+      </a:fillRef>
+      <a:effectRef idx="0">
+        <a:scrgbClr r="0" g="0" b="0"/>
+      </a:effectRef>
+      <a:fontRef idx="minor">
+        <a:schemeClr val="lt1"/>
+      </a:fontRef>
+    </dgm:style>
+  </dgm:styleLbl>
+  <dgm:styleLbl name="asst3">
+    <dgm:scene3d>
+      <a:camera prst="orthographicFront"/>
+      <a:lightRig rig="threePt" dir="t"/>
+    </dgm:scene3d>
+    <dgm:sp3d/>
+    <dgm:txPr/>
+    <dgm:style>
+      <a:lnRef idx="2">
+        <a:scrgbClr r="0" g="0" b="0"/>
+      </a:lnRef>
+      <a:fillRef idx="1">
+        <a:scrgbClr r="0" g="0" b="0"/>
+      </a:fillRef>
+      <a:effectRef idx="0">
+        <a:scrgbClr r="0" g="0" b="0"/>
+      </a:effectRef>
+      <a:fontRef idx="minor">
+        <a:schemeClr val="lt1"/>
+      </a:fontRef>
+    </dgm:style>
+  </dgm:styleLbl>
+  <dgm:styleLbl name="asst4">
+    <dgm:scene3d>
+      <a:camera prst="orthographicFront"/>
+      <a:lightRig rig="threePt" dir="t"/>
+    </dgm:scene3d>
+    <dgm:sp3d/>
+    <dgm:txPr/>
+    <dgm:style>
+      <a:lnRef idx="2">
+        <a:scrgbClr r="0" g="0" b="0"/>
+      </a:lnRef>
+      <a:fillRef idx="1">
+        <a:scrgbClr r="0" g="0" b="0"/>
+      </a:fillRef>
+      <a:effectRef idx="0">
+        <a:scrgbClr r="0" g="0" b="0"/>
+      </a:effectRef>
+      <a:fontRef idx="minor">
+        <a:schemeClr val="lt1"/>
+      </a:fontRef>
+    </dgm:style>
+  </dgm:styleLbl>
+  <dgm:styleLbl name="parChTrans2D1">
+    <dgm:scene3d>
+      <a:camera prst="orthographicFront"/>
+      <a:lightRig rig="threePt" dir="t"/>
+    </dgm:scene3d>
+    <dgm:sp3d/>
+    <dgm:txPr/>
+    <dgm:style>
+      <a:lnRef idx="2">
+        <a:scrgbClr r="0" g="0" b="0"/>
+      </a:lnRef>
+      <a:fillRef idx="1">
+        <a:scrgbClr r="0" g="0" b="0"/>
+      </a:fillRef>
+      <a:effectRef idx="0">
+        <a:scrgbClr r="0" g="0" b="0"/>
+      </a:effectRef>
+      <a:fontRef idx="minor">
+        <a:schemeClr val="lt1"/>
+      </a:fontRef>
+    </dgm:style>
+  </dgm:styleLbl>
+  <dgm:styleLbl name="parChTrans2D2">
+    <dgm:scene3d>
+      <a:camera prst="orthographicFront"/>
+      <a:lightRig rig="threePt" dir="t"/>
+    </dgm:scene3d>
+    <dgm:sp3d/>
+    <dgm:txPr/>
+    <dgm:style>
+      <a:lnRef idx="2">
+        <a:scrgbClr r="0" g="0" b="0"/>
+      </a:lnRef>
+      <a:fillRef idx="1">
+        <a:scrgbClr r="0" g="0" b="0"/>
+      </a:fillRef>
+      <a:effectRef idx="0">
+        <a:scrgbClr r="0" g="0" b="0"/>
+      </a:effectRef>
+      <a:fontRef idx="minor">
+        <a:schemeClr val="lt1"/>
+      </a:fontRef>
+    </dgm:style>
+  </dgm:styleLbl>
+  <dgm:styleLbl name="parChTrans2D3">
+    <dgm:scene3d>
+      <a:camera prst="orthographicFront"/>
+      <a:lightRig rig="threePt" dir="t"/>
+    </dgm:scene3d>
+    <dgm:sp3d/>
+    <dgm:txPr/>
+    <dgm:style>
+      <a:lnRef idx="2">
+        <a:scrgbClr r="0" g="0" b="0"/>
+      </a:lnRef>
+      <a:fillRef idx="1">
+        <a:scrgbClr r="0" g="0" b="0"/>
+      </a:fillRef>
+      <a:effectRef idx="0">
+        <a:scrgbClr r="0" g="0" b="0"/>
+      </a:effectRef>
+      <a:fontRef idx="minor">
+        <a:schemeClr val="lt1"/>
+      </a:fontRef>
+    </dgm:style>
+  </dgm:styleLbl>
+  <dgm:styleLbl name="parChTrans2D4">
+    <dgm:scene3d>
+      <a:camera prst="orthographicFront"/>
+      <a:lightRig rig="threePt" dir="t"/>
+    </dgm:scene3d>
+    <dgm:sp3d/>
+    <dgm:txPr/>
+    <dgm:style>
+      <a:lnRef idx="2">
+        <a:scrgbClr r="0" g="0" b="0"/>
+      </a:lnRef>
+      <a:fillRef idx="1">
+        <a:scrgbClr r="0" g="0" b="0"/>
+      </a:fillRef>
+      <a:effectRef idx="0">
+        <a:scrgbClr r="0" g="0" b="0"/>
+      </a:effectRef>
+      <a:fontRef idx="minor">
+        <a:schemeClr val="lt1"/>
+      </a:fontRef>
+    </dgm:style>
+  </dgm:styleLbl>
+  <dgm:styleLbl name="parChTrans1D1">
+    <dgm:scene3d>
+      <a:camera prst="orthographicFront"/>
+      <a:lightRig rig="threePt" dir="t"/>
+    </dgm:scene3d>
+    <dgm:sp3d/>
+    <dgm:txPr/>
+    <dgm:style>
+      <a:lnRef idx="2">
+        <a:scrgbClr r="0" g="0" b="0"/>
+      </a:lnRef>
+      <a:fillRef idx="0">
+        <a:scrgbClr r="0" g="0" b="0"/>
+      </a:fillRef>
+      <a:effectRef idx="0">
+        <a:scrgbClr r="0" g="0" b="0"/>
+      </a:effectRef>
+      <a:fontRef idx="minor"/>
+    </dgm:style>
+  </dgm:styleLbl>
+  <dgm:styleLbl name="parChTrans1D2">
+    <dgm:scene3d>
+      <a:camera prst="orthographicFront"/>
+      <a:lightRig rig="threePt" dir="t"/>
+    </dgm:scene3d>
+    <dgm:sp3d/>
+    <dgm:txPr/>
+    <dgm:style>
+      <a:lnRef idx="2">
+        <a:scrgbClr r="0" g="0" b="0"/>
+      </a:lnRef>
+      <a:fillRef idx="0">
+        <a:scrgbClr r="0" g="0" b="0"/>
+      </a:fillRef>
+      <a:effectRef idx="0">
+        <a:scrgbClr r="0" g="0" b="0"/>
+      </a:effectRef>
+      <a:fontRef idx="minor"/>
+    </dgm:style>
+  </dgm:styleLbl>
+  <dgm:styleLbl name="parChTrans1D3">
+    <dgm:scene3d>
+      <a:camera prst="orthographicFront"/>
+      <a:lightRig rig="threePt" dir="t"/>
+    </dgm:scene3d>
+    <dgm:sp3d/>
+    <dgm:txPr/>
+    <dgm:style>
+      <a:lnRef idx="2">
+        <a:scrgbClr r="0" g="0" b="0"/>
+      </a:lnRef>
+      <a:fillRef idx="0">
+        <a:scrgbClr r="0" g="0" b="0"/>
+      </a:fillRef>
+      <a:effectRef idx="0">
+        <a:scrgbClr r="0" g="0" b="0"/>
+      </a:effectRef>
+      <a:fontRef idx="minor"/>
+    </dgm:style>
+  </dgm:styleLbl>
+  <dgm:styleLbl name="parChTrans1D4">
+    <dgm:scene3d>
+      <a:camera prst="orthographicFront"/>
+      <a:lightRig rig="threePt" dir="t"/>
+    </dgm:scene3d>
+    <dgm:sp3d/>
+    <dgm:txPr/>
+    <dgm:style>
+      <a:lnRef idx="2">
+        <a:scrgbClr r="0" g="0" b="0"/>
+      </a:lnRef>
+      <a:fillRef idx="0">
+        <a:scrgbClr r="0" g="0" b="0"/>
+      </a:fillRef>
+      <a:effectRef idx="0">
+        <a:scrgbClr r="0" g="0" b="0"/>
+      </a:effectRef>
+      <a:fontRef idx="minor"/>
+    </dgm:style>
+  </dgm:styleLbl>
+  <dgm:styleLbl name="fgAcc1">
+    <dgm:scene3d>
+      <a:camera prst="orthographicFront"/>
+      <a:lightRig rig="threePt" dir="t"/>
+    </dgm:scene3d>
+    <dgm:sp3d/>
+    <dgm:txPr/>
+    <dgm:style>
+      <a:lnRef idx="2">
+        <a:scrgbClr r="0" g="0" b="0"/>
+      </a:lnRef>
+      <a:fillRef idx="1">
+        <a:scrgbClr r="0" g="0" b="0"/>
+      </a:fillRef>
+      <a:effectRef idx="0">
+        <a:scrgbClr r="0" g="0" b="0"/>
+      </a:effectRef>
+      <a:fontRef idx="minor"/>
+    </dgm:style>
+  </dgm:styleLbl>
+  <dgm:styleLbl name="conFgAcc1">
+    <dgm:scene3d>
+      <a:camera prst="orthographicFront"/>
+      <a:lightRig rig="threePt" dir="t"/>
+    </dgm:scene3d>
+    <dgm:sp3d/>
+    <dgm:txPr/>
+    <dgm:style>
+      <a:lnRef idx="2">
+        <a:scrgbClr r="0" g="0" b="0"/>
+      </a:lnRef>
+      <a:fillRef idx="1">
+        <a:scrgbClr r="0" g="0" b="0"/>
+      </a:fillRef>
+      <a:effectRef idx="0">
+        <a:scrgbClr r="0" g="0" b="0"/>
+      </a:effectRef>
+      <a:fontRef idx="minor"/>
+    </dgm:style>
+  </dgm:styleLbl>
+  <dgm:styleLbl name="alignAcc1">
+    <dgm:scene3d>
+      <a:camera prst="orthographicFront"/>
+      <a:lightRig rig="threePt" dir="t"/>
+    </dgm:scene3d>
+    <dgm:sp3d/>
+    <dgm:txPr/>
+    <dgm:style>
+      <a:lnRef idx="2">
+        <a:scrgbClr r="0" g="0" b="0"/>
+      </a:lnRef>
+      <a:fillRef idx="1">
+        <a:scrgbClr r="0" g="0" b="0"/>
+      </a:fillRef>
+      <a:effectRef idx="0">
+        <a:scrgbClr r="0" g="0" b="0"/>
+      </a:effectRef>
+      <a:fontRef idx="minor"/>
+    </dgm:style>
+  </dgm:styleLbl>
+  <dgm:styleLbl name="trAlignAcc1">
+    <dgm:scene3d>
+      <a:camera prst="orthographicFront"/>
+      <a:lightRig rig="threePt" dir="t"/>
+    </dgm:scene3d>
+    <dgm:sp3d/>
+    <dgm:txPr/>
+    <dgm:style>
+      <a:lnRef idx="1">
+        <a:scrgbClr r="0" g="0" b="0"/>
+      </a:lnRef>
+      <a:fillRef idx="1">
+        <a:scrgbClr r="0" g="0" b="0"/>
+      </a:fillRef>
+      <a:effectRef idx="0">
+        <a:scrgbClr r="0" g="0" b="0"/>
+      </a:effectRef>
+      <a:fontRef idx="minor"/>
+    </dgm:style>
+  </dgm:styleLbl>
+  <dgm:styleLbl name="bgAcc1">
+    <dgm:scene3d>
+      <a:camera prst="orthographicFront"/>
+      <a:lightRig rig="threePt" dir="t"/>
+    </dgm:scene3d>
+    <dgm:sp3d/>
+    <dgm:txPr/>
+    <dgm:style>
+      <a:lnRef idx="2">
+        <a:scrgbClr r="0" g="0" b="0"/>
+      </a:lnRef>
+      <a:fillRef idx="1">
+        <a:scrgbClr r="0" g="0" b="0"/>
+      </a:fillRef>
+      <a:effectRef idx="0">
+        <a:scrgbClr r="0" g="0" b="0"/>
+      </a:effectRef>
+      <a:fontRef idx="minor"/>
+    </dgm:style>
+  </dgm:styleLbl>
+  <dgm:styleLbl name="solidFgAcc1">
+    <dgm:scene3d>
+      <a:camera prst="orthographicFront"/>
+      <a:lightRig rig="threePt" dir="t"/>
+    </dgm:scene3d>
+    <dgm:sp3d/>
+    <dgm:txPr/>
+    <dgm:style>
+      <a:lnRef idx="2">
+        <a:scrgbClr r="0" g="0" b="0"/>
+      </a:lnRef>
+      <a:fillRef idx="1">
+        <a:scrgbClr r="0" g="0" b="0"/>
+      </a:fillRef>
+      <a:effectRef idx="0">
+        <a:scrgbClr r="0" g="0" b="0"/>
+      </a:effectRef>
+      <a:fontRef idx="minor"/>
+    </dgm:style>
+  </dgm:styleLbl>
+  <dgm:styleLbl name="solidAlignAcc1">
+    <dgm:scene3d>
+      <a:camera prst="orthographicFront"/>
+      <a:lightRig rig="threePt" dir="t"/>
+    </dgm:scene3d>
+    <dgm:sp3d/>
+    <dgm:txPr/>
+    <dgm:style>
+      <a:lnRef idx="2">
+        <a:scrgbClr r="0" g="0" b="0"/>
+      </a:lnRef>
+      <a:fillRef idx="1">
+        <a:scrgbClr r="0" g="0" b="0"/>
+      </a:fillRef>
+      <a:effectRef idx="0">
+        <a:scrgbClr r="0" g="0" b="0"/>
+      </a:effectRef>
+      <a:fontRef idx="minor"/>
+    </dgm:style>
+  </dgm:styleLbl>
+  <dgm:styleLbl name="solidBgAcc1">
+    <dgm:scene3d>
+      <a:camera prst="orthographicFront"/>
+      <a:lightRig rig="threePt" dir="t"/>
+    </dgm:scene3d>
+    <dgm:sp3d/>
+    <dgm:txPr/>
+    <dgm:style>
+      <a:lnRef idx="2">
+        <a:scrgbClr r="0" g="0" b="0"/>
+      </a:lnRef>
+      <a:fillRef idx="1">
+        <a:scrgbClr r="0" g="0" b="0"/>
+      </a:fillRef>
+      <a:effectRef idx="0">
+        <a:scrgbClr r="0" g="0" b="0"/>
+      </a:effectRef>
+      <a:fontRef idx="minor"/>
+    </dgm:style>
+  </dgm:styleLbl>
+  <dgm:styleLbl name="fgAccFollowNode1">
+    <dgm:scene3d>
+      <a:camera prst="orthographicFront"/>
+      <a:lightRig rig="threePt" dir="t"/>
+    </dgm:scene3d>
+    <dgm:sp3d/>
+    <dgm:txPr/>
+    <dgm:style>
+      <a:lnRef idx="2">
+        <a:scrgbClr r="0" g="0" b="0"/>
+      </a:lnRef>
+      <a:fillRef idx="1">
+        <a:scrgbClr r="0" g="0" b="0"/>
+      </a:fillRef>
+      <a:effectRef idx="0">
+        <a:scrgbClr r="0" g="0" b="0"/>
+      </a:effectRef>
+      <a:fontRef idx="minor"/>
+    </dgm:style>
+  </dgm:styleLbl>
+  <dgm:styleLbl name="alignAccFollowNode1">
+    <dgm:scene3d>
+      <a:camera prst="orthographicFront"/>
+      <a:lightRig rig="threePt" dir="t"/>
+    </dgm:scene3d>
+    <dgm:sp3d/>
+    <dgm:txPr/>
+    <dgm:style>
+      <a:lnRef idx="2">
+        <a:scrgbClr r="0" g="0" b="0"/>
+      </a:lnRef>
+      <a:fillRef idx="1">
+        <a:scrgbClr r="0" g="0" b="0"/>
+      </a:fillRef>
+      <a:effectRef idx="0">
+        <a:scrgbClr r="0" g="0" b="0"/>
+      </a:effectRef>
+      <a:fontRef idx="minor"/>
+    </dgm:style>
+  </dgm:styleLbl>
+  <dgm:styleLbl name="bgAccFollowNode1">
+    <dgm:scene3d>
+      <a:camera prst="orthographicFront"/>
+      <a:lightRig rig="threePt" dir="t"/>
+    </dgm:scene3d>
+    <dgm:sp3d/>
+    <dgm:txPr/>
+    <dgm:style>
+      <a:lnRef idx="2">
+        <a:scrgbClr r="0" g="0" b="0"/>
+      </a:lnRef>
+      <a:fillRef idx="1">
+        <a:scrgbClr r="0" g="0" b="0"/>
+      </a:fillRef>
+      <a:effectRef idx="0">
+        <a:scrgbClr r="0" g="0" b="0"/>
+      </a:effectRef>
+      <a:fontRef idx="minor"/>
+    </dgm:style>
+  </dgm:styleLbl>
+  <dgm:styleLbl name="fgAcc0">
+    <dgm:scene3d>
+      <a:camera prst="orthographicFront"/>
+      <a:lightRig rig="threePt" dir="t"/>
+    </dgm:scene3d>
+    <dgm:sp3d/>
+    <dgm:txPr/>
+    <dgm:style>
+      <a:lnRef idx="2">
+        <a:scrgbClr r="0" g="0" b="0"/>
+      </a:lnRef>
+      <a:fillRef idx="1">
+        <a:scrgbClr r="0" g="0" b="0"/>
+      </a:fillRef>
+      <a:effectRef idx="0">
+        <a:scrgbClr r="0" g="0" b="0"/>
+      </a:effectRef>
+      <a:fontRef idx="minor"/>
+    </dgm:style>
+  </dgm:styleLbl>
+  <dgm:styleLbl name="fgAcc2">
+    <dgm:scene3d>
+      <a:camera prst="orthographicFront"/>
+      <a:lightRig rig="threePt" dir="t"/>
+    </dgm:scene3d>
+    <dgm:sp3d/>
+    <dgm:txPr/>
+    <dgm:style>
+      <a:lnRef idx="2">
+        <a:scrgbClr r="0" g="0" b="0"/>
+      </a:lnRef>
+      <a:fillRef idx="1">
+        <a:scrgbClr r="0" g="0" b="0"/>
+      </a:fillRef>
+      <a:effectRef idx="0">
+        <a:scrgbClr r="0" g="0" b="0"/>
+      </a:effectRef>
+      <a:fontRef idx="minor"/>
+    </dgm:style>
+  </dgm:styleLbl>
+  <dgm:styleLbl name="fgAcc3">
+    <dgm:scene3d>
+      <a:camera prst="orthographicFront"/>
+      <a:lightRig rig="threePt" dir="t"/>
+    </dgm:scene3d>
+    <dgm:sp3d/>
+    <dgm:txPr/>
+    <dgm:style>
+      <a:lnRef idx="2">
+        <a:scrgbClr r="0" g="0" b="0"/>
+      </a:lnRef>
+      <a:fillRef idx="1">
+        <a:scrgbClr r="0" g="0" b="0"/>
+      </a:fillRef>
+      <a:effectRef idx="0">
+        <a:scrgbClr r="0" g="0" b="0"/>
+      </a:effectRef>
+      <a:fontRef idx="minor"/>
+    </dgm:style>
+  </dgm:styleLbl>
+  <dgm:styleLbl name="fgAcc4">
+    <dgm:scene3d>
+      <a:camera prst="orthographicFront"/>
+      <a:lightRig rig="threePt" dir="t"/>
+    </dgm:scene3d>
+    <dgm:sp3d/>
+    <dgm:txPr/>
+    <dgm:style>
+      <a:lnRef idx="2">
+        <a:scrgbClr r="0" g="0" b="0"/>
+      </a:lnRef>
+      <a:fillRef idx="1">
+        <a:scrgbClr r="0" g="0" b="0"/>
+      </a:fillRef>
+      <a:effectRef idx="0">
+        <a:scrgbClr r="0" g="0" b="0"/>
+      </a:effectRef>
+      <a:fontRef idx="minor"/>
+    </dgm:style>
+  </dgm:styleLbl>
+  <dgm:styleLbl name="bgShp">
+    <dgm:scene3d>
+      <a:camera prst="orthographicFront"/>
+      <a:lightRig rig="threePt" dir="t"/>
+    </dgm:scene3d>
+    <dgm:sp3d/>
+    <dgm:txPr/>
+    <dgm:style>
+      <a:lnRef idx="0">
+        <a:scrgbClr r="0" g="0" b="0"/>
+      </a:lnRef>
+      <a:fillRef idx="1">
+        <a:scrgbClr r="0" g="0" b="0"/>
+      </a:fillRef>
+      <a:effectRef idx="0">
+        <a:scrgbClr r="0" g="0" b="0"/>
+      </a:effectRef>
+      <a:fontRef idx="minor"/>
+    </dgm:style>
+  </dgm:styleLbl>
+  <dgm:styleLbl name="dkBgShp">
+    <dgm:scene3d>
+      <a:camera prst="orthographicFront"/>
+      <a:lightRig rig="threePt" dir="t"/>
+    </dgm:scene3d>
+    <dgm:sp3d/>
+    <dgm:txPr/>
+    <dgm:style>
+      <a:lnRef idx="0">
+        <a:scrgbClr r="0" g="0" b="0"/>
+      </a:lnRef>
+      <a:fillRef idx="1">
+        <a:scrgbClr r="0" g="0" b="0"/>
+      </a:fillRef>
+      <a:effectRef idx="0">
+        <a:scrgbClr r="0" g="0" b="0"/>
+      </a:effectRef>
+      <a:fontRef idx="minor"/>
+    </dgm:style>
+  </dgm:styleLbl>
+  <dgm:styleLbl name="trBgShp">
+    <dgm:scene3d>
+      <a:camera prst="orthographicFront"/>
+      <a:lightRig rig="threePt" dir="t"/>
+    </dgm:scene3d>
+    <dgm:sp3d/>
+    <dgm:txPr/>
+    <dgm:style>
+      <a:lnRef idx="0">
+        <a:scrgbClr r="0" g="0" b="0"/>
+      </a:lnRef>
+      <a:fillRef idx="1">
+        <a:scrgbClr r="0" g="0" b="0"/>
+      </a:fillRef>
+      <a:effectRef idx="0">
+        <a:scrgbClr r="0" g="0" b="0"/>
+      </a:effectRef>
+      <a:fontRef idx="minor"/>
+    </dgm:style>
+  </dgm:styleLbl>
+  <dgm:styleLbl name="fgShp">
+    <dgm:scene3d>
+      <a:camera prst="orthographicFront"/>
+      <a:lightRig rig="threePt" dir="t"/>
+    </dgm:scene3d>
+    <dgm:sp3d/>
+    <dgm:txPr/>
+    <dgm:style>
+      <a:lnRef idx="2">
+        <a:scrgbClr r="0" g="0" b="0"/>
+      </a:lnRef>
+      <a:fillRef idx="1">
+        <a:scrgbClr r="0" g="0" b="0"/>
+      </a:fillRef>
+      <a:effectRef idx="0">
+        <a:scrgbClr r="0" g="0" b="0"/>
+      </a:effectRef>
+      <a:fontRef idx="minor"/>
+    </dgm:style>
+  </dgm:styleLbl>
+  <dgm:styleLbl name="revTx">
+    <dgm:scene3d>
+      <a:camera prst="orthographicFront"/>
+      <a:lightRig rig="threePt" dir="t"/>
+    </dgm:scene3d>
+    <dgm:sp3d/>
+    <dgm:txPr/>
+    <dgm:style>
+      <a:lnRef idx="0">
+        <a:scrgbClr r="0" g="0" b="0"/>
+      </a:lnRef>
+      <a:fillRef idx="0">
+        <a:scrgbClr r="0" g="0" b="0"/>
+      </a:fillRef>
+      <a:effectRef idx="0">
+        <a:scrgbClr r="0" g="0" b="0"/>
+      </a:effectRef>
+      <a:fontRef idx="minor"/>
+    </dgm:style>
+  </dgm:styleLbl>
+</dgm:styleDef>
+</file>
+
+<file path=ppt/notesMasters/notesMaster1.xml><?xml version="1.0" encoding="utf-8"?>
+<p:notesMaster xmlns:a="http://schemas.openxmlformats.org/drawingml/2006/main" xmlns:r="http://schemas.openxmlformats.org/officeDocument/2006/relationships" xmlns:p="http://schemas.openxmlformats.org/presentationml/2006/main">
+  <p:cSld>
+    <p:bg>
+      <p:bgRef idx="1001">
+        <a:schemeClr val="bg1"/>
+      </p:bgRef>
+    </p:bg>
+    <p:spTree>
+      <p:nvGrpSpPr>
+        <p:cNvPr id="1" name=""/>
+        <p:cNvGrpSpPr/>
+        <p:nvPr/>
+      </p:nvGrpSpPr>
+      <p:grpSpPr>
+        <a:xfrm>
+          <a:off x="0" y="0"/>
+          <a:ext cx="0" cy="0"/>
+          <a:chOff x="0" y="0"/>
+          <a:chExt cx="0" cy="0"/>
+        </a:xfrm>
+      </p:grpSpPr>
+      <p:sp>
+        <p:nvSpPr>
+          <p:cNvPr id="2" name="页眉占位符 1"/>
+          <p:cNvSpPr>
+            <a:spLocks noGrp="1"/>
+          </p:cNvSpPr>
+          <p:nvPr>
+            <p:ph type="hdr" sz="quarter"/>
+          </p:nvPr>
+        </p:nvSpPr>
+        <p:spPr>
+          <a:xfrm>
+            <a:off x="0" y="0"/>
+            <a:ext cx="2971800" cy="458788"/>
+          </a:xfrm>
+          <a:prstGeom prst="rect">
+            <a:avLst/>
+          </a:prstGeom>
+        </p:spPr>
+        <p:txBody>
+          <a:bodyPr vert="horz" lIns="91440" tIns="45720" rIns="91440" bIns="45720" rtlCol="0"/>
+          <a:lstStyle>
+            <a:lvl1pPr algn="l">
+              <a:defRPr sz="1200"/>
+            </a:lvl1pPr>
+          </a:lstStyle>
+          <a:p>
+            <a:endParaRPr lang="zh-CN" altLang="en-US"/>
+          </a:p>
+        </p:txBody>
+      </p:sp>
+      <p:sp>
+        <p:nvSpPr>
+          <p:cNvPr id="3" name="日期占位符 2"/>
+          <p:cNvSpPr>
+            <a:spLocks noGrp="1"/>
+          </p:cNvSpPr>
+          <p:nvPr>
+            <p:ph type="dt" idx="1"/>
+          </p:nvPr>
+        </p:nvSpPr>
+        <p:spPr>
+          <a:xfrm>
+            <a:off x="3884613" y="0"/>
+            <a:ext cx="2971800" cy="458788"/>
+          </a:xfrm>
+          <a:prstGeom prst="rect">
+            <a:avLst/>
+          </a:prstGeom>
+        </p:spPr>
+        <p:txBody>
+          <a:bodyPr vert="horz" lIns="91440" tIns="45720" rIns="91440" bIns="45720" rtlCol="0"/>
+          <a:lstStyle>
+            <a:lvl1pPr algn="r">
+              <a:defRPr sz="1200"/>
+            </a:lvl1pPr>
+          </a:lstStyle>
+          <a:p>
+            <a:fld id="{FC3BE701-BE88-4349-AB47-33B4F07616AF}" type="datetimeFigureOut">
+              <a:rPr lang="zh-CN" altLang="en-US" smtClean="0"/>
+              <a:t>2017/10/19</a:t>
+            </a:fld>
+            <a:endParaRPr lang="zh-CN" altLang="en-US"/>
+          </a:p>
+        </p:txBody>
+      </p:sp>
+      <p:sp>
+        <p:nvSpPr>
+          <p:cNvPr id="4" name="幻灯片图像占位符 3"/>
+          <p:cNvSpPr>
+            <a:spLocks noGrp="1" noRot="1" noChangeAspect="1"/>
+          </p:cNvSpPr>
+          <p:nvPr>
+            <p:ph type="sldImg" idx="2"/>
+          </p:nvPr>
+        </p:nvSpPr>
+        <p:spPr>
+          <a:xfrm>
+            <a:off x="685800" y="1143000"/>
+            <a:ext cx="5486400" cy="3086100"/>
+          </a:xfrm>
+          <a:prstGeom prst="rect">
+            <a:avLst/>
+          </a:prstGeom>
+          <a:noFill/>
+          <a:ln w="12700">
+            <a:solidFill>
+              <a:prstClr val="black"/>
+            </a:solidFill>
+          </a:ln>
+        </p:spPr>
+        <p:txBody>
+          <a:bodyPr vert="horz" lIns="91440" tIns="45720" rIns="91440" bIns="45720" rtlCol="0" anchor="ctr"/>
+          <a:lstStyle/>
+          <a:p>
+            <a:endParaRPr lang="zh-CN" altLang="en-US"/>
+          </a:p>
+        </p:txBody>
+      </p:sp>
+      <p:sp>
+        <p:nvSpPr>
+          <p:cNvPr id="5" name="备注占位符 4"/>
+          <p:cNvSpPr>
+            <a:spLocks noGrp="1"/>
+          </p:cNvSpPr>
+          <p:nvPr>
+            <p:ph type="body" sz="quarter" idx="3"/>
+          </p:nvPr>
+        </p:nvSpPr>
+        <p:spPr>
+          <a:xfrm>
+            <a:off x="685800" y="4400550"/>
+            <a:ext cx="5486400" cy="3600450"/>
+          </a:xfrm>
+          <a:prstGeom prst="rect">
+            <a:avLst/>
+          </a:prstGeom>
+        </p:spPr>
+        <p:txBody>
+          <a:bodyPr vert="horz" lIns="91440" tIns="45720" rIns="91440" bIns="45720" rtlCol="0"/>
+          <a:lstStyle/>
+          <a:p>
+            <a:pPr lvl="0"/>
+            <a:r>
+              <a:rPr lang="zh-CN" altLang="en-US"/>
+              <a:t>编辑母版文本样式</a:t>
+            </a:r>
+          </a:p>
+          <a:p>
+            <a:pPr lvl="1"/>
+            <a:r>
+              <a:rPr lang="zh-CN" altLang="en-US"/>
+              <a:t>第二级</a:t>
+            </a:r>
+          </a:p>
+          <a:p>
+            <a:pPr lvl="2"/>
+            <a:r>
+              <a:rPr lang="zh-CN" altLang="en-US"/>
+              <a:t>第三级</a:t>
+            </a:r>
+          </a:p>
+          <a:p>
+            <a:pPr lvl="3"/>
+            <a:r>
+              <a:rPr lang="zh-CN" altLang="en-US"/>
+              <a:t>第四级</a:t>
+            </a:r>
+          </a:p>
+          <a:p>
+            <a:pPr lvl="4"/>
+            <a:r>
+              <a:rPr lang="zh-CN" altLang="en-US"/>
+              <a:t>第五级</a:t>
+            </a:r>
+          </a:p>
+        </p:txBody>
+      </p:sp>
+      <p:sp>
+        <p:nvSpPr>
+          <p:cNvPr id="6" name="页脚占位符 5"/>
+          <p:cNvSpPr>
+            <a:spLocks noGrp="1"/>
+          </p:cNvSpPr>
+          <p:nvPr>
+            <p:ph type="ftr" sz="quarter" idx="4"/>
+          </p:nvPr>
+        </p:nvSpPr>
+        <p:spPr>
+          <a:xfrm>
+            <a:off x="0" y="8685213"/>
+            <a:ext cx="2971800" cy="458787"/>
+          </a:xfrm>
+          <a:prstGeom prst="rect">
+            <a:avLst/>
+          </a:prstGeom>
+        </p:spPr>
+        <p:txBody>
+          <a:bodyPr vert="horz" lIns="91440" tIns="45720" rIns="91440" bIns="45720" rtlCol="0" anchor="b"/>
+          <a:lstStyle>
+            <a:lvl1pPr algn="l">
+              <a:defRPr sz="1200"/>
+            </a:lvl1pPr>
+          </a:lstStyle>
+          <a:p>
+            <a:endParaRPr lang="zh-CN" altLang="en-US"/>
+          </a:p>
+        </p:txBody>
+      </p:sp>
+      <p:sp>
+        <p:nvSpPr>
+          <p:cNvPr id="7" name="灯片编号占位符 6"/>
+          <p:cNvSpPr>
+            <a:spLocks noGrp="1"/>
+          </p:cNvSpPr>
+          <p:nvPr>
+            <p:ph type="sldNum" sz="quarter" idx="5"/>
+          </p:nvPr>
+        </p:nvSpPr>
+        <p:spPr>
+          <a:xfrm>
+            <a:off x="3884613" y="8685213"/>
+            <a:ext cx="2971800" cy="458787"/>
+          </a:xfrm>
+          <a:prstGeom prst="rect">
+            <a:avLst/>
+          </a:prstGeom>
+        </p:spPr>
+        <p:txBody>
+          <a:bodyPr vert="horz" lIns="91440" tIns="45720" rIns="91440" bIns="45720" rtlCol="0" anchor="b"/>
+          <a:lstStyle>
+            <a:lvl1pPr algn="r">
+              <a:defRPr sz="1200"/>
+            </a:lvl1pPr>
+          </a:lstStyle>
+          <a:p>
+            <a:fld id="{39D16133-1BA9-4091-A7CF-0D08026C3060}" type="slidenum">
+              <a:rPr lang="zh-CN" altLang="en-US" smtClean="0"/>
+              <a:t>‹#›</a:t>
+            </a:fld>
+            <a:endParaRPr lang="zh-CN" altLang="en-US"/>
+          </a:p>
+        </p:txBody>
+      </p:sp>
+    </p:spTree>
+    <p:extLst>
+      <p:ext uri="{BB962C8B-B14F-4D97-AF65-F5344CB8AC3E}">
+        <p14:creationId xmlns:p14="http://schemas.microsoft.com/office/powerpoint/2010/main" val="145859879"/>
+      </p:ext>
+    </p:extLst>
+  </p:cSld>
+  <p:clrMap bg1="lt1" tx1="dk1" bg2="lt2" tx2="dk2" accent1="accent1" accent2="accent2" accent3="accent3" accent4="accent4" accent5="accent5" accent6="accent6" hlink="hlink" folHlink="folHlink"/>
+  <p:notesStyle>
+    <a:lvl1pPr marL="0" algn="l" defTabSz="914400" rtl="0" eaLnBrk="1" latinLnBrk="0" hangingPunct="1">
+      <a:defRPr sz="1200" kern="1200">
+        <a:solidFill>
+          <a:schemeClr val="tx1"/>
+        </a:solidFill>
+        <a:latin typeface="+mn-lt"/>
+        <a:ea typeface="+mn-ea"/>
+        <a:cs typeface="+mn-cs"/>
+      </a:defRPr>
+    </a:lvl1pPr>
+    <a:lvl2pPr marL="457200" algn="l" defTabSz="914400" rtl="0" eaLnBrk="1" latinLnBrk="0" hangingPunct="1">
+      <a:defRPr sz="1200" kern="1200">
+        <a:solidFill>
+          <a:schemeClr val="tx1"/>
+        </a:solidFill>
+        <a:latin typeface="+mn-lt"/>
+        <a:ea typeface="+mn-ea"/>
+        <a:cs typeface="+mn-cs"/>
+      </a:defRPr>
+    </a:lvl2pPr>
+    <a:lvl3pPr marL="914400" algn="l" defTabSz="914400" rtl="0" eaLnBrk="1" latinLnBrk="0" hangingPunct="1">
+      <a:defRPr sz="1200" kern="1200">
+        <a:solidFill>
+          <a:schemeClr val="tx1"/>
+        </a:solidFill>
+        <a:latin typeface="+mn-lt"/>
+        <a:ea typeface="+mn-ea"/>
+        <a:cs typeface="+mn-cs"/>
+      </a:defRPr>
+    </a:lvl3pPr>
+    <a:lvl4pPr marL="1371600" algn="l" defTabSz="914400" rtl="0" eaLnBrk="1" latinLnBrk="0" hangingPunct="1">
+      <a:defRPr sz="1200" kern="1200">
+        <a:solidFill>
+          <a:schemeClr val="tx1"/>
+        </a:solidFill>
+        <a:latin typeface="+mn-lt"/>
+        <a:ea typeface="+mn-ea"/>
+        <a:cs typeface="+mn-cs"/>
+      </a:defRPr>
+    </a:lvl4pPr>
+    <a:lvl5pPr marL="1828800" algn="l" defTabSz="914400" rtl="0" eaLnBrk="1" latinLnBrk="0" hangingPunct="1">
+      <a:defRPr sz="1200" kern="1200">
+        <a:solidFill>
+          <a:schemeClr val="tx1"/>
+        </a:solidFill>
+        <a:latin typeface="+mn-lt"/>
+        <a:ea typeface="+mn-ea"/>
+        <a:cs typeface="+mn-cs"/>
+      </a:defRPr>
+    </a:lvl5pPr>
+    <a:lvl6pPr marL="2286000" algn="l" defTabSz="914400" rtl="0" eaLnBrk="1" latinLnBrk="0" hangingPunct="1">
+      <a:defRPr sz="1200" kern="1200">
+        <a:solidFill>
+          <a:schemeClr val="tx1"/>
+        </a:solidFill>
+        <a:latin typeface="+mn-lt"/>
+        <a:ea typeface="+mn-ea"/>
+        <a:cs typeface="+mn-cs"/>
+      </a:defRPr>
+    </a:lvl6pPr>
+    <a:lvl7pPr marL="2743200" algn="l" defTabSz="914400" rtl="0" eaLnBrk="1" latinLnBrk="0" hangingPunct="1">
+      <a:defRPr sz="1200" kern="1200">
+        <a:solidFill>
+          <a:schemeClr val="tx1"/>
+        </a:solidFill>
+        <a:latin typeface="+mn-lt"/>
+        <a:ea typeface="+mn-ea"/>
+        <a:cs typeface="+mn-cs"/>
+      </a:defRPr>
+    </a:lvl7pPr>
+    <a:lvl8pPr marL="3200400" algn="l" defTabSz="914400" rtl="0" eaLnBrk="1" latinLnBrk="0" hangingPunct="1">
+      <a:defRPr sz="1200" kern="1200">
+        <a:solidFill>
+          <a:schemeClr val="tx1"/>
+        </a:solidFill>
+        <a:latin typeface="+mn-lt"/>
+        <a:ea typeface="+mn-ea"/>
+        <a:cs typeface="+mn-cs"/>
+      </a:defRPr>
+    </a:lvl8pPr>
+    <a:lvl9pPr marL="3657600" algn="l" defTabSz="914400" rtl="0" eaLnBrk="1" latinLnBrk="0" hangingPunct="1">
+      <a:defRPr sz="1200" kern="1200">
+        <a:solidFill>
+          <a:schemeClr val="tx1"/>
+        </a:solidFill>
+        <a:latin typeface="+mn-lt"/>
+        <a:ea typeface="+mn-ea"/>
+        <a:cs typeface="+mn-cs"/>
+      </a:defRPr>
+    </a:lvl9pPr>
+  </p:notesStyle>
+</p:notesMaster>
 </file>
 
 <file path=ppt/slideLayouts/slideLayout1.xml><?xml version="1.0" encoding="utf-8"?>
@@ -12320,6 +15339,184 @@
 </p:sld>
 </file>
 
+<file path=ppt/slides/slide10.xml><?xml version="1.0" encoding="utf-8"?>
+<p:sld xmlns:a="http://schemas.openxmlformats.org/drawingml/2006/main" xmlns:r="http://schemas.openxmlformats.org/officeDocument/2006/relationships" xmlns:p="http://schemas.openxmlformats.org/presentationml/2006/main">
+  <p:cSld>
+    <p:spTree>
+      <p:nvGrpSpPr>
+        <p:cNvPr id="1" name=""/>
+        <p:cNvGrpSpPr/>
+        <p:nvPr/>
+      </p:nvGrpSpPr>
+      <p:grpSpPr>
+        <a:xfrm>
+          <a:off x="0" y="0"/>
+          <a:ext cx="0" cy="0"/>
+          <a:chOff x="0" y="0"/>
+          <a:chExt cx="0" cy="0"/>
+        </a:xfrm>
+      </p:grpSpPr>
+      <p:sp>
+        <p:nvSpPr>
+          <p:cNvPr id="2" name="标题 1">
+            <a:extLst>
+              <a:ext uri="{FF2B5EF4-FFF2-40B4-BE49-F238E27FC236}">
+                <a16:creationId xmlns:a16="http://schemas.microsoft.com/office/drawing/2014/main" id="{C498C6CC-B505-43A4-8E58-CFA477080888}"/>
+              </a:ext>
+            </a:extLst>
+          </p:cNvPr>
+          <p:cNvSpPr>
+            <a:spLocks noGrp="1"/>
+          </p:cNvSpPr>
+          <p:nvPr>
+            <p:ph type="title"/>
+          </p:nvPr>
+        </p:nvSpPr>
+        <p:spPr>
+          <a:xfrm>
+            <a:off x="1251678" y="382385"/>
+            <a:ext cx="10178322" cy="1036512"/>
+          </a:xfrm>
+        </p:spPr>
+        <p:txBody>
+          <a:bodyPr/>
+          <a:lstStyle/>
+          <a:p>
+            <a:r>
+              <a:rPr lang="zh-CN" altLang="en-US" dirty="0"/>
+              <a:t>第八章 </a:t>
+            </a:r>
+            <a:r>
+              <a:rPr lang="en-CA" altLang="zh-CN" dirty="0"/>
+              <a:t>- VM II: Program Control</a:t>
+            </a:r>
+            <a:endParaRPr lang="zh-CN" altLang="en-US" dirty="0"/>
+          </a:p>
+        </p:txBody>
+      </p:sp>
+      <p:sp>
+        <p:nvSpPr>
+          <p:cNvPr id="3" name="内容占位符 2">
+            <a:extLst>
+              <a:ext uri="{FF2B5EF4-FFF2-40B4-BE49-F238E27FC236}">
+                <a16:creationId xmlns:a16="http://schemas.microsoft.com/office/drawing/2014/main" id="{4BF3C2EA-2629-44A0-88CD-36DE62540625}"/>
+              </a:ext>
+            </a:extLst>
+          </p:cNvPr>
+          <p:cNvSpPr>
+            <a:spLocks noGrp="1"/>
+          </p:cNvSpPr>
+          <p:nvPr>
+            <p:ph idx="1"/>
+          </p:nvPr>
+        </p:nvSpPr>
+        <p:spPr>
+          <a:xfrm>
+            <a:off x="1251678" y="2286001"/>
+            <a:ext cx="10178322" cy="3972909"/>
+          </a:xfrm>
+        </p:spPr>
+        <p:txBody>
+          <a:bodyPr>
+            <a:normAutofit/>
+          </a:bodyPr>
+          <a:lstStyle/>
+          <a:p>
+            <a:r>
+              <a:rPr lang="zh-CN" altLang="en-US" dirty="0"/>
+              <a:t>难点：多</a:t>
+            </a:r>
+            <a:r>
+              <a:rPr lang="en-US" altLang="zh-CN" dirty="0"/>
+              <a:t>VM</a:t>
+            </a:r>
+            <a:r>
+              <a:rPr lang="zh-CN" altLang="en-US" dirty="0"/>
+              <a:t>文件编译</a:t>
+            </a:r>
+            <a:endParaRPr lang="en-US" altLang="zh-CN" dirty="0"/>
+          </a:p>
+          <a:p>
+            <a:endParaRPr lang="en-US" altLang="zh-CN" dirty="0"/>
+          </a:p>
+          <a:p>
+            <a:r>
+              <a:rPr lang="zh-CN" altLang="en-US" dirty="0"/>
+              <a:t>将多个</a:t>
+            </a:r>
+            <a:r>
+              <a:rPr lang="en-US" altLang="zh-CN" dirty="0" err="1"/>
+              <a:t>vm</a:t>
+            </a:r>
+            <a:r>
+              <a:rPr lang="zh-CN" altLang="en-US" dirty="0"/>
+              <a:t>合成一个</a:t>
+            </a:r>
+            <a:r>
+              <a:rPr lang="en-US" altLang="zh-CN" dirty="0" err="1"/>
+              <a:t>asm</a:t>
+            </a:r>
+            <a:endParaRPr lang="en-US" altLang="zh-CN" dirty="0"/>
+          </a:p>
+          <a:p>
+            <a:endParaRPr lang="en-US" altLang="zh-CN" dirty="0"/>
+          </a:p>
+          <a:p>
+            <a:r>
+              <a:rPr lang="zh-CN" altLang="en-US" dirty="0"/>
+              <a:t>为其添加初始化语句</a:t>
+            </a:r>
+            <a:endParaRPr lang="en-US" altLang="zh-CN" dirty="0"/>
+          </a:p>
+          <a:p>
+            <a:pPr marL="0" indent="0">
+              <a:buNone/>
+            </a:pPr>
+            <a:endParaRPr lang="en-US" altLang="zh-CN" dirty="0"/>
+          </a:p>
+          <a:p>
+            <a:r>
+              <a:rPr lang="zh-CN" altLang="en-US" dirty="0"/>
+              <a:t>最大的困难：对文件夹的操作</a:t>
+            </a:r>
+            <a:endParaRPr lang="en-US" altLang="zh-CN" dirty="0"/>
+          </a:p>
+          <a:p>
+            <a:endParaRPr lang="en-US" altLang="zh-CN" dirty="0"/>
+          </a:p>
+          <a:p>
+            <a:r>
+              <a:rPr lang="zh-CN" altLang="en-US" dirty="0"/>
+              <a:t>可能的问题：函数或</a:t>
+            </a:r>
+            <a:r>
+              <a:rPr lang="en-US" altLang="zh-CN" dirty="0"/>
+              <a:t>label</a:t>
+            </a:r>
+            <a:r>
+              <a:rPr lang="zh-CN" altLang="en-US" dirty="0"/>
+              <a:t>重名？</a:t>
+            </a:r>
+            <a:endParaRPr lang="en-US" altLang="zh-CN" dirty="0"/>
+          </a:p>
+          <a:p>
+            <a:endParaRPr lang="en-US" altLang="zh-CN" dirty="0"/>
+          </a:p>
+        </p:txBody>
+      </p:sp>
+    </p:spTree>
+    <p:extLst>
+      <p:ext uri="{BB962C8B-B14F-4D97-AF65-F5344CB8AC3E}">
+        <p14:creationId xmlns:p14="http://schemas.microsoft.com/office/powerpoint/2010/main" val="2264260199"/>
+      </p:ext>
+    </p:extLst>
+  </p:cSld>
+  <p:clrMapOvr>
+    <a:masterClrMapping/>
+  </p:clrMapOvr>
+</p:sld>
+</file>
+
 <file path=ppt/slides/slide2.xml><?xml version="1.0" encoding="utf-8"?>
 <p:sld xmlns:a="http://schemas.openxmlformats.org/drawingml/2006/main" xmlns:r="http://schemas.openxmlformats.org/officeDocument/2006/relationships" xmlns:p="http://schemas.openxmlformats.org/presentationml/2006/main">
   <p:cSld>
@@ -13775,21 +16972,162 @@
           <a:chExt cx="0" cy="0"/>
         </a:xfrm>
       </p:grpSpPr>
+      <p:sp>
+        <p:nvSpPr>
+          <p:cNvPr id="2" name="Title 1">
+            <a:extLst>
+              <a:ext uri="{FF2B5EF4-FFF2-40B4-BE49-F238E27FC236}">
+                <a16:creationId xmlns:a16="http://schemas.microsoft.com/office/drawing/2014/main" id="{3DD62E72-8E0B-4F0E-9478-577A903A698C}"/>
+              </a:ext>
+            </a:extLst>
+          </p:cNvPr>
+          <p:cNvSpPr>
+            <a:spLocks noGrp="1"/>
+          </p:cNvSpPr>
+          <p:nvPr>
+            <p:ph type="title"/>
+          </p:nvPr>
+        </p:nvSpPr>
+        <p:spPr/>
+        <p:txBody>
+          <a:bodyPr/>
+          <a:lstStyle/>
+          <a:p>
+            <a:r>
+              <a:rPr lang="zh-CN" altLang="en-US" dirty="0"/>
+              <a:t>第七章 </a:t>
+            </a:r>
+            <a:r>
+              <a:rPr lang="en-CA" altLang="zh-CN" dirty="0"/>
+              <a:t>- </a:t>
+            </a:r>
+            <a:r>
+              <a:rPr lang="en-CA" dirty="0"/>
+              <a:t>VM I: Stack Arithmetic</a:t>
+            </a:r>
+          </a:p>
+        </p:txBody>
+      </p:sp>
+      <p:sp>
+        <p:nvSpPr>
+          <p:cNvPr id="6" name="文本框 5">
+            <a:extLst>
+              <a:ext uri="{FF2B5EF4-FFF2-40B4-BE49-F238E27FC236}">
+                <a16:creationId xmlns:a16="http://schemas.microsoft.com/office/drawing/2014/main" id="{3CCB63B7-2ACC-4E35-8A9D-D2922A986B47}"/>
+              </a:ext>
+            </a:extLst>
+          </p:cNvPr>
+          <p:cNvSpPr txBox="1"/>
+          <p:nvPr/>
+        </p:nvSpPr>
+        <p:spPr>
+          <a:xfrm>
+            <a:off x="8138160" y="1702677"/>
+            <a:ext cx="2885038" cy="4401205"/>
+          </a:xfrm>
+          <a:prstGeom prst="rect">
+            <a:avLst/>
+          </a:prstGeom>
+          <a:noFill/>
+        </p:spPr>
+        <p:txBody>
+          <a:bodyPr wrap="square" rtlCol="0">
+            <a:spAutoFit/>
+          </a:bodyPr>
+          <a:lstStyle/>
+          <a:p>
+            <a:r>
+              <a:rPr lang="zh-CN" altLang="en-US" sz="2800" dirty="0"/>
+              <a:t>难点：</a:t>
+            </a:r>
+            <a:endParaRPr lang="en-US" altLang="zh-CN" sz="2800" dirty="0"/>
+          </a:p>
+          <a:p>
+            <a:r>
+              <a:rPr lang="en-US" altLang="zh-CN" sz="2800" dirty="0"/>
+              <a:t>1.</a:t>
+            </a:r>
+            <a:r>
+              <a:rPr lang="zh-CN" altLang="en-US" sz="2800" dirty="0"/>
+              <a:t>寄存器只有</a:t>
+            </a:r>
+            <a:r>
+              <a:rPr lang="en-US" altLang="zh-CN" sz="2800" dirty="0"/>
+              <a:t>3</a:t>
+            </a:r>
+            <a:r>
+              <a:rPr lang="zh-CN" altLang="en-US" sz="2800" dirty="0"/>
+              <a:t>个，一些操作不易实现</a:t>
+            </a:r>
+            <a:endParaRPr lang="en-US" altLang="zh-CN" sz="2800" dirty="0"/>
+          </a:p>
+          <a:p>
+            <a:endParaRPr lang="en-US" altLang="zh-CN" sz="2800" dirty="0"/>
+          </a:p>
+          <a:p>
+            <a:r>
+              <a:rPr lang="en-US" altLang="zh-CN" sz="2800" dirty="0" err="1"/>
+              <a:t>II.eq</a:t>
+            </a:r>
+            <a:r>
+              <a:rPr lang="en-US" altLang="zh-CN" sz="2800" dirty="0"/>
+              <a:t>/</a:t>
+            </a:r>
+            <a:r>
+              <a:rPr lang="en-US" altLang="zh-CN" sz="2800" dirty="0" err="1"/>
+              <a:t>gt</a:t>
+            </a:r>
+            <a:r>
+              <a:rPr lang="en-US" altLang="zh-CN" sz="2800" dirty="0"/>
+              <a:t>/</a:t>
+            </a:r>
+            <a:r>
+              <a:rPr lang="en-US" altLang="zh-CN" sz="2800" dirty="0" err="1"/>
+              <a:t>lt</a:t>
+            </a:r>
+            <a:r>
+              <a:rPr lang="en-US" altLang="zh-CN" sz="2800" dirty="0"/>
+              <a:t> </a:t>
+            </a:r>
+            <a:r>
+              <a:rPr lang="zh-CN" altLang="en-US" sz="2800" dirty="0"/>
+              <a:t>是选择结构，如何书写？</a:t>
+            </a:r>
+            <a:endParaRPr lang="en-US" altLang="zh-CN" sz="2800" dirty="0"/>
+          </a:p>
+          <a:p>
+            <a:endParaRPr lang="en-US" altLang="zh-CN" sz="2800" dirty="0"/>
+          </a:p>
+          <a:p>
+            <a:r>
+              <a:rPr lang="en-US" altLang="zh-CN" sz="2800" dirty="0"/>
+              <a:t>III.</a:t>
+            </a:r>
+            <a:r>
+              <a:rPr lang="zh-CN" altLang="en-US" sz="2800" dirty="0"/>
+              <a:t>汇编程序难于</a:t>
+            </a:r>
+            <a:r>
+              <a:rPr lang="en-US" altLang="zh-CN" sz="2800" dirty="0"/>
+              <a:t>debug</a:t>
+            </a:r>
+            <a:endParaRPr lang="zh-CN" altLang="en-US" sz="2800" dirty="0"/>
+          </a:p>
+        </p:txBody>
+      </p:sp>
       <p:pic>
         <p:nvPicPr>
-          <p:cNvPr id="5" name="Content Placeholder 4" descr="Screen Clipping">
+          <p:cNvPr id="8" name="图片 7">
             <a:extLst>
               <a:ext uri="{FF2B5EF4-FFF2-40B4-BE49-F238E27FC236}">
-                <a16:creationId xmlns:a16="http://schemas.microsoft.com/office/drawing/2014/main" id="{5F5AF809-222D-44E9-B851-C0AA3537AADE}"/>
+                <a16:creationId xmlns:a16="http://schemas.microsoft.com/office/drawing/2014/main" id="{822C0C89-BAC1-49E8-B670-1BF379D832AF}"/>
               </a:ext>
             </a:extLst>
           </p:cNvPr>
           <p:cNvPicPr>
-            <a:picLocks noGrp="1" noChangeAspect="1"/>
+            <a:picLocks noChangeAspect="1"/>
           </p:cNvPicPr>
-          <p:nvPr>
-            <p:ph idx="1"/>
-          </p:nvPr>
+          <p:nvPr/>
         </p:nvPicPr>
         <p:blipFill>
           <a:blip r:embed="rId2">
@@ -13805,15 +17143,18 @@
         </p:blipFill>
         <p:spPr>
           <a:xfrm>
-            <a:off x="1948379" y="710859"/>
-            <a:ext cx="8202035" cy="5603875"/>
+            <a:off x="439537" y="1128451"/>
+            <a:ext cx="7191375" cy="5314950"/>
           </a:xfrm>
+          <a:prstGeom prst="rect">
+            <a:avLst/>
+          </a:prstGeom>
         </p:spPr>
       </p:pic>
     </p:spTree>
     <p:extLst>
       <p:ext uri="{BB962C8B-B14F-4D97-AF65-F5344CB8AC3E}">
-        <p14:creationId xmlns:p14="http://schemas.microsoft.com/office/powerpoint/2010/main" val="576543156"/>
+        <p14:creationId xmlns:p14="http://schemas.microsoft.com/office/powerpoint/2010/main" val="3961505580"/>
       </p:ext>
     </p:extLst>
   </p:cSld>
@@ -13842,10 +17183,10 @@
       </p:grpSpPr>
       <p:sp>
         <p:nvSpPr>
-          <p:cNvPr id="2" name="Title 1">
+          <p:cNvPr id="2" name="标题 1">
             <a:extLst>
               <a:ext uri="{FF2B5EF4-FFF2-40B4-BE49-F238E27FC236}">
-                <a16:creationId xmlns:a16="http://schemas.microsoft.com/office/drawing/2014/main" id="{D5D020C2-9923-432E-8033-C4F4BBD2A9FC}"/>
+                <a16:creationId xmlns:a16="http://schemas.microsoft.com/office/drawing/2014/main" id="{0FDCFF70-2C4D-41AD-A19C-DDC45455E955}"/>
               </a:ext>
             </a:extLst>
           </p:cNvPr>
@@ -13861,49 +17202,404 @@
           <a:bodyPr/>
           <a:lstStyle/>
           <a:p>
-            <a:endParaRPr lang="en-CA"/>
+            <a:r>
+              <a:rPr lang="zh-CN" altLang="en-US" dirty="0"/>
+              <a:t>寄存器不足：</a:t>
+            </a:r>
+            <a:r>
+              <a:rPr lang="en-US" altLang="zh-CN" dirty="0"/>
+              <a:t>POP</a:t>
+            </a:r>
+            <a:endParaRPr lang="zh-CN" altLang="en-US" dirty="0"/>
           </a:p>
         </p:txBody>
       </p:sp>
-      <p:pic>
-        <p:nvPicPr>
-          <p:cNvPr id="5" name="Content Placeholder 4" descr="Screen Clipping">
+      <p:sp>
+        <p:nvSpPr>
+          <p:cNvPr id="3" name="内容占位符 2">
             <a:extLst>
               <a:ext uri="{FF2B5EF4-FFF2-40B4-BE49-F238E27FC236}">
-                <a16:creationId xmlns:a16="http://schemas.microsoft.com/office/drawing/2014/main" id="{9034E0D4-EDE0-47A6-A44C-5994B3999364}"/>
+                <a16:creationId xmlns:a16="http://schemas.microsoft.com/office/drawing/2014/main" id="{2D5B990F-7233-4CDF-9F20-5DB53C755B94}"/>
               </a:ext>
             </a:extLst>
           </p:cNvPr>
-          <p:cNvPicPr>
-            <a:picLocks noGrp="1" noChangeAspect="1"/>
-          </p:cNvPicPr>
+          <p:cNvSpPr>
+            <a:spLocks noGrp="1"/>
+          </p:cNvSpPr>
           <p:nvPr>
             <p:ph idx="1"/>
           </p:nvPr>
-        </p:nvPicPr>
-        <p:blipFill>
-          <a:blip r:embed="rId2">
+        </p:nvSpPr>
+        <p:spPr>
+          <a:xfrm>
+            <a:off x="1251678" y="2286001"/>
+            <a:ext cx="2200970" cy="3593591"/>
+          </a:xfrm>
+        </p:spPr>
+        <p:txBody>
+          <a:bodyPr>
+            <a:normAutofit lnSpcReduction="10000"/>
+          </a:bodyPr>
+          <a:lstStyle/>
+          <a:p>
+            <a:r>
+              <a:rPr lang="zh-CN" altLang="en-US" dirty="0"/>
+              <a:t>设计合约</a:t>
+            </a:r>
+            <a:endParaRPr lang="en-US" altLang="zh-CN" dirty="0"/>
+          </a:p>
+          <a:p>
+            <a:pPr marL="0" indent="0">
+              <a:buNone/>
+            </a:pPr>
+            <a:r>
+              <a:rPr lang="zh-CN" altLang="en-US" dirty="0"/>
+              <a:t>将栈顶的数据取出，放到特定的地址</a:t>
+            </a:r>
+            <a:endParaRPr lang="en-US" altLang="zh-CN" dirty="0"/>
+          </a:p>
+          <a:p>
+            <a:pPr marL="0" indent="0">
+              <a:buNone/>
+            </a:pPr>
+            <a:r>
+              <a:rPr lang="zh-CN" altLang="en-US" dirty="0"/>
+              <a:t>输入：</a:t>
+            </a:r>
+            <a:endParaRPr lang="en-US" altLang="zh-CN" dirty="0"/>
+          </a:p>
+          <a:p>
+            <a:pPr marL="0" indent="0">
+              <a:buNone/>
+            </a:pPr>
+            <a:r>
+              <a:rPr lang="en-US" altLang="zh-CN" dirty="0"/>
+              <a:t>pop </a:t>
+            </a:r>
+            <a:r>
+              <a:rPr lang="en-US" altLang="zh-CN" dirty="0" err="1"/>
+              <a:t>memoryblock</a:t>
+            </a:r>
+            <a:r>
+              <a:rPr lang="en-US" altLang="zh-CN" dirty="0"/>
+              <a:t> </a:t>
+            </a:r>
+            <a:r>
+              <a:rPr lang="en-US" altLang="zh-CN" dirty="0" err="1"/>
+              <a:t>memoffset</a:t>
+            </a:r>
+            <a:endParaRPr lang="en-US" altLang="zh-CN" dirty="0"/>
+          </a:p>
+          <a:p>
+            <a:pPr marL="0" indent="0">
+              <a:buNone/>
+            </a:pPr>
+            <a:r>
+              <a:rPr lang="zh-CN" altLang="en-US" dirty="0"/>
+              <a:t>输出：</a:t>
+            </a:r>
+            <a:endParaRPr lang="en-US" altLang="zh-CN" dirty="0"/>
+          </a:p>
+          <a:p>
+            <a:pPr marL="0" indent="0">
+              <a:buNone/>
+            </a:pPr>
+            <a:r>
+              <a:rPr lang="zh-CN" altLang="en-US" dirty="0"/>
+              <a:t>完成相应功能汇编语句。</a:t>
+            </a:r>
+            <a:endParaRPr lang="en-US" altLang="zh-CN" dirty="0"/>
+          </a:p>
+        </p:txBody>
+      </p:sp>
+      <p:graphicFrame>
+        <p:nvGraphicFramePr>
+          <p:cNvPr id="5" name="图示 4">
             <a:extLst>
-              <a:ext uri="{28A0092B-C50C-407E-A947-70E740481C1C}">
-                <a14:useLocalDpi xmlns:a14="http://schemas.microsoft.com/office/drawing/2010/main" val="0"/>
+              <a:ext uri="{FF2B5EF4-FFF2-40B4-BE49-F238E27FC236}">
+                <a16:creationId xmlns:a16="http://schemas.microsoft.com/office/drawing/2014/main" id="{F68CA67B-5ED6-4331-B3F7-FCB6A2038CB2}"/>
               </a:ext>
             </a:extLst>
-          </a:blip>
-          <a:stretch>
-            <a:fillRect/>
-          </a:stretch>
-        </p:blipFill>
+          </p:cNvPr>
+          <p:cNvGraphicFramePr/>
+          <p:nvPr>
+            <p:extLst>
+              <p:ext uri="{D42A27DB-BD31-4B8C-83A1-F6EECF244321}">
+                <p14:modId xmlns:p14="http://schemas.microsoft.com/office/powerpoint/2010/main" val="309896950"/>
+              </p:ext>
+            </p:extLst>
+          </p:nvPr>
+        </p:nvGraphicFramePr>
+        <p:xfrm>
+          <a:off x="3452648" y="1128451"/>
+          <a:ext cx="5155324" cy="3474546"/>
+        </p:xfrm>
+        <a:graphic>
+          <a:graphicData uri="http://schemas.openxmlformats.org/drawingml/2006/diagram">
+            <dgm:relIds xmlns:dgm="http://schemas.openxmlformats.org/drawingml/2006/diagram" xmlns:r="http://schemas.openxmlformats.org/officeDocument/2006/relationships" r:dm="rId2" r:lo="rId3" r:qs="rId4" r:cs="rId5"/>
+          </a:graphicData>
+        </a:graphic>
+      </p:graphicFrame>
+      <p:sp>
+        <p:nvSpPr>
+          <p:cNvPr id="6" name="文本框 5">
+            <a:extLst>
+              <a:ext uri="{FF2B5EF4-FFF2-40B4-BE49-F238E27FC236}">
+                <a16:creationId xmlns:a16="http://schemas.microsoft.com/office/drawing/2014/main" id="{61F0CA50-51E9-45F1-BFF7-22CF0186B44A}"/>
+              </a:ext>
+            </a:extLst>
+          </p:cNvPr>
+          <p:cNvSpPr txBox="1"/>
+          <p:nvPr/>
+        </p:nvSpPr>
         <p:spPr>
           <a:xfrm>
-            <a:off x="2132740" y="553186"/>
-            <a:ext cx="8416197" cy="5784481"/>
+            <a:off x="3831020" y="4602997"/>
+            <a:ext cx="4619297" cy="2308324"/>
           </a:xfrm>
+          <a:prstGeom prst="rect">
+            <a:avLst/>
+          </a:prstGeom>
+          <a:noFill/>
         </p:spPr>
-      </p:pic>
+        <p:txBody>
+          <a:bodyPr wrap="square" rtlCol="0">
+            <a:spAutoFit/>
+          </a:bodyPr>
+          <a:lstStyle/>
+          <a:p>
+            <a:r>
+              <a:rPr lang="zh-CN" altLang="en-US" dirty="0"/>
+              <a:t>理想情况： 不使用或尽量少使用任何内存（内存总线速度慢）</a:t>
+            </a:r>
+            <a:endParaRPr lang="en-US" altLang="zh-CN" dirty="0"/>
+          </a:p>
+          <a:p>
+            <a:r>
+              <a:rPr lang="zh-CN" altLang="en-US" dirty="0"/>
+              <a:t>最终步骤理想情况：</a:t>
+            </a:r>
+            <a:r>
+              <a:rPr lang="en-US" altLang="zh-CN" dirty="0"/>
+              <a:t>M</a:t>
+            </a:r>
+            <a:r>
+              <a:rPr lang="zh-CN" altLang="en-US" dirty="0"/>
+              <a:t>和</a:t>
+            </a:r>
+            <a:r>
+              <a:rPr lang="en-US" altLang="zh-CN" dirty="0"/>
+              <a:t>D</a:t>
+            </a:r>
+            <a:r>
+              <a:rPr lang="zh-CN" altLang="en-US" dirty="0"/>
+              <a:t>中分别存储着地址和栈顶数值 </a:t>
+            </a:r>
+            <a:r>
+              <a:rPr lang="en-US" altLang="zh-CN" dirty="0"/>
+              <a:t>M-&gt;A D-&gt;M (</a:t>
+            </a:r>
+            <a:r>
+              <a:rPr lang="zh-CN" altLang="en-US" dirty="0"/>
+              <a:t>仅此一种）</a:t>
+            </a:r>
+            <a:endParaRPr lang="en-US" altLang="zh-CN" dirty="0"/>
+          </a:p>
+          <a:p>
+            <a:r>
+              <a:rPr lang="zh-CN" altLang="en-US" dirty="0"/>
+              <a:t>倒数第二步理想情况：要使</a:t>
+            </a:r>
+            <a:r>
+              <a:rPr lang="en-US" altLang="zh-CN" dirty="0"/>
+              <a:t>D</a:t>
+            </a:r>
+            <a:r>
+              <a:rPr lang="zh-CN" altLang="en-US" dirty="0"/>
+              <a:t>存储栈顶则</a:t>
+            </a:r>
+            <a:r>
+              <a:rPr lang="en-US" altLang="zh-CN" dirty="0"/>
+              <a:t>A=</a:t>
+            </a:r>
+            <a:r>
+              <a:rPr lang="zh-CN" altLang="en-US" dirty="0"/>
+              <a:t>*</a:t>
+            </a:r>
+            <a:r>
+              <a:rPr lang="en-US" altLang="zh-CN" dirty="0"/>
+              <a:t>SP</a:t>
+            </a:r>
+            <a:r>
+              <a:rPr lang="zh-CN" altLang="en-US" dirty="0"/>
+              <a:t>，需要寻找一个地址来计算和储存</a:t>
+            </a:r>
+            <a:r>
+              <a:rPr lang="en-US" altLang="zh-CN" dirty="0"/>
+              <a:t>M</a:t>
+            </a:r>
+          </a:p>
+          <a:p>
+            <a:r>
+              <a:rPr lang="zh-CN" altLang="en-US" dirty="0"/>
+              <a:t>（</a:t>
+            </a:r>
+            <a:r>
+              <a:rPr lang="en-US" altLang="zh-CN" dirty="0"/>
+              <a:t>R13</a:t>
+            </a:r>
+            <a:r>
+              <a:rPr lang="zh-CN" altLang="en-US" dirty="0"/>
+              <a:t>）</a:t>
+            </a:r>
+            <a:endParaRPr lang="en-US" altLang="zh-CN" dirty="0"/>
+          </a:p>
+          <a:p>
+            <a:endParaRPr lang="zh-CN" altLang="en-US" dirty="0"/>
+          </a:p>
+        </p:txBody>
+      </p:sp>
+      <p:sp>
+        <p:nvSpPr>
+          <p:cNvPr id="8" name="文本框 7">
+            <a:extLst>
+              <a:ext uri="{FF2B5EF4-FFF2-40B4-BE49-F238E27FC236}">
+                <a16:creationId xmlns:a16="http://schemas.microsoft.com/office/drawing/2014/main" id="{84DE73D5-56B8-48FE-B067-2198946BD065}"/>
+              </a:ext>
+            </a:extLst>
+          </p:cNvPr>
+          <p:cNvSpPr txBox="1"/>
+          <p:nvPr/>
+        </p:nvSpPr>
+        <p:spPr>
+          <a:xfrm>
+            <a:off x="8450317" y="1824443"/>
+            <a:ext cx="2963917" cy="3139321"/>
+          </a:xfrm>
+          <a:prstGeom prst="rect">
+            <a:avLst/>
+          </a:prstGeom>
+          <a:noFill/>
+        </p:spPr>
+        <p:txBody>
+          <a:bodyPr wrap="square" rtlCol="0">
+            <a:spAutoFit/>
+          </a:bodyPr>
+          <a:lstStyle/>
+          <a:p>
+            <a:r>
+              <a:rPr lang="zh-CN" altLang="en-US" dirty="0"/>
+              <a:t>如果</a:t>
+            </a:r>
+            <a:r>
+              <a:rPr lang="en-US" altLang="zh-CN" dirty="0"/>
+              <a:t>D</a:t>
+            </a:r>
+            <a:r>
+              <a:rPr lang="zh-CN" altLang="en-US" dirty="0"/>
+              <a:t>存储地址？</a:t>
+            </a:r>
+            <a:endParaRPr lang="en-US" altLang="zh-CN" dirty="0"/>
+          </a:p>
+          <a:p>
+            <a:r>
+              <a:rPr lang="en-US" altLang="zh-CN" dirty="0"/>
+              <a:t>M</a:t>
+            </a:r>
+            <a:r>
+              <a:rPr lang="zh-CN" altLang="en-US" dirty="0"/>
+              <a:t>存储栈顶值， 就不用新开辟内存？</a:t>
+            </a:r>
+            <a:endParaRPr lang="en-US" altLang="zh-CN" dirty="0"/>
+          </a:p>
+          <a:p>
+            <a:r>
+              <a:rPr lang="zh-CN" altLang="en-US" dirty="0"/>
+              <a:t>此时</a:t>
+            </a:r>
+            <a:r>
+              <a:rPr lang="en-US" altLang="zh-CN" dirty="0"/>
+              <a:t>A=</a:t>
+            </a:r>
+            <a:r>
+              <a:rPr lang="zh-CN" altLang="en-US" dirty="0"/>
+              <a:t>*</a:t>
+            </a:r>
+            <a:r>
+              <a:rPr lang="en-US" altLang="zh-CN" dirty="0"/>
+              <a:t>SP</a:t>
+            </a:r>
+          </a:p>
+          <a:p>
+            <a:r>
+              <a:rPr lang="zh-CN" altLang="en-US" dirty="0"/>
+              <a:t>需要完成的操作为</a:t>
+            </a:r>
+            <a:endParaRPr lang="en-US" altLang="zh-CN" dirty="0"/>
+          </a:p>
+          <a:p>
+            <a:r>
+              <a:rPr lang="en-US" altLang="zh-CN" dirty="0"/>
+              <a:t>M=D</a:t>
+            </a:r>
+          </a:p>
+          <a:p>
+            <a:r>
+              <a:rPr lang="en-US" altLang="zh-CN" dirty="0"/>
+              <a:t>A=D</a:t>
+            </a:r>
+          </a:p>
+          <a:p>
+            <a:r>
+              <a:rPr lang="en-US" altLang="zh-CN" dirty="0"/>
+              <a:t>D=M</a:t>
+            </a:r>
+          </a:p>
+          <a:p>
+            <a:r>
+              <a:rPr lang="zh-CN" altLang="en-US" dirty="0"/>
+              <a:t>可以看到，由于</a:t>
+            </a:r>
+            <a:r>
+              <a:rPr lang="en-US" altLang="zh-CN" dirty="0"/>
+              <a:t>A</a:t>
+            </a:r>
+            <a:r>
+              <a:rPr lang="zh-CN" altLang="en-US" dirty="0"/>
+              <a:t>的变动使得</a:t>
+            </a:r>
+            <a:r>
+              <a:rPr lang="en-US" altLang="zh-CN" dirty="0"/>
+              <a:t>M</a:t>
+            </a:r>
+            <a:r>
+              <a:rPr lang="zh-CN" altLang="en-US" dirty="0"/>
+              <a:t>发生改变，</a:t>
+            </a:r>
+            <a:r>
+              <a:rPr lang="en-US" altLang="zh-CN" dirty="0"/>
+              <a:t>M</a:t>
+            </a:r>
+            <a:r>
+              <a:rPr lang="zh-CN" altLang="en-US" dirty="0"/>
+              <a:t>和</a:t>
+            </a:r>
+            <a:r>
+              <a:rPr lang="en-US" altLang="zh-CN" dirty="0"/>
+              <a:t>D</a:t>
+            </a:r>
+            <a:r>
+              <a:rPr lang="zh-CN" altLang="en-US" dirty="0"/>
+              <a:t>并不能在寄存器中直接交换。</a:t>
+            </a:r>
+            <a:endParaRPr lang="en-US" altLang="zh-CN" dirty="0"/>
+          </a:p>
+        </p:txBody>
+      </p:sp>
     </p:spTree>
     <p:extLst>
       <p:ext uri="{BB962C8B-B14F-4D97-AF65-F5344CB8AC3E}">
-        <p14:creationId xmlns:p14="http://schemas.microsoft.com/office/powerpoint/2010/main" val="2515682140"/>
+        <p14:creationId xmlns:p14="http://schemas.microsoft.com/office/powerpoint/2010/main" val="1574884282"/>
       </p:ext>
     </p:extLst>
   </p:cSld>
@@ -13932,10 +17628,10 @@
       </p:grpSpPr>
       <p:sp>
         <p:nvSpPr>
-          <p:cNvPr id="2" name="Title 1">
+          <p:cNvPr id="2" name="标题 1">
             <a:extLst>
               <a:ext uri="{FF2B5EF4-FFF2-40B4-BE49-F238E27FC236}">
-                <a16:creationId xmlns:a16="http://schemas.microsoft.com/office/drawing/2014/main" id="{3DD62E72-8E0B-4F0E-9478-577A903A698C}"/>
+                <a16:creationId xmlns:a16="http://schemas.microsoft.com/office/drawing/2014/main" id="{8B23BBFA-40F2-4624-A786-4177DFF363C3}"/>
               </a:ext>
             </a:extLst>
           </p:cNvPr>
@@ -13946,147 +17642,951 @@
             <p:ph type="title"/>
           </p:nvPr>
         </p:nvSpPr>
-        <p:spPr/>
+        <p:spPr>
+          <a:xfrm>
+            <a:off x="1251678" y="382385"/>
+            <a:ext cx="10178322" cy="1052277"/>
+          </a:xfrm>
+        </p:spPr>
         <p:txBody>
           <a:bodyPr/>
           <a:lstStyle/>
           <a:p>
             <a:r>
               <a:rPr lang="zh-CN" altLang="en-US" dirty="0"/>
-              <a:t>第七</a:t>
+              <a:t>选择结构：</a:t>
+            </a:r>
+            <a:r>
+              <a:rPr lang="en-US" altLang="zh-CN" dirty="0" err="1"/>
+              <a:t>eq</a:t>
             </a:r>
             <a:r>
               <a:rPr lang="en-US" altLang="zh-CN" dirty="0"/>
-              <a:t>+</a:t>
-            </a:r>
-            <a:r>
-              <a:rPr lang="zh-CN" altLang="en-US" dirty="0"/>
-              <a:t>八章 </a:t>
-            </a:r>
-            <a:r>
-              <a:rPr lang="en-CA" altLang="zh-CN" dirty="0"/>
-              <a:t>- </a:t>
-            </a:r>
-            <a:r>
-              <a:rPr lang="en-US" altLang="zh-CN" dirty="0"/>
-              <a:t>VM</a:t>
-            </a:r>
-            <a:endParaRPr lang="en-CA" dirty="0"/>
+              <a:t>/GT/LT</a:t>
+            </a:r>
+            <a:endParaRPr lang="zh-CN" altLang="en-US" dirty="0"/>
           </a:p>
         </p:txBody>
       </p:sp>
-      <p:pic>
-        <p:nvPicPr>
-          <p:cNvPr id="7" name="Picture 6">
+      <p:sp>
+        <p:nvSpPr>
+          <p:cNvPr id="3" name="内容占位符 2">
             <a:extLst>
               <a:ext uri="{FF2B5EF4-FFF2-40B4-BE49-F238E27FC236}">
-                <a16:creationId xmlns:a16="http://schemas.microsoft.com/office/drawing/2014/main" id="{4D002754-E455-48AE-828B-E708534F17E5}"/>
+                <a16:creationId xmlns:a16="http://schemas.microsoft.com/office/drawing/2014/main" id="{1B272D1A-D506-49F6-B787-B2A7F0D767BA}"/>
               </a:ext>
             </a:extLst>
           </p:cNvPr>
-          <p:cNvPicPr>
-            <a:picLocks noChangeAspect="1"/>
-          </p:cNvPicPr>
-          <p:nvPr/>
-        </p:nvPicPr>
-        <p:blipFill>
-          <a:blip r:embed="rId2">
+          <p:cNvSpPr>
+            <a:spLocks noGrp="1"/>
+          </p:cNvSpPr>
+          <p:nvPr>
+            <p:ph idx="1"/>
+          </p:nvPr>
+        </p:nvSpPr>
+        <p:spPr>
+          <a:xfrm>
+            <a:off x="1251678" y="1434662"/>
+            <a:ext cx="2390156" cy="2128345"/>
+          </a:xfrm>
+        </p:spPr>
+        <p:txBody>
+          <a:bodyPr/>
+          <a:lstStyle/>
+          <a:p>
+            <a:pPr marL="0" indent="0">
+              <a:buNone/>
+            </a:pPr>
+            <a:r>
+              <a:rPr lang="zh-CN" altLang="en-US" dirty="0"/>
+              <a:t>合约：对栈顶两个数比大小。</a:t>
+            </a:r>
+            <a:endParaRPr lang="en-US" altLang="zh-CN" dirty="0"/>
+          </a:p>
+          <a:p>
+            <a:pPr marL="0" indent="0">
+              <a:buNone/>
+            </a:pPr>
+            <a:r>
+              <a:rPr lang="zh-CN" altLang="en-US" dirty="0"/>
+              <a:t>输入</a:t>
+            </a:r>
+            <a:r>
+              <a:rPr lang="en-US" altLang="zh-CN" dirty="0">
+                <a:sym typeface="Wingdings" panose="05000000000000000000" pitchFamily="2" charset="2"/>
+              </a:rPr>
+              <a:t>(VM)</a:t>
+            </a:r>
+            <a:r>
+              <a:rPr lang="en-US" altLang="zh-CN" dirty="0" err="1">
+                <a:sym typeface="Wingdings" panose="05000000000000000000" pitchFamily="2" charset="2"/>
+              </a:rPr>
+              <a:t>eq</a:t>
+            </a:r>
+            <a:r>
+              <a:rPr lang="en-US" altLang="zh-CN" dirty="0">
+                <a:sym typeface="Wingdings" panose="05000000000000000000" pitchFamily="2" charset="2"/>
+              </a:rPr>
+              <a:t>/</a:t>
+            </a:r>
+            <a:r>
+              <a:rPr lang="en-US" altLang="zh-CN" dirty="0" err="1">
+                <a:sym typeface="Wingdings" panose="05000000000000000000" pitchFamily="2" charset="2"/>
+              </a:rPr>
+              <a:t>gt</a:t>
+            </a:r>
+            <a:r>
+              <a:rPr lang="en-US" altLang="zh-CN" dirty="0">
+                <a:sym typeface="Wingdings" panose="05000000000000000000" pitchFamily="2" charset="2"/>
+              </a:rPr>
+              <a:t>/</a:t>
+            </a:r>
+            <a:r>
+              <a:rPr lang="en-US" altLang="zh-CN" dirty="0" err="1">
+                <a:sym typeface="Wingdings" panose="05000000000000000000" pitchFamily="2" charset="2"/>
+              </a:rPr>
+              <a:t>lt</a:t>
+            </a:r>
+            <a:endParaRPr lang="en-US" altLang="zh-CN" dirty="0">
+              <a:sym typeface="Wingdings" panose="05000000000000000000" pitchFamily="2" charset="2"/>
+            </a:endParaRPr>
+          </a:p>
+          <a:p>
+            <a:pPr marL="0" indent="0">
+              <a:buNone/>
+            </a:pPr>
+            <a:r>
+              <a:rPr lang="zh-CN" altLang="en-US" dirty="0">
+                <a:sym typeface="Wingdings" panose="05000000000000000000" pitchFamily="2" charset="2"/>
+              </a:rPr>
+              <a:t>输出：对应汇编语言</a:t>
+            </a:r>
+            <a:endParaRPr lang="en-US" altLang="zh-CN" dirty="0">
+              <a:sym typeface="Wingdings" panose="05000000000000000000" pitchFamily="2" charset="2"/>
+            </a:endParaRPr>
+          </a:p>
+        </p:txBody>
+      </p:sp>
+      <p:sp>
+        <p:nvSpPr>
+          <p:cNvPr id="4" name="文本框 3">
             <a:extLst>
-              <a:ext uri="{28A0092B-C50C-407E-A947-70E740481C1C}">
-                <a14:useLocalDpi xmlns:a14="http://schemas.microsoft.com/office/drawing/2010/main" val="0"/>
+              <a:ext uri="{FF2B5EF4-FFF2-40B4-BE49-F238E27FC236}">
+                <a16:creationId xmlns:a16="http://schemas.microsoft.com/office/drawing/2014/main" id="{0569E03A-6690-436D-A4F4-F52757432DB9}"/>
               </a:ext>
             </a:extLst>
-          </a:blip>
-          <a:stretch>
-            <a:fillRect/>
-          </a:stretch>
-        </p:blipFill>
+          </p:cNvPr>
+          <p:cNvSpPr txBox="1"/>
+          <p:nvPr/>
+        </p:nvSpPr>
         <p:spPr>
           <a:xfrm>
-            <a:off x="727803" y="1158091"/>
-            <a:ext cx="4076395" cy="3013859"/>
+            <a:off x="1251678" y="3925614"/>
+            <a:ext cx="2216736" cy="1754326"/>
+          </a:xfrm>
+          <a:prstGeom prst="rect">
+            <a:avLst/>
+          </a:prstGeom>
+          <a:noFill/>
+        </p:spPr>
+        <p:txBody>
+          <a:bodyPr wrap="square" rtlCol="0">
+            <a:spAutoFit/>
+          </a:bodyPr>
+          <a:lstStyle/>
+          <a:p>
+            <a:r>
+              <a:rPr lang="zh-CN" altLang="en-US" dirty="0"/>
+              <a:t>为什么一定是选择结构？</a:t>
+            </a:r>
+            <a:endParaRPr lang="en-US" altLang="zh-CN" dirty="0"/>
+          </a:p>
+          <a:p>
+            <a:r>
+              <a:rPr lang="zh-CN" altLang="en-US" dirty="0"/>
+              <a:t>首先：实现这样的判断只可能利用汇编中的条件跳转</a:t>
+            </a:r>
+            <a:endParaRPr lang="en-US" altLang="zh-CN" dirty="0"/>
+          </a:p>
+          <a:p>
+            <a:r>
+              <a:rPr lang="en-US" altLang="zh-CN" dirty="0"/>
+              <a:t>JGT JEQ JMP</a:t>
+            </a:r>
+            <a:endParaRPr lang="zh-CN" altLang="en-US" dirty="0"/>
+          </a:p>
+        </p:txBody>
+      </p:sp>
+      <p:sp>
+        <p:nvSpPr>
+          <p:cNvPr id="5" name="文本框 4">
+            <a:extLst>
+              <a:ext uri="{FF2B5EF4-FFF2-40B4-BE49-F238E27FC236}">
+                <a16:creationId xmlns:a16="http://schemas.microsoft.com/office/drawing/2014/main" id="{93AA2341-4708-4CB2-8AF0-090CFF686A84}"/>
+              </a:ext>
+            </a:extLst>
+          </p:cNvPr>
+          <p:cNvSpPr txBox="1"/>
+          <p:nvPr/>
+        </p:nvSpPr>
+        <p:spPr>
+          <a:xfrm>
+            <a:off x="4225159" y="1576552"/>
+            <a:ext cx="2459420" cy="646331"/>
+          </a:xfrm>
+          <a:prstGeom prst="rect">
+            <a:avLst/>
+          </a:prstGeom>
+          <a:noFill/>
+        </p:spPr>
+        <p:txBody>
+          <a:bodyPr wrap="square" rtlCol="0">
+            <a:spAutoFit/>
+          </a:bodyPr>
+          <a:lstStyle/>
+          <a:p>
+            <a:r>
+              <a:rPr lang="zh-CN" altLang="en-US" dirty="0"/>
+              <a:t>为什么不能只用</a:t>
+            </a:r>
+            <a:r>
+              <a:rPr lang="en-US" altLang="zh-CN" dirty="0"/>
+              <a:t>1</a:t>
+            </a:r>
+            <a:r>
+              <a:rPr lang="zh-CN" altLang="en-US" dirty="0"/>
+              <a:t>个跳转语句实现？</a:t>
+            </a:r>
+            <a:endParaRPr lang="en-US" altLang="zh-CN" dirty="0"/>
+          </a:p>
+        </p:txBody>
+      </p:sp>
+      <p:sp>
+        <p:nvSpPr>
+          <p:cNvPr id="8" name="矩形 7">
+            <a:extLst>
+              <a:ext uri="{FF2B5EF4-FFF2-40B4-BE49-F238E27FC236}">
+                <a16:creationId xmlns:a16="http://schemas.microsoft.com/office/drawing/2014/main" id="{E9525A69-D8BF-492F-B8BE-2BC5DCABA74A}"/>
+              </a:ext>
+            </a:extLst>
+          </p:cNvPr>
+          <p:cNvSpPr/>
+          <p:nvPr/>
+        </p:nvSpPr>
+        <p:spPr>
+          <a:xfrm>
+            <a:off x="4445876" y="2246585"/>
+            <a:ext cx="2017986" cy="630621"/>
           </a:xfrm>
           <a:prstGeom prst="rect">
             <a:avLst/>
           </a:prstGeom>
         </p:spPr>
-      </p:pic>
-      <p:pic>
-        <p:nvPicPr>
-          <p:cNvPr id="9" name="Picture 8">
+        <p:style>
+          <a:lnRef idx="2">
+            <a:schemeClr val="accent1">
+              <a:shade val="50000"/>
+            </a:schemeClr>
+          </a:lnRef>
+          <a:fillRef idx="1">
+            <a:schemeClr val="accent1"/>
+          </a:fillRef>
+          <a:effectRef idx="0">
+            <a:schemeClr val="accent1"/>
+          </a:effectRef>
+          <a:fontRef idx="minor">
+            <a:schemeClr val="lt1"/>
+          </a:fontRef>
+        </p:style>
+        <p:txBody>
+          <a:bodyPr rtlCol="0" anchor="ctr"/>
+          <a:lstStyle/>
+          <a:p>
+            <a:pPr algn="ctr"/>
+            <a:endParaRPr lang="zh-CN" altLang="en-US"/>
+          </a:p>
+        </p:txBody>
+      </p:sp>
+      <p:sp>
+        <p:nvSpPr>
+          <p:cNvPr id="9" name="流程图: 决策 8">
             <a:extLst>
               <a:ext uri="{FF2B5EF4-FFF2-40B4-BE49-F238E27FC236}">
-                <a16:creationId xmlns:a16="http://schemas.microsoft.com/office/drawing/2014/main" id="{11A42286-152A-4866-95BB-D9DC3E00F73A}"/>
+                <a16:creationId xmlns:a16="http://schemas.microsoft.com/office/drawing/2014/main" id="{6EC0AE53-D3C7-4F9D-919E-D0532760E115}"/>
               </a:ext>
             </a:extLst>
           </p:cNvPr>
-          <p:cNvPicPr>
-            <a:picLocks noChangeAspect="1"/>
-          </p:cNvPicPr>
+          <p:cNvSpPr/>
           <p:nvPr/>
-        </p:nvPicPr>
-        <p:blipFill>
-          <a:blip r:embed="rId3">
+        </p:nvSpPr>
+        <p:spPr>
+          <a:xfrm>
+            <a:off x="4169979" y="3502853"/>
+            <a:ext cx="2569780" cy="1050584"/>
+          </a:xfrm>
+          <a:prstGeom prst="flowChartDecision">
+            <a:avLst/>
+          </a:prstGeom>
+        </p:spPr>
+        <p:style>
+          <a:lnRef idx="2">
+            <a:schemeClr val="accent1">
+              <a:shade val="50000"/>
+            </a:schemeClr>
+          </a:lnRef>
+          <a:fillRef idx="1">
+            <a:schemeClr val="accent1"/>
+          </a:fillRef>
+          <a:effectRef idx="0">
+            <a:schemeClr val="accent1"/>
+          </a:effectRef>
+          <a:fontRef idx="minor">
+            <a:schemeClr val="lt1"/>
+          </a:fontRef>
+        </p:style>
+        <p:txBody>
+          <a:bodyPr rtlCol="0" anchor="ctr"/>
+          <a:lstStyle/>
+          <a:p>
+            <a:pPr algn="ctr"/>
+            <a:endParaRPr lang="zh-CN" altLang="en-US"/>
+          </a:p>
+        </p:txBody>
+      </p:sp>
+      <p:sp>
+        <p:nvSpPr>
+          <p:cNvPr id="10" name="矩形 9">
             <a:extLst>
-              <a:ext uri="{28A0092B-C50C-407E-A947-70E740481C1C}">
-                <a14:useLocalDpi xmlns:a14="http://schemas.microsoft.com/office/drawing/2010/main" val="0"/>
+              <a:ext uri="{FF2B5EF4-FFF2-40B4-BE49-F238E27FC236}">
+                <a16:creationId xmlns:a16="http://schemas.microsoft.com/office/drawing/2014/main" id="{6ADE4CEB-8DF5-423A-8F5A-B1EC3A2CCB43}"/>
               </a:ext>
             </a:extLst>
-          </a:blip>
-          <a:stretch>
-            <a:fillRect/>
-          </a:stretch>
-        </p:blipFill>
+          </p:cNvPr>
+          <p:cNvSpPr/>
+          <p:nvPr/>
+        </p:nvSpPr>
         <p:spPr>
           <a:xfrm>
-            <a:off x="4233406" y="1158091"/>
-            <a:ext cx="5639289" cy="4541914"/>
+            <a:off x="4445876" y="4974021"/>
+            <a:ext cx="2017986" cy="525968"/>
           </a:xfrm>
           <a:prstGeom prst="rect">
             <a:avLst/>
           </a:prstGeom>
         </p:spPr>
-      </p:pic>
-      <p:pic>
-        <p:nvPicPr>
-          <p:cNvPr id="11" name="Picture 10">
+        <p:style>
+          <a:lnRef idx="2">
+            <a:schemeClr val="accent1">
+              <a:shade val="50000"/>
+            </a:schemeClr>
+          </a:lnRef>
+          <a:fillRef idx="1">
+            <a:schemeClr val="accent1"/>
+          </a:fillRef>
+          <a:effectRef idx="0">
+            <a:schemeClr val="accent1"/>
+          </a:effectRef>
+          <a:fontRef idx="minor">
+            <a:schemeClr val="lt1"/>
+          </a:fontRef>
+        </p:style>
+        <p:txBody>
+          <a:bodyPr rtlCol="0" anchor="ctr"/>
+          <a:lstStyle/>
+          <a:p>
+            <a:pPr algn="ctr"/>
+            <a:endParaRPr lang="zh-CN" altLang="en-US"/>
+          </a:p>
+        </p:txBody>
+      </p:sp>
+      <p:sp>
+        <p:nvSpPr>
+          <p:cNvPr id="20" name="箭头: 下 19">
             <a:extLst>
               <a:ext uri="{FF2B5EF4-FFF2-40B4-BE49-F238E27FC236}">
-                <a16:creationId xmlns:a16="http://schemas.microsoft.com/office/drawing/2014/main" id="{03BB92A4-9265-4738-A73D-D26917C10BEE}"/>
+                <a16:creationId xmlns:a16="http://schemas.microsoft.com/office/drawing/2014/main" id="{E0C19457-DF13-4856-B8EB-B60F6FCABB6D}"/>
               </a:ext>
             </a:extLst>
           </p:cNvPr>
-          <p:cNvPicPr>
-            <a:picLocks noChangeAspect="1"/>
-          </p:cNvPicPr>
+          <p:cNvSpPr/>
           <p:nvPr/>
-        </p:nvPicPr>
-        <p:blipFill>
-          <a:blip r:embed="rId4">
+        </p:nvSpPr>
+        <p:spPr>
+          <a:xfrm>
+            <a:off x="5289331" y="2995394"/>
+            <a:ext cx="331076" cy="404928"/>
+          </a:xfrm>
+          <a:prstGeom prst="downArrow">
+            <a:avLst/>
+          </a:prstGeom>
+        </p:spPr>
+        <p:style>
+          <a:lnRef idx="2">
+            <a:schemeClr val="accent1">
+              <a:shade val="50000"/>
+            </a:schemeClr>
+          </a:lnRef>
+          <a:fillRef idx="1">
+            <a:schemeClr val="accent1"/>
+          </a:fillRef>
+          <a:effectRef idx="0">
+            <a:schemeClr val="accent1"/>
+          </a:effectRef>
+          <a:fontRef idx="minor">
+            <a:schemeClr val="lt1"/>
+          </a:fontRef>
+        </p:style>
+        <p:txBody>
+          <a:bodyPr rtlCol="0" anchor="ctr"/>
+          <a:lstStyle/>
+          <a:p>
+            <a:pPr algn="ctr"/>
+            <a:endParaRPr lang="zh-CN" altLang="en-US"/>
+          </a:p>
+        </p:txBody>
+      </p:sp>
+      <p:sp>
+        <p:nvSpPr>
+          <p:cNvPr id="21" name="箭头: 下 20">
             <a:extLst>
-              <a:ext uri="{28A0092B-C50C-407E-A947-70E740481C1C}">
-                <a14:useLocalDpi xmlns:a14="http://schemas.microsoft.com/office/drawing/2010/main" val="0"/>
+              <a:ext uri="{FF2B5EF4-FFF2-40B4-BE49-F238E27FC236}">
+                <a16:creationId xmlns:a16="http://schemas.microsoft.com/office/drawing/2014/main" id="{380192FD-727E-48E2-8030-6B0BB651F1CF}"/>
               </a:ext>
             </a:extLst>
-          </a:blip>
-          <a:stretch>
-            <a:fillRect/>
-          </a:stretch>
-        </p:blipFill>
+          </p:cNvPr>
+          <p:cNvSpPr/>
+          <p:nvPr/>
+        </p:nvSpPr>
         <p:spPr>
           <a:xfrm>
-            <a:off x="6907313" y="2316086"/>
-            <a:ext cx="5006774" cy="4541914"/>
+            <a:off x="5289331" y="4600313"/>
+            <a:ext cx="331076" cy="404928"/>
+          </a:xfrm>
+          <a:prstGeom prst="downArrow">
+            <a:avLst/>
+          </a:prstGeom>
+        </p:spPr>
+        <p:style>
+          <a:lnRef idx="2">
+            <a:schemeClr val="accent1">
+              <a:shade val="50000"/>
+            </a:schemeClr>
+          </a:lnRef>
+          <a:fillRef idx="1">
+            <a:schemeClr val="accent1"/>
+          </a:fillRef>
+          <a:effectRef idx="0">
+            <a:schemeClr val="accent1"/>
+          </a:effectRef>
+          <a:fontRef idx="minor">
+            <a:schemeClr val="lt1"/>
+          </a:fontRef>
+        </p:style>
+        <p:txBody>
+          <a:bodyPr rtlCol="0" anchor="ctr"/>
+          <a:lstStyle/>
+          <a:p>
+            <a:pPr algn="ctr"/>
+            <a:endParaRPr lang="zh-CN" altLang="en-US"/>
+          </a:p>
+        </p:txBody>
+      </p:sp>
+      <p:sp>
+        <p:nvSpPr>
+          <p:cNvPr id="25" name="矩形 24">
+            <a:extLst>
+              <a:ext uri="{FF2B5EF4-FFF2-40B4-BE49-F238E27FC236}">
+                <a16:creationId xmlns:a16="http://schemas.microsoft.com/office/drawing/2014/main" id="{5110027C-00A7-4C66-80C0-A962B015E7FD}"/>
+              </a:ext>
+            </a:extLst>
+          </p:cNvPr>
+          <p:cNvSpPr/>
+          <p:nvPr/>
+        </p:nvSpPr>
+        <p:spPr>
+          <a:xfrm>
+            <a:off x="6739759" y="3925614"/>
+            <a:ext cx="449317" cy="236483"/>
           </a:xfrm>
           <a:prstGeom prst="rect">
             <a:avLst/>
           </a:prstGeom>
         </p:spPr>
-      </p:pic>
+        <p:style>
+          <a:lnRef idx="2">
+            <a:schemeClr val="accent1">
+              <a:shade val="50000"/>
+            </a:schemeClr>
+          </a:lnRef>
+          <a:fillRef idx="1">
+            <a:schemeClr val="accent1"/>
+          </a:fillRef>
+          <a:effectRef idx="0">
+            <a:schemeClr val="accent1"/>
+          </a:effectRef>
+          <a:fontRef idx="minor">
+            <a:schemeClr val="lt1"/>
+          </a:fontRef>
+        </p:style>
+        <p:txBody>
+          <a:bodyPr rtlCol="0" anchor="ctr"/>
+          <a:lstStyle/>
+          <a:p>
+            <a:pPr algn="ctr"/>
+            <a:endParaRPr lang="zh-CN" altLang="en-US"/>
+          </a:p>
+        </p:txBody>
+      </p:sp>
+      <p:sp>
+        <p:nvSpPr>
+          <p:cNvPr id="26" name="矩形 25">
+            <a:extLst>
+              <a:ext uri="{FF2B5EF4-FFF2-40B4-BE49-F238E27FC236}">
+                <a16:creationId xmlns:a16="http://schemas.microsoft.com/office/drawing/2014/main" id="{E0870375-B4FD-40B2-BC66-BADA675D2CB3}"/>
+              </a:ext>
+            </a:extLst>
+          </p:cNvPr>
+          <p:cNvSpPr/>
+          <p:nvPr/>
+        </p:nvSpPr>
+        <p:spPr>
+          <a:xfrm>
+            <a:off x="6964417" y="3925614"/>
+            <a:ext cx="224659" cy="2096814"/>
+          </a:xfrm>
+          <a:prstGeom prst="rect">
+            <a:avLst/>
+          </a:prstGeom>
+        </p:spPr>
+        <p:style>
+          <a:lnRef idx="2">
+            <a:schemeClr val="accent1">
+              <a:shade val="50000"/>
+            </a:schemeClr>
+          </a:lnRef>
+          <a:fillRef idx="1">
+            <a:schemeClr val="accent1"/>
+          </a:fillRef>
+          <a:effectRef idx="0">
+            <a:schemeClr val="accent1"/>
+          </a:effectRef>
+          <a:fontRef idx="minor">
+            <a:schemeClr val="lt1"/>
+          </a:fontRef>
+        </p:style>
+        <p:txBody>
+          <a:bodyPr rtlCol="0" anchor="ctr"/>
+          <a:lstStyle/>
+          <a:p>
+            <a:pPr algn="ctr"/>
+            <a:endParaRPr lang="zh-CN" altLang="en-US"/>
+          </a:p>
+        </p:txBody>
+      </p:sp>
+      <p:sp>
+        <p:nvSpPr>
+          <p:cNvPr id="27" name="箭头: 左 26">
+            <a:extLst>
+              <a:ext uri="{FF2B5EF4-FFF2-40B4-BE49-F238E27FC236}">
+                <a16:creationId xmlns:a16="http://schemas.microsoft.com/office/drawing/2014/main" id="{2827946B-4343-4F35-B4E6-AD43E883B22E}"/>
+              </a:ext>
+            </a:extLst>
+          </p:cNvPr>
+          <p:cNvSpPr/>
+          <p:nvPr/>
+        </p:nvSpPr>
+        <p:spPr>
+          <a:xfrm>
+            <a:off x="6684579" y="5679940"/>
+            <a:ext cx="504497" cy="500143"/>
+          </a:xfrm>
+          <a:prstGeom prst="leftArrow">
+            <a:avLst/>
+          </a:prstGeom>
+        </p:spPr>
+        <p:style>
+          <a:lnRef idx="2">
+            <a:schemeClr val="accent1">
+              <a:shade val="50000"/>
+            </a:schemeClr>
+          </a:lnRef>
+          <a:fillRef idx="1">
+            <a:schemeClr val="accent1"/>
+          </a:fillRef>
+          <a:effectRef idx="0">
+            <a:schemeClr val="accent1"/>
+          </a:effectRef>
+          <a:fontRef idx="minor">
+            <a:schemeClr val="lt1"/>
+          </a:fontRef>
+        </p:style>
+        <p:txBody>
+          <a:bodyPr rtlCol="0" anchor="ctr"/>
+          <a:lstStyle/>
+          <a:p>
+            <a:pPr algn="ctr"/>
+            <a:endParaRPr lang="zh-CN" altLang="en-US"/>
+          </a:p>
+        </p:txBody>
+      </p:sp>
+      <p:sp>
+        <p:nvSpPr>
+          <p:cNvPr id="28" name="箭头: 下 27">
+            <a:extLst>
+              <a:ext uri="{FF2B5EF4-FFF2-40B4-BE49-F238E27FC236}">
+                <a16:creationId xmlns:a16="http://schemas.microsoft.com/office/drawing/2014/main" id="{447355AF-3A44-4394-ABA4-4DFD856E0173}"/>
+              </a:ext>
+            </a:extLst>
+          </p:cNvPr>
+          <p:cNvSpPr/>
+          <p:nvPr/>
+        </p:nvSpPr>
+        <p:spPr>
+          <a:xfrm>
+            <a:off x="5289331" y="5617500"/>
+            <a:ext cx="331076" cy="404928"/>
+          </a:xfrm>
+          <a:prstGeom prst="downArrow">
+            <a:avLst/>
+          </a:prstGeom>
+        </p:spPr>
+        <p:style>
+          <a:lnRef idx="2">
+            <a:schemeClr val="accent1">
+              <a:shade val="50000"/>
+            </a:schemeClr>
+          </a:lnRef>
+          <a:fillRef idx="1">
+            <a:schemeClr val="accent1"/>
+          </a:fillRef>
+          <a:effectRef idx="0">
+            <a:schemeClr val="accent1"/>
+          </a:effectRef>
+          <a:fontRef idx="minor">
+            <a:schemeClr val="lt1"/>
+          </a:fontRef>
+        </p:style>
+        <p:txBody>
+          <a:bodyPr rtlCol="0" anchor="ctr"/>
+          <a:lstStyle/>
+          <a:p>
+            <a:pPr algn="ctr"/>
+            <a:endParaRPr lang="zh-CN" altLang="en-US"/>
+          </a:p>
+        </p:txBody>
+      </p:sp>
+      <p:sp>
+        <p:nvSpPr>
+          <p:cNvPr id="29" name="矩形 28">
+            <a:extLst>
+              <a:ext uri="{FF2B5EF4-FFF2-40B4-BE49-F238E27FC236}">
+                <a16:creationId xmlns:a16="http://schemas.microsoft.com/office/drawing/2014/main" id="{41300E9B-1737-48A5-986B-720F6C5BBF2E}"/>
+              </a:ext>
+            </a:extLst>
+          </p:cNvPr>
+          <p:cNvSpPr/>
+          <p:nvPr/>
+        </p:nvSpPr>
+        <p:spPr>
+          <a:xfrm>
+            <a:off x="4307927" y="6139939"/>
+            <a:ext cx="2293883" cy="481689"/>
+          </a:xfrm>
+          <a:prstGeom prst="rect">
+            <a:avLst/>
+          </a:prstGeom>
+        </p:spPr>
+        <p:style>
+          <a:lnRef idx="2">
+            <a:schemeClr val="accent1">
+              <a:shade val="50000"/>
+            </a:schemeClr>
+          </a:lnRef>
+          <a:fillRef idx="1">
+            <a:schemeClr val="accent1"/>
+          </a:fillRef>
+          <a:effectRef idx="0">
+            <a:schemeClr val="accent1"/>
+          </a:effectRef>
+          <a:fontRef idx="minor">
+            <a:schemeClr val="lt1"/>
+          </a:fontRef>
+        </p:style>
+        <p:txBody>
+          <a:bodyPr rtlCol="0" anchor="ctr"/>
+          <a:lstStyle/>
+          <a:p>
+            <a:pPr algn="ctr"/>
+            <a:endParaRPr lang="zh-CN" altLang="en-US" dirty="0"/>
+          </a:p>
+        </p:txBody>
+      </p:sp>
+      <p:sp>
+        <p:nvSpPr>
+          <p:cNvPr id="30" name="文本框 29">
+            <a:extLst>
+              <a:ext uri="{FF2B5EF4-FFF2-40B4-BE49-F238E27FC236}">
+                <a16:creationId xmlns:a16="http://schemas.microsoft.com/office/drawing/2014/main" id="{ACF3DEF4-20CE-44A2-9D79-30061F27281A}"/>
+              </a:ext>
+            </a:extLst>
+          </p:cNvPr>
+          <p:cNvSpPr txBox="1"/>
+          <p:nvPr/>
+        </p:nvSpPr>
+        <p:spPr>
+          <a:xfrm>
+            <a:off x="4761185" y="2397385"/>
+            <a:ext cx="1387365" cy="369332"/>
+          </a:xfrm>
+          <a:prstGeom prst="rect">
+            <a:avLst/>
+          </a:prstGeom>
+          <a:noFill/>
+        </p:spPr>
+        <p:txBody>
+          <a:bodyPr wrap="square" rtlCol="0">
+            <a:spAutoFit/>
+          </a:bodyPr>
+          <a:lstStyle/>
+          <a:p>
+            <a:r>
+              <a:rPr lang="zh-CN" altLang="en-US" dirty="0"/>
+              <a:t>前处理代码</a:t>
+            </a:r>
+          </a:p>
+        </p:txBody>
+      </p:sp>
+      <p:sp>
+        <p:nvSpPr>
+          <p:cNvPr id="31" name="文本框 30">
+            <a:extLst>
+              <a:ext uri="{FF2B5EF4-FFF2-40B4-BE49-F238E27FC236}">
+                <a16:creationId xmlns:a16="http://schemas.microsoft.com/office/drawing/2014/main" id="{87560069-3717-40C6-99D9-525A8543B653}"/>
+              </a:ext>
+            </a:extLst>
+          </p:cNvPr>
+          <p:cNvSpPr txBox="1"/>
+          <p:nvPr/>
+        </p:nvSpPr>
+        <p:spPr>
+          <a:xfrm>
+            <a:off x="5135618" y="3883968"/>
+            <a:ext cx="737037" cy="369332"/>
+          </a:xfrm>
+          <a:prstGeom prst="rect">
+            <a:avLst/>
+          </a:prstGeom>
+          <a:noFill/>
+        </p:spPr>
+        <p:txBody>
+          <a:bodyPr wrap="square" rtlCol="0">
+            <a:spAutoFit/>
+          </a:bodyPr>
+          <a:lstStyle/>
+          <a:p>
+            <a:r>
+              <a:rPr lang="zh-CN" altLang="en-US" dirty="0"/>
+              <a:t>判断</a:t>
+            </a:r>
+          </a:p>
+        </p:txBody>
+      </p:sp>
+      <p:sp>
+        <p:nvSpPr>
+          <p:cNvPr id="32" name="文本框 31">
+            <a:extLst>
+              <a:ext uri="{FF2B5EF4-FFF2-40B4-BE49-F238E27FC236}">
+                <a16:creationId xmlns:a16="http://schemas.microsoft.com/office/drawing/2014/main" id="{CCA6B562-BE5C-42DE-A4C5-9E487C8AE404}"/>
+              </a:ext>
+            </a:extLst>
+          </p:cNvPr>
+          <p:cNvSpPr txBox="1"/>
+          <p:nvPr/>
+        </p:nvSpPr>
+        <p:spPr>
+          <a:xfrm>
+            <a:off x="4761185" y="5067949"/>
+            <a:ext cx="1345983" cy="369332"/>
+          </a:xfrm>
+          <a:prstGeom prst="rect">
+            <a:avLst/>
+          </a:prstGeom>
+          <a:noFill/>
+        </p:spPr>
+        <p:txBody>
+          <a:bodyPr wrap="square" rtlCol="0">
+            <a:spAutoFit/>
+          </a:bodyPr>
+          <a:lstStyle/>
+          <a:p>
+            <a:r>
+              <a:rPr lang="zh-CN" altLang="en-US" dirty="0"/>
+              <a:t>未跳转代码</a:t>
+            </a:r>
+          </a:p>
+        </p:txBody>
+      </p:sp>
+      <p:sp>
+        <p:nvSpPr>
+          <p:cNvPr id="33" name="文本框 32">
+            <a:extLst>
+              <a:ext uri="{FF2B5EF4-FFF2-40B4-BE49-F238E27FC236}">
+                <a16:creationId xmlns:a16="http://schemas.microsoft.com/office/drawing/2014/main" id="{C52F5089-6FC0-4001-9399-ED874B46199E}"/>
+              </a:ext>
+            </a:extLst>
+          </p:cNvPr>
+          <p:cNvSpPr txBox="1"/>
+          <p:nvPr/>
+        </p:nvSpPr>
+        <p:spPr>
+          <a:xfrm>
+            <a:off x="4761185" y="6180083"/>
+            <a:ext cx="1387365" cy="369332"/>
+          </a:xfrm>
+          <a:prstGeom prst="rect">
+            <a:avLst/>
+          </a:prstGeom>
+          <a:noFill/>
+        </p:spPr>
+        <p:txBody>
+          <a:bodyPr wrap="square" rtlCol="0">
+            <a:spAutoFit/>
+          </a:bodyPr>
+          <a:lstStyle/>
+          <a:p>
+            <a:r>
+              <a:rPr lang="zh-CN" altLang="en-US" dirty="0"/>
+              <a:t>后处理代码</a:t>
+            </a:r>
+          </a:p>
+        </p:txBody>
+      </p:sp>
+      <p:sp>
+        <p:nvSpPr>
+          <p:cNvPr id="34" name="文本框 33">
+            <a:extLst>
+              <a:ext uri="{FF2B5EF4-FFF2-40B4-BE49-F238E27FC236}">
+                <a16:creationId xmlns:a16="http://schemas.microsoft.com/office/drawing/2014/main" id="{D0C9AF1A-CE08-44D3-8608-22C5EFB50902}"/>
+              </a:ext>
+            </a:extLst>
+          </p:cNvPr>
+          <p:cNvSpPr txBox="1"/>
+          <p:nvPr/>
+        </p:nvSpPr>
+        <p:spPr>
+          <a:xfrm>
+            <a:off x="7740869" y="1576552"/>
+            <a:ext cx="3436883" cy="4247317"/>
+          </a:xfrm>
+          <a:prstGeom prst="rect">
+            <a:avLst/>
+          </a:prstGeom>
+          <a:noFill/>
+        </p:spPr>
+        <p:txBody>
+          <a:bodyPr wrap="square" rtlCol="0">
+            <a:spAutoFit/>
+          </a:bodyPr>
+          <a:lstStyle/>
+          <a:p>
+            <a:r>
+              <a:rPr lang="zh-CN" altLang="en-US" dirty="0"/>
+              <a:t>结构特点：</a:t>
+            </a:r>
+            <a:endParaRPr lang="en-US" altLang="zh-CN" dirty="0"/>
+          </a:p>
+          <a:p>
+            <a:endParaRPr lang="en-US" altLang="zh-CN" dirty="0"/>
+          </a:p>
+          <a:p>
+            <a:r>
+              <a:rPr lang="zh-CN" altLang="en-US" dirty="0"/>
+              <a:t>判断的两种结果中一种未得到处理。</a:t>
+            </a:r>
+            <a:endParaRPr lang="en-US" altLang="zh-CN" dirty="0"/>
+          </a:p>
+          <a:p>
+            <a:endParaRPr lang="en-US" altLang="zh-CN" dirty="0"/>
+          </a:p>
+          <a:p>
+            <a:r>
+              <a:rPr lang="zh-CN" altLang="en-US" dirty="0"/>
+              <a:t>需要是默认值！</a:t>
+            </a:r>
+            <a:endParaRPr lang="en-US" altLang="zh-CN" dirty="0"/>
+          </a:p>
+          <a:p>
+            <a:endParaRPr lang="en-US" altLang="zh-CN" dirty="0"/>
+          </a:p>
+          <a:p>
+            <a:r>
+              <a:rPr lang="zh-CN" altLang="en-US" dirty="0"/>
+              <a:t>但可能取值只有</a:t>
+            </a:r>
+            <a:r>
+              <a:rPr lang="en-US" altLang="zh-CN" dirty="0"/>
+              <a:t>0/-1</a:t>
+            </a:r>
+          </a:p>
+          <a:p>
+            <a:endParaRPr lang="en-US" altLang="zh-CN" dirty="0"/>
+          </a:p>
+          <a:p>
+            <a:r>
+              <a:rPr lang="en-US" altLang="zh-CN" dirty="0" err="1"/>
+              <a:t>Eq</a:t>
+            </a:r>
+            <a:r>
+              <a:rPr lang="zh-CN" altLang="en-US" dirty="0"/>
+              <a:t>有天然默认值</a:t>
+            </a:r>
+            <a:r>
+              <a:rPr lang="en-US" altLang="zh-CN" dirty="0"/>
+              <a:t>0</a:t>
+            </a:r>
+          </a:p>
+          <a:p>
+            <a:endParaRPr lang="en-US" altLang="zh-CN" dirty="0"/>
+          </a:p>
+          <a:p>
+            <a:r>
+              <a:rPr lang="zh-CN" altLang="en-US" dirty="0"/>
+              <a:t>可</a:t>
+            </a:r>
+            <a:r>
+              <a:rPr lang="en-US" altLang="zh-CN" dirty="0" err="1"/>
+              <a:t>gt</a:t>
+            </a:r>
+            <a:r>
+              <a:rPr lang="en-US" altLang="zh-CN" dirty="0"/>
+              <a:t>/</a:t>
+            </a:r>
+            <a:r>
+              <a:rPr lang="en-US" altLang="zh-CN" dirty="0" err="1"/>
+              <a:t>lt</a:t>
+            </a:r>
+            <a:r>
+              <a:rPr lang="zh-CN" altLang="en-US" dirty="0"/>
+              <a:t>没有</a:t>
+            </a:r>
+            <a:endParaRPr lang="en-US" altLang="zh-CN" dirty="0"/>
+          </a:p>
+          <a:p>
+            <a:endParaRPr lang="en-US" altLang="zh-CN" dirty="0"/>
+          </a:p>
+          <a:p>
+            <a:r>
+              <a:rPr lang="zh-CN" altLang="en-US" dirty="0"/>
+              <a:t>因此只能采用两个跳转语句的选择结构</a:t>
+            </a:r>
+            <a:endParaRPr lang="en-US" altLang="zh-CN" dirty="0"/>
+          </a:p>
+        </p:txBody>
+      </p:sp>
     </p:spTree>
     <p:extLst>
       <p:ext uri="{BB962C8B-B14F-4D97-AF65-F5344CB8AC3E}">
-        <p14:creationId xmlns:p14="http://schemas.microsoft.com/office/powerpoint/2010/main" val="3961505580"/>
+        <p14:creationId xmlns:p14="http://schemas.microsoft.com/office/powerpoint/2010/main" val="1623971165"/>
       </p:ext>
     </p:extLst>
   </p:cSld>
@@ -14113,41 +18613,1191 @@
           <a:chExt cx="0" cy="0"/>
         </a:xfrm>
       </p:grpSpPr>
-      <p:pic>
-        <p:nvPicPr>
-          <p:cNvPr id="7" name="Content Placeholder 6" descr="Screen Clipping">
+      <p:sp>
+        <p:nvSpPr>
+          <p:cNvPr id="4" name="流程图: 决策 3">
             <a:extLst>
               <a:ext uri="{FF2B5EF4-FFF2-40B4-BE49-F238E27FC236}">
-                <a16:creationId xmlns:a16="http://schemas.microsoft.com/office/drawing/2014/main" id="{3F4895D8-9962-4485-AC93-A503C7D6EFAF}"/>
+                <a16:creationId xmlns:a16="http://schemas.microsoft.com/office/drawing/2014/main" id="{F6105A32-DFD4-4D67-BD99-5504BB9BE424}"/>
               </a:ext>
             </a:extLst>
           </p:cNvPr>
-          <p:cNvPicPr>
-            <a:picLocks noGrp="1" noChangeAspect="1"/>
-          </p:cNvPicPr>
+          <p:cNvSpPr/>
+          <p:nvPr/>
+        </p:nvSpPr>
+        <p:spPr>
+          <a:xfrm>
+            <a:off x="4432371" y="2005129"/>
+            <a:ext cx="2569780" cy="1050584"/>
+          </a:xfrm>
+          <a:prstGeom prst="flowChartDecision">
+            <a:avLst/>
+          </a:prstGeom>
+        </p:spPr>
+        <p:style>
+          <a:lnRef idx="2">
+            <a:schemeClr val="accent1">
+              <a:shade val="50000"/>
+            </a:schemeClr>
+          </a:lnRef>
+          <a:fillRef idx="1">
+            <a:schemeClr val="accent1"/>
+          </a:fillRef>
+          <a:effectRef idx="0">
+            <a:schemeClr val="accent1"/>
+          </a:effectRef>
+          <a:fontRef idx="minor">
+            <a:schemeClr val="lt1"/>
+          </a:fontRef>
+        </p:style>
+        <p:txBody>
+          <a:bodyPr rtlCol="0" anchor="ctr"/>
+          <a:lstStyle/>
+          <a:p>
+            <a:pPr algn="ctr"/>
+            <a:endParaRPr lang="zh-CN" altLang="en-US"/>
+          </a:p>
+        </p:txBody>
+      </p:sp>
+      <p:sp>
+        <p:nvSpPr>
+          <p:cNvPr id="5" name="矩形 4">
+            <a:extLst>
+              <a:ext uri="{FF2B5EF4-FFF2-40B4-BE49-F238E27FC236}">
+                <a16:creationId xmlns:a16="http://schemas.microsoft.com/office/drawing/2014/main" id="{16DE5B14-79B7-4E3B-B4CB-8DEEAE60428E}"/>
+              </a:ext>
+            </a:extLst>
+          </p:cNvPr>
+          <p:cNvSpPr/>
+          <p:nvPr/>
+        </p:nvSpPr>
+        <p:spPr>
+          <a:xfrm>
+            <a:off x="4570317" y="807702"/>
+            <a:ext cx="2293883" cy="525968"/>
+          </a:xfrm>
+          <a:prstGeom prst="rect">
+            <a:avLst/>
+          </a:prstGeom>
+        </p:spPr>
+        <p:style>
+          <a:lnRef idx="2">
+            <a:schemeClr val="accent1">
+              <a:shade val="50000"/>
+            </a:schemeClr>
+          </a:lnRef>
+          <a:fillRef idx="1">
+            <a:schemeClr val="accent1"/>
+          </a:fillRef>
+          <a:effectRef idx="0">
+            <a:schemeClr val="accent1"/>
+          </a:effectRef>
+          <a:fontRef idx="minor">
+            <a:schemeClr val="lt1"/>
+          </a:fontRef>
+        </p:style>
+        <p:txBody>
+          <a:bodyPr rtlCol="0" anchor="ctr"/>
+          <a:lstStyle/>
+          <a:p>
+            <a:pPr algn="ctr"/>
+            <a:endParaRPr lang="zh-CN" altLang="en-US" dirty="0"/>
+          </a:p>
+        </p:txBody>
+      </p:sp>
+      <p:sp>
+        <p:nvSpPr>
+          <p:cNvPr id="6" name="箭头: 下 5">
+            <a:extLst>
+              <a:ext uri="{FF2B5EF4-FFF2-40B4-BE49-F238E27FC236}">
+                <a16:creationId xmlns:a16="http://schemas.microsoft.com/office/drawing/2014/main" id="{5A9E9FE1-48EC-4D70-952F-7F2C554AB003}"/>
+              </a:ext>
+            </a:extLst>
+          </p:cNvPr>
+          <p:cNvSpPr/>
+          <p:nvPr/>
+        </p:nvSpPr>
+        <p:spPr>
+          <a:xfrm>
+            <a:off x="5551723" y="1497670"/>
+            <a:ext cx="331076" cy="404928"/>
+          </a:xfrm>
+          <a:prstGeom prst="downArrow">
+            <a:avLst/>
+          </a:prstGeom>
+        </p:spPr>
+        <p:style>
+          <a:lnRef idx="2">
+            <a:schemeClr val="accent1">
+              <a:shade val="50000"/>
+            </a:schemeClr>
+          </a:lnRef>
+          <a:fillRef idx="1">
+            <a:schemeClr val="accent1"/>
+          </a:fillRef>
+          <a:effectRef idx="0">
+            <a:schemeClr val="accent1"/>
+          </a:effectRef>
+          <a:fontRef idx="minor">
+            <a:schemeClr val="lt1"/>
+          </a:fontRef>
+        </p:style>
+        <p:txBody>
+          <a:bodyPr rtlCol="0" anchor="ctr"/>
+          <a:lstStyle/>
+          <a:p>
+            <a:pPr algn="ctr"/>
+            <a:endParaRPr lang="zh-CN" altLang="en-US"/>
+          </a:p>
+        </p:txBody>
+      </p:sp>
+      <p:sp>
+        <p:nvSpPr>
+          <p:cNvPr id="7" name="箭头: 下 6">
+            <a:extLst>
+              <a:ext uri="{FF2B5EF4-FFF2-40B4-BE49-F238E27FC236}">
+                <a16:creationId xmlns:a16="http://schemas.microsoft.com/office/drawing/2014/main" id="{584F952E-776A-46C4-B8B3-A33F4C8AA525}"/>
+              </a:ext>
+            </a:extLst>
+          </p:cNvPr>
+          <p:cNvSpPr/>
+          <p:nvPr/>
+        </p:nvSpPr>
+        <p:spPr>
+          <a:xfrm>
+            <a:off x="5551723" y="3102589"/>
+            <a:ext cx="331076" cy="404928"/>
+          </a:xfrm>
+          <a:prstGeom prst="downArrow">
+            <a:avLst/>
+          </a:prstGeom>
+        </p:spPr>
+        <p:style>
+          <a:lnRef idx="2">
+            <a:schemeClr val="accent1">
+              <a:shade val="50000"/>
+            </a:schemeClr>
+          </a:lnRef>
+          <a:fillRef idx="1">
+            <a:schemeClr val="accent1"/>
+          </a:fillRef>
+          <a:effectRef idx="0">
+            <a:schemeClr val="accent1"/>
+          </a:effectRef>
+          <a:fontRef idx="minor">
+            <a:schemeClr val="lt1"/>
+          </a:fontRef>
+        </p:style>
+        <p:txBody>
+          <a:bodyPr rtlCol="0" anchor="ctr"/>
+          <a:lstStyle/>
+          <a:p>
+            <a:pPr algn="ctr"/>
+            <a:endParaRPr lang="zh-CN" altLang="en-US"/>
+          </a:p>
+        </p:txBody>
+      </p:sp>
+      <p:sp>
+        <p:nvSpPr>
+          <p:cNvPr id="8" name="矩形 7">
+            <a:extLst>
+              <a:ext uri="{FF2B5EF4-FFF2-40B4-BE49-F238E27FC236}">
+                <a16:creationId xmlns:a16="http://schemas.microsoft.com/office/drawing/2014/main" id="{D8AC455A-179B-43BA-A588-7EED84E843CE}"/>
+              </a:ext>
+            </a:extLst>
+          </p:cNvPr>
+          <p:cNvSpPr/>
+          <p:nvPr/>
+        </p:nvSpPr>
+        <p:spPr>
+          <a:xfrm>
+            <a:off x="7002151" y="2427890"/>
+            <a:ext cx="449317" cy="236483"/>
+          </a:xfrm>
+          <a:prstGeom prst="rect">
+            <a:avLst/>
+          </a:prstGeom>
+        </p:spPr>
+        <p:style>
+          <a:lnRef idx="2">
+            <a:schemeClr val="accent1">
+              <a:shade val="50000"/>
+            </a:schemeClr>
+          </a:lnRef>
+          <a:fillRef idx="1">
+            <a:schemeClr val="accent1"/>
+          </a:fillRef>
+          <a:effectRef idx="0">
+            <a:schemeClr val="accent1"/>
+          </a:effectRef>
+          <a:fontRef idx="minor">
+            <a:schemeClr val="lt1"/>
+          </a:fontRef>
+        </p:style>
+        <p:txBody>
+          <a:bodyPr rtlCol="0" anchor="ctr"/>
+          <a:lstStyle/>
+          <a:p>
+            <a:pPr algn="ctr"/>
+            <a:endParaRPr lang="zh-CN" altLang="en-US"/>
+          </a:p>
+        </p:txBody>
+      </p:sp>
+      <p:sp>
+        <p:nvSpPr>
+          <p:cNvPr id="9" name="矩形 8">
+            <a:extLst>
+              <a:ext uri="{FF2B5EF4-FFF2-40B4-BE49-F238E27FC236}">
+                <a16:creationId xmlns:a16="http://schemas.microsoft.com/office/drawing/2014/main" id="{1BE25FD2-60D7-49A6-9724-6C82109EDF01}"/>
+              </a:ext>
+            </a:extLst>
+          </p:cNvPr>
+          <p:cNvSpPr/>
+          <p:nvPr/>
+        </p:nvSpPr>
+        <p:spPr>
+          <a:xfrm>
+            <a:off x="7208991" y="2427889"/>
+            <a:ext cx="242478" cy="2503291"/>
+          </a:xfrm>
+          <a:prstGeom prst="rect">
+            <a:avLst/>
+          </a:prstGeom>
+        </p:spPr>
+        <p:style>
+          <a:lnRef idx="2">
+            <a:schemeClr val="accent1">
+              <a:shade val="50000"/>
+            </a:schemeClr>
+          </a:lnRef>
+          <a:fillRef idx="1">
+            <a:schemeClr val="accent1"/>
+          </a:fillRef>
+          <a:effectRef idx="0">
+            <a:schemeClr val="accent1"/>
+          </a:effectRef>
+          <a:fontRef idx="minor">
+            <a:schemeClr val="lt1"/>
+          </a:fontRef>
+        </p:style>
+        <p:txBody>
+          <a:bodyPr rtlCol="0" anchor="ctr"/>
+          <a:lstStyle/>
+          <a:p>
+            <a:pPr algn="ctr"/>
+            <a:endParaRPr lang="zh-CN" altLang="en-US"/>
+          </a:p>
+        </p:txBody>
+      </p:sp>
+      <p:sp>
+        <p:nvSpPr>
+          <p:cNvPr id="10" name="箭头: 左 9">
+            <a:extLst>
+              <a:ext uri="{FF2B5EF4-FFF2-40B4-BE49-F238E27FC236}">
+                <a16:creationId xmlns:a16="http://schemas.microsoft.com/office/drawing/2014/main" id="{6E7CC580-A56D-466D-A613-9665B6D6948A}"/>
+              </a:ext>
+            </a:extLst>
+          </p:cNvPr>
+          <p:cNvSpPr/>
+          <p:nvPr/>
+        </p:nvSpPr>
+        <p:spPr>
+          <a:xfrm>
+            <a:off x="6927183" y="4561849"/>
+            <a:ext cx="504497" cy="500143"/>
+          </a:xfrm>
+          <a:prstGeom prst="leftArrow">
+            <a:avLst/>
+          </a:prstGeom>
+        </p:spPr>
+        <p:style>
+          <a:lnRef idx="2">
+            <a:schemeClr val="accent1">
+              <a:shade val="50000"/>
+            </a:schemeClr>
+          </a:lnRef>
+          <a:fillRef idx="1">
+            <a:schemeClr val="accent1"/>
+          </a:fillRef>
+          <a:effectRef idx="0">
+            <a:schemeClr val="accent1"/>
+          </a:effectRef>
+          <a:fontRef idx="minor">
+            <a:schemeClr val="lt1"/>
+          </a:fontRef>
+        </p:style>
+        <p:txBody>
+          <a:bodyPr rtlCol="0" anchor="ctr"/>
+          <a:lstStyle/>
+          <a:p>
+            <a:pPr algn="ctr"/>
+            <a:endParaRPr lang="zh-CN" altLang="en-US"/>
+          </a:p>
+        </p:txBody>
+      </p:sp>
+      <p:sp>
+        <p:nvSpPr>
+          <p:cNvPr id="12" name="矩形 11">
+            <a:extLst>
+              <a:ext uri="{FF2B5EF4-FFF2-40B4-BE49-F238E27FC236}">
+                <a16:creationId xmlns:a16="http://schemas.microsoft.com/office/drawing/2014/main" id="{3EAB64AA-684A-49E7-938E-F44DC3C4C86D}"/>
+              </a:ext>
+            </a:extLst>
+          </p:cNvPr>
+          <p:cNvSpPr/>
+          <p:nvPr/>
+        </p:nvSpPr>
+        <p:spPr>
+          <a:xfrm>
+            <a:off x="4540759" y="4505671"/>
+            <a:ext cx="2293883" cy="481689"/>
+          </a:xfrm>
+          <a:prstGeom prst="rect">
+            <a:avLst/>
+          </a:prstGeom>
+        </p:spPr>
+        <p:style>
+          <a:lnRef idx="2">
+            <a:schemeClr val="accent1">
+              <a:shade val="50000"/>
+            </a:schemeClr>
+          </a:lnRef>
+          <a:fillRef idx="1">
+            <a:schemeClr val="accent1"/>
+          </a:fillRef>
+          <a:effectRef idx="0">
+            <a:schemeClr val="accent1"/>
+          </a:effectRef>
+          <a:fontRef idx="minor">
+            <a:schemeClr val="lt1"/>
+          </a:fontRef>
+        </p:style>
+        <p:txBody>
+          <a:bodyPr rtlCol="0" anchor="ctr"/>
+          <a:lstStyle/>
+          <a:p>
+            <a:pPr algn="ctr"/>
+            <a:endParaRPr lang="zh-CN" altLang="en-US" dirty="0"/>
+          </a:p>
+        </p:txBody>
+      </p:sp>
+      <p:sp>
+        <p:nvSpPr>
+          <p:cNvPr id="13" name="文本框 12">
+            <a:extLst>
+              <a:ext uri="{FF2B5EF4-FFF2-40B4-BE49-F238E27FC236}">
+                <a16:creationId xmlns:a16="http://schemas.microsoft.com/office/drawing/2014/main" id="{7C53F12B-8CB4-484C-BC82-20C7A04A549A}"/>
+              </a:ext>
+            </a:extLst>
+          </p:cNvPr>
+          <p:cNvSpPr txBox="1"/>
+          <p:nvPr/>
+        </p:nvSpPr>
+        <p:spPr>
+          <a:xfrm>
+            <a:off x="5023577" y="899661"/>
+            <a:ext cx="1387365" cy="369332"/>
+          </a:xfrm>
+          <a:prstGeom prst="rect">
+            <a:avLst/>
+          </a:prstGeom>
+          <a:noFill/>
+        </p:spPr>
+        <p:txBody>
+          <a:bodyPr wrap="square" rtlCol="0">
+            <a:spAutoFit/>
+          </a:bodyPr>
+          <a:lstStyle/>
+          <a:p>
+            <a:r>
+              <a:rPr lang="zh-CN" altLang="en-US" dirty="0"/>
+              <a:t>前处理代码</a:t>
+            </a:r>
+          </a:p>
+        </p:txBody>
+      </p:sp>
+      <p:sp>
+        <p:nvSpPr>
+          <p:cNvPr id="14" name="文本框 13">
+            <a:extLst>
+              <a:ext uri="{FF2B5EF4-FFF2-40B4-BE49-F238E27FC236}">
+                <a16:creationId xmlns:a16="http://schemas.microsoft.com/office/drawing/2014/main" id="{D799ED3A-A643-4CC3-8000-7F1D0AB3815B}"/>
+              </a:ext>
+            </a:extLst>
+          </p:cNvPr>
+          <p:cNvSpPr txBox="1"/>
+          <p:nvPr/>
+        </p:nvSpPr>
+        <p:spPr>
+          <a:xfrm>
+            <a:off x="5398010" y="2386244"/>
+            <a:ext cx="737037" cy="369332"/>
+          </a:xfrm>
+          <a:prstGeom prst="rect">
+            <a:avLst/>
+          </a:prstGeom>
+          <a:noFill/>
+        </p:spPr>
+        <p:txBody>
+          <a:bodyPr wrap="square" rtlCol="0">
+            <a:spAutoFit/>
+          </a:bodyPr>
+          <a:lstStyle/>
+          <a:p>
+            <a:r>
+              <a:rPr lang="zh-CN" altLang="en-US" dirty="0"/>
+              <a:t>判断</a:t>
+            </a:r>
+          </a:p>
+        </p:txBody>
+      </p:sp>
+      <p:sp>
+        <p:nvSpPr>
+          <p:cNvPr id="15" name="文本框 14">
+            <a:extLst>
+              <a:ext uri="{FF2B5EF4-FFF2-40B4-BE49-F238E27FC236}">
+                <a16:creationId xmlns:a16="http://schemas.microsoft.com/office/drawing/2014/main" id="{966D98C2-EB83-4124-8B3B-7B269586EEAA}"/>
+              </a:ext>
+            </a:extLst>
+          </p:cNvPr>
+          <p:cNvSpPr txBox="1"/>
+          <p:nvPr/>
+        </p:nvSpPr>
+        <p:spPr>
+          <a:xfrm>
+            <a:off x="5023577" y="3570225"/>
+            <a:ext cx="1345983" cy="369332"/>
+          </a:xfrm>
+          <a:prstGeom prst="rect">
+            <a:avLst/>
+          </a:prstGeom>
+          <a:noFill/>
+        </p:spPr>
+        <p:txBody>
+          <a:bodyPr wrap="square" rtlCol="0">
+            <a:spAutoFit/>
+          </a:bodyPr>
+          <a:lstStyle/>
+          <a:p>
+            <a:r>
+              <a:rPr lang="zh-CN" altLang="en-US" dirty="0"/>
+              <a:t>未跳转代码</a:t>
+            </a:r>
+          </a:p>
+        </p:txBody>
+      </p:sp>
+      <p:sp>
+        <p:nvSpPr>
+          <p:cNvPr id="16" name="文本框 15">
+            <a:extLst>
+              <a:ext uri="{FF2B5EF4-FFF2-40B4-BE49-F238E27FC236}">
+                <a16:creationId xmlns:a16="http://schemas.microsoft.com/office/drawing/2014/main" id="{6DC9B6DE-31F5-464F-896B-C4C4579D5E5F}"/>
+              </a:ext>
+            </a:extLst>
+          </p:cNvPr>
+          <p:cNvSpPr txBox="1"/>
+          <p:nvPr/>
+        </p:nvSpPr>
+        <p:spPr>
+          <a:xfrm>
+            <a:off x="4982195" y="4561849"/>
+            <a:ext cx="1387365" cy="369332"/>
+          </a:xfrm>
+          <a:prstGeom prst="rect">
+            <a:avLst/>
+          </a:prstGeom>
+          <a:noFill/>
+        </p:spPr>
+        <p:txBody>
+          <a:bodyPr wrap="square" rtlCol="0">
+            <a:spAutoFit/>
+          </a:bodyPr>
+          <a:lstStyle/>
+          <a:p>
+            <a:r>
+              <a:rPr lang="zh-CN" altLang="en-US" dirty="0"/>
+              <a:t>第二种情况</a:t>
+            </a:r>
+          </a:p>
+        </p:txBody>
+      </p:sp>
+      <p:sp>
+        <p:nvSpPr>
+          <p:cNvPr id="18" name="矩形 17">
+            <a:extLst>
+              <a:ext uri="{FF2B5EF4-FFF2-40B4-BE49-F238E27FC236}">
+                <a16:creationId xmlns:a16="http://schemas.microsoft.com/office/drawing/2014/main" id="{16DE5B14-79B7-4E3B-B4CB-8DEEAE60428E}"/>
+              </a:ext>
+            </a:extLst>
+          </p:cNvPr>
+          <p:cNvSpPr/>
+          <p:nvPr/>
+        </p:nvSpPr>
+        <p:spPr>
+          <a:xfrm>
+            <a:off x="4570317" y="3518248"/>
+            <a:ext cx="2293883" cy="698308"/>
+          </a:xfrm>
+          <a:prstGeom prst="rect">
+            <a:avLst/>
+          </a:prstGeom>
+        </p:spPr>
+        <p:style>
+          <a:lnRef idx="2">
+            <a:schemeClr val="accent1">
+              <a:shade val="50000"/>
+            </a:schemeClr>
+          </a:lnRef>
+          <a:fillRef idx="1">
+            <a:schemeClr val="accent1"/>
+          </a:fillRef>
+          <a:effectRef idx="0">
+            <a:schemeClr val="accent1"/>
+          </a:effectRef>
+          <a:fontRef idx="minor">
+            <a:schemeClr val="lt1"/>
+          </a:fontRef>
+        </p:style>
+        <p:txBody>
+          <a:bodyPr rot="0" spcFirstLastPara="0" vert="horz" wrap="square" lIns="91440" tIns="45720" rIns="91440" bIns="45720" numCol="1" spcCol="0" rtlCol="0" fromWordArt="0" anchor="ctr" anchorCtr="0" forceAA="0" compatLnSpc="1">
+            <a:prstTxWarp prst="textNoShape">
+              <a:avLst/>
+            </a:prstTxWarp>
+            <a:noAutofit/>
+          </a:bodyPr>
+          <a:lstStyle>
+            <a:defPPr>
+              <a:defRPr lang="en-US"/>
+            </a:defPPr>
+            <a:lvl1pPr marL="0" algn="l" defTabSz="457200" rtl="0" eaLnBrk="1" latinLnBrk="0" hangingPunct="1">
+              <a:defRPr sz="1800" kern="1200">
+                <a:solidFill>
+                  <a:schemeClr val="lt1"/>
+                </a:solidFill>
+                <a:latin typeface="+mn-lt"/>
+                <a:ea typeface="+mn-ea"/>
+                <a:cs typeface="+mn-cs"/>
+              </a:defRPr>
+            </a:lvl1pPr>
+            <a:lvl2pPr marL="457200" algn="l" defTabSz="457200" rtl="0" eaLnBrk="1" latinLnBrk="0" hangingPunct="1">
+              <a:defRPr sz="1800" kern="1200">
+                <a:solidFill>
+                  <a:schemeClr val="lt1"/>
+                </a:solidFill>
+                <a:latin typeface="+mn-lt"/>
+                <a:ea typeface="+mn-ea"/>
+                <a:cs typeface="+mn-cs"/>
+              </a:defRPr>
+            </a:lvl2pPr>
+            <a:lvl3pPr marL="914400" algn="l" defTabSz="457200" rtl="0" eaLnBrk="1" latinLnBrk="0" hangingPunct="1">
+              <a:defRPr sz="1800" kern="1200">
+                <a:solidFill>
+                  <a:schemeClr val="lt1"/>
+                </a:solidFill>
+                <a:latin typeface="+mn-lt"/>
+                <a:ea typeface="+mn-ea"/>
+                <a:cs typeface="+mn-cs"/>
+              </a:defRPr>
+            </a:lvl3pPr>
+            <a:lvl4pPr marL="1371600" algn="l" defTabSz="457200" rtl="0" eaLnBrk="1" latinLnBrk="0" hangingPunct="1">
+              <a:defRPr sz="1800" kern="1200">
+                <a:solidFill>
+                  <a:schemeClr val="lt1"/>
+                </a:solidFill>
+                <a:latin typeface="+mn-lt"/>
+                <a:ea typeface="+mn-ea"/>
+                <a:cs typeface="+mn-cs"/>
+              </a:defRPr>
+            </a:lvl4pPr>
+            <a:lvl5pPr marL="1828800" algn="l" defTabSz="457200" rtl="0" eaLnBrk="1" latinLnBrk="0" hangingPunct="1">
+              <a:defRPr sz="1800" kern="1200">
+                <a:solidFill>
+                  <a:schemeClr val="lt1"/>
+                </a:solidFill>
+                <a:latin typeface="+mn-lt"/>
+                <a:ea typeface="+mn-ea"/>
+                <a:cs typeface="+mn-cs"/>
+              </a:defRPr>
+            </a:lvl5pPr>
+            <a:lvl6pPr marL="2286000" algn="l" defTabSz="457200" rtl="0" eaLnBrk="1" latinLnBrk="0" hangingPunct="1">
+              <a:defRPr sz="1800" kern="1200">
+                <a:solidFill>
+                  <a:schemeClr val="lt1"/>
+                </a:solidFill>
+                <a:latin typeface="+mn-lt"/>
+                <a:ea typeface="+mn-ea"/>
+                <a:cs typeface="+mn-cs"/>
+              </a:defRPr>
+            </a:lvl6pPr>
+            <a:lvl7pPr marL="2743200" algn="l" defTabSz="457200" rtl="0" eaLnBrk="1" latinLnBrk="0" hangingPunct="1">
+              <a:defRPr sz="1800" kern="1200">
+                <a:solidFill>
+                  <a:schemeClr val="lt1"/>
+                </a:solidFill>
+                <a:latin typeface="+mn-lt"/>
+                <a:ea typeface="+mn-ea"/>
+                <a:cs typeface="+mn-cs"/>
+              </a:defRPr>
+            </a:lvl7pPr>
+            <a:lvl8pPr marL="3200400" algn="l" defTabSz="457200" rtl="0" eaLnBrk="1" latinLnBrk="0" hangingPunct="1">
+              <a:defRPr sz="1800" kern="1200">
+                <a:solidFill>
+                  <a:schemeClr val="lt1"/>
+                </a:solidFill>
+                <a:latin typeface="+mn-lt"/>
+                <a:ea typeface="+mn-ea"/>
+                <a:cs typeface="+mn-cs"/>
+              </a:defRPr>
+            </a:lvl8pPr>
+            <a:lvl9pPr marL="3657600" algn="l" defTabSz="457200" rtl="0" eaLnBrk="1" latinLnBrk="0" hangingPunct="1">
+              <a:defRPr sz="1800" kern="1200">
+                <a:solidFill>
+                  <a:schemeClr val="lt1"/>
+                </a:solidFill>
+                <a:latin typeface="+mn-lt"/>
+                <a:ea typeface="+mn-ea"/>
+                <a:cs typeface="+mn-cs"/>
+              </a:defRPr>
+            </a:lvl9pPr>
+          </a:lstStyle>
+          <a:p>
+            <a:pPr algn="ctr"/>
+            <a:endParaRPr lang="zh-CN" altLang="en-US"/>
+          </a:p>
+        </p:txBody>
+      </p:sp>
+      <p:sp>
+        <p:nvSpPr>
+          <p:cNvPr id="19" name="文本框 18">
+            <a:extLst>
+              <a:ext uri="{FF2B5EF4-FFF2-40B4-BE49-F238E27FC236}">
+                <a16:creationId xmlns:a16="http://schemas.microsoft.com/office/drawing/2014/main" id="{A50F6E24-3FE3-4EF7-8084-B947937C7CA3}"/>
+              </a:ext>
+            </a:extLst>
+          </p:cNvPr>
+          <p:cNvSpPr txBox="1"/>
+          <p:nvPr/>
+        </p:nvSpPr>
+        <p:spPr>
+          <a:xfrm>
+            <a:off x="4885629" y="3570225"/>
+            <a:ext cx="1657061" cy="646331"/>
+          </a:xfrm>
+          <a:prstGeom prst="rect">
+            <a:avLst/>
+          </a:prstGeom>
+          <a:noFill/>
+        </p:spPr>
+        <p:txBody>
+          <a:bodyPr wrap="square" rtlCol="0">
+            <a:spAutoFit/>
+          </a:bodyPr>
+          <a:lstStyle/>
+          <a:p>
+            <a:r>
+              <a:rPr lang="zh-CN" altLang="en-US" dirty="0"/>
+              <a:t>第一种情况（无条件跳转）</a:t>
+            </a:r>
+          </a:p>
+        </p:txBody>
+      </p:sp>
+      <p:sp>
+        <p:nvSpPr>
+          <p:cNvPr id="20" name="矩形 19">
+            <a:extLst>
+              <a:ext uri="{FF2B5EF4-FFF2-40B4-BE49-F238E27FC236}">
+                <a16:creationId xmlns:a16="http://schemas.microsoft.com/office/drawing/2014/main" id="{8B6D5B23-B352-4E82-9715-77A3F745A47E}"/>
+              </a:ext>
+            </a:extLst>
+          </p:cNvPr>
+          <p:cNvSpPr/>
+          <p:nvPr/>
+        </p:nvSpPr>
+        <p:spPr>
+          <a:xfrm>
+            <a:off x="3981081" y="3689491"/>
+            <a:ext cx="449317" cy="236483"/>
+          </a:xfrm>
+          <a:prstGeom prst="rect">
+            <a:avLst/>
+          </a:prstGeom>
+        </p:spPr>
+        <p:style>
+          <a:lnRef idx="2">
+            <a:schemeClr val="accent1">
+              <a:shade val="50000"/>
+            </a:schemeClr>
+          </a:lnRef>
+          <a:fillRef idx="1">
+            <a:schemeClr val="accent1"/>
+          </a:fillRef>
+          <a:effectRef idx="0">
+            <a:schemeClr val="accent1"/>
+          </a:effectRef>
+          <a:fontRef idx="minor">
+            <a:schemeClr val="lt1"/>
+          </a:fontRef>
+        </p:style>
+        <p:txBody>
+          <a:bodyPr rtlCol="0" anchor="ctr"/>
+          <a:lstStyle/>
+          <a:p>
+            <a:pPr algn="ctr"/>
+            <a:endParaRPr lang="zh-CN" altLang="en-US"/>
+          </a:p>
+        </p:txBody>
+      </p:sp>
+      <p:sp>
+        <p:nvSpPr>
+          <p:cNvPr id="21" name="矩形 20">
+            <a:extLst>
+              <a:ext uri="{FF2B5EF4-FFF2-40B4-BE49-F238E27FC236}">
+                <a16:creationId xmlns:a16="http://schemas.microsoft.com/office/drawing/2014/main" id="{67F8C8F6-4051-45D8-BF33-218F971DDF63}"/>
+              </a:ext>
+            </a:extLst>
+          </p:cNvPr>
+          <p:cNvSpPr/>
+          <p:nvPr/>
+        </p:nvSpPr>
+        <p:spPr>
+          <a:xfrm>
+            <a:off x="3971310" y="3689491"/>
+            <a:ext cx="224659" cy="2096814"/>
+          </a:xfrm>
+          <a:prstGeom prst="rect">
+            <a:avLst/>
+          </a:prstGeom>
+        </p:spPr>
+        <p:style>
+          <a:lnRef idx="2">
+            <a:schemeClr val="accent1">
+              <a:shade val="50000"/>
+            </a:schemeClr>
+          </a:lnRef>
+          <a:fillRef idx="1">
+            <a:schemeClr val="accent1"/>
+          </a:fillRef>
+          <a:effectRef idx="0">
+            <a:schemeClr val="accent1"/>
+          </a:effectRef>
+          <a:fontRef idx="minor">
+            <a:schemeClr val="lt1"/>
+          </a:fontRef>
+        </p:style>
+        <p:txBody>
+          <a:bodyPr rtlCol="0" anchor="ctr"/>
+          <a:lstStyle/>
+          <a:p>
+            <a:pPr algn="ctr"/>
+            <a:endParaRPr lang="zh-CN" altLang="en-US" dirty="0"/>
+          </a:p>
+        </p:txBody>
+      </p:sp>
+      <p:sp>
+        <p:nvSpPr>
+          <p:cNvPr id="22" name="箭头: 右 21">
+            <a:extLst>
+              <a:ext uri="{FF2B5EF4-FFF2-40B4-BE49-F238E27FC236}">
+                <a16:creationId xmlns:a16="http://schemas.microsoft.com/office/drawing/2014/main" id="{C06D87C5-8E6C-4740-AD51-4208AD39E7D3}"/>
+              </a:ext>
+            </a:extLst>
+          </p:cNvPr>
+          <p:cNvSpPr/>
+          <p:nvPr/>
+        </p:nvSpPr>
+        <p:spPr>
+          <a:xfrm>
+            <a:off x="3971310" y="5533696"/>
+            <a:ext cx="599007" cy="378373"/>
+          </a:xfrm>
+          <a:prstGeom prst="rightArrow">
+            <a:avLst/>
+          </a:prstGeom>
+        </p:spPr>
+        <p:style>
+          <a:lnRef idx="2">
+            <a:schemeClr val="accent1">
+              <a:shade val="50000"/>
+            </a:schemeClr>
+          </a:lnRef>
+          <a:fillRef idx="1">
+            <a:schemeClr val="accent1"/>
+          </a:fillRef>
+          <a:effectRef idx="0">
+            <a:schemeClr val="accent1"/>
+          </a:effectRef>
+          <a:fontRef idx="minor">
+            <a:schemeClr val="lt1"/>
+          </a:fontRef>
+        </p:style>
+        <p:txBody>
+          <a:bodyPr rtlCol="0" anchor="ctr"/>
+          <a:lstStyle/>
+          <a:p>
+            <a:pPr algn="ctr"/>
+            <a:endParaRPr lang="zh-CN" altLang="en-US"/>
+          </a:p>
+        </p:txBody>
+      </p:sp>
+      <p:sp>
+        <p:nvSpPr>
+          <p:cNvPr id="23" name="箭头: 下 22">
+            <a:extLst>
+              <a:ext uri="{FF2B5EF4-FFF2-40B4-BE49-F238E27FC236}">
+                <a16:creationId xmlns:a16="http://schemas.microsoft.com/office/drawing/2014/main" id="{2DB279F5-D8E7-41A6-BE25-E16517699FD2}"/>
+              </a:ext>
+            </a:extLst>
+          </p:cNvPr>
+          <p:cNvSpPr/>
+          <p:nvPr/>
+        </p:nvSpPr>
+        <p:spPr>
+          <a:xfrm>
+            <a:off x="5548621" y="5128768"/>
+            <a:ext cx="331076" cy="404928"/>
+          </a:xfrm>
+          <a:prstGeom prst="downArrow">
+            <a:avLst/>
+          </a:prstGeom>
+        </p:spPr>
+        <p:style>
+          <a:lnRef idx="2">
+            <a:schemeClr val="accent1">
+              <a:shade val="50000"/>
+            </a:schemeClr>
+          </a:lnRef>
+          <a:fillRef idx="1">
+            <a:schemeClr val="accent1"/>
+          </a:fillRef>
+          <a:effectRef idx="0">
+            <a:schemeClr val="accent1"/>
+          </a:effectRef>
+          <a:fontRef idx="minor">
+            <a:schemeClr val="lt1"/>
+          </a:fontRef>
+        </p:style>
+        <p:txBody>
+          <a:bodyPr rtlCol="0" anchor="ctr"/>
+          <a:lstStyle/>
+          <a:p>
+            <a:pPr algn="ctr"/>
+            <a:endParaRPr lang="zh-CN" altLang="en-US"/>
+          </a:p>
+        </p:txBody>
+      </p:sp>
+      <p:sp>
+        <p:nvSpPr>
+          <p:cNvPr id="24" name="矩形 23">
+            <a:extLst>
+              <a:ext uri="{FF2B5EF4-FFF2-40B4-BE49-F238E27FC236}">
+                <a16:creationId xmlns:a16="http://schemas.microsoft.com/office/drawing/2014/main" id="{3C2E5C66-589C-479A-925D-DFDDF3752CB4}"/>
+              </a:ext>
+            </a:extLst>
+          </p:cNvPr>
+          <p:cNvSpPr/>
+          <p:nvPr/>
+        </p:nvSpPr>
+        <p:spPr>
+          <a:xfrm>
+            <a:off x="4570317" y="5666514"/>
+            <a:ext cx="2264325" cy="413518"/>
+          </a:xfrm>
+          <a:prstGeom prst="rect">
+            <a:avLst/>
+          </a:prstGeom>
+        </p:spPr>
+        <p:style>
+          <a:lnRef idx="2">
+            <a:schemeClr val="accent1">
+              <a:shade val="50000"/>
+            </a:schemeClr>
+          </a:lnRef>
+          <a:fillRef idx="1">
+            <a:schemeClr val="accent1"/>
+          </a:fillRef>
+          <a:effectRef idx="0">
+            <a:schemeClr val="accent1"/>
+          </a:effectRef>
+          <a:fontRef idx="minor">
+            <a:schemeClr val="lt1"/>
+          </a:fontRef>
+        </p:style>
+        <p:txBody>
+          <a:bodyPr rtlCol="0" anchor="ctr"/>
+          <a:lstStyle/>
+          <a:p>
+            <a:pPr algn="ctr"/>
+            <a:endParaRPr lang="zh-CN" altLang="en-US"/>
+          </a:p>
+        </p:txBody>
+      </p:sp>
+      <p:sp>
+        <p:nvSpPr>
+          <p:cNvPr id="25" name="文本框 24">
+            <a:extLst>
+              <a:ext uri="{FF2B5EF4-FFF2-40B4-BE49-F238E27FC236}">
+                <a16:creationId xmlns:a16="http://schemas.microsoft.com/office/drawing/2014/main" id="{E8161D0F-6AC6-4F19-978F-1516C6512835}"/>
+              </a:ext>
+            </a:extLst>
+          </p:cNvPr>
+          <p:cNvSpPr txBox="1"/>
+          <p:nvPr/>
+        </p:nvSpPr>
+        <p:spPr>
+          <a:xfrm>
+            <a:off x="5023577" y="5710700"/>
+            <a:ext cx="1525313" cy="369332"/>
+          </a:xfrm>
+          <a:prstGeom prst="rect">
+            <a:avLst/>
+          </a:prstGeom>
+          <a:noFill/>
+        </p:spPr>
+        <p:txBody>
+          <a:bodyPr wrap="square" rtlCol="0">
+            <a:spAutoFit/>
+          </a:bodyPr>
+          <a:lstStyle/>
+          <a:p>
+            <a:r>
+              <a:rPr lang="zh-CN" altLang="en-US" dirty="0"/>
+              <a:t>后处理代码</a:t>
+            </a:r>
+          </a:p>
+        </p:txBody>
+      </p:sp>
+    </p:spTree>
+    <p:extLst>
+      <p:ext uri="{BB962C8B-B14F-4D97-AF65-F5344CB8AC3E}">
+        <p14:creationId xmlns:p14="http://schemas.microsoft.com/office/powerpoint/2010/main" val="1464554833"/>
+      </p:ext>
+    </p:extLst>
+  </p:cSld>
+  <p:clrMapOvr>
+    <a:masterClrMapping/>
+  </p:clrMapOvr>
+</p:sld>
+</file>
+
+<file path=ppt/slides/slide9.xml><?xml version="1.0" encoding="utf-8"?>
+<p:sld xmlns:a="http://schemas.openxmlformats.org/drawingml/2006/main" xmlns:r="http://schemas.openxmlformats.org/officeDocument/2006/relationships" xmlns:p="http://schemas.openxmlformats.org/presentationml/2006/main">
+  <p:cSld>
+    <p:spTree>
+      <p:nvGrpSpPr>
+        <p:cNvPr id="1" name=""/>
+        <p:cNvGrpSpPr/>
+        <p:nvPr/>
+      </p:nvGrpSpPr>
+      <p:grpSpPr>
+        <a:xfrm>
+          <a:off x="0" y="0"/>
+          <a:ext cx="0" cy="0"/>
+          <a:chOff x="0" y="0"/>
+          <a:chExt cx="0" cy="0"/>
+        </a:xfrm>
+      </p:grpSpPr>
+      <p:sp>
+        <p:nvSpPr>
+          <p:cNvPr id="2" name="Title 1">
+            <a:extLst>
+              <a:ext uri="{FF2B5EF4-FFF2-40B4-BE49-F238E27FC236}">
+                <a16:creationId xmlns:a16="http://schemas.microsoft.com/office/drawing/2014/main" id="{6BB9294B-8804-405C-BF8B-5D8358438524}"/>
+              </a:ext>
+            </a:extLst>
+          </p:cNvPr>
+          <p:cNvSpPr>
+            <a:spLocks noGrp="1"/>
+          </p:cNvSpPr>
+          <p:nvPr>
+            <p:ph type="title"/>
+          </p:nvPr>
+        </p:nvSpPr>
+        <p:spPr/>
+        <p:txBody>
+          <a:bodyPr/>
+          <a:lstStyle/>
+          <a:p>
+            <a:r>
+              <a:rPr lang="zh-CN" altLang="en-US" dirty="0"/>
+              <a:t>第八章 </a:t>
+            </a:r>
+            <a:r>
+              <a:rPr lang="en-CA" altLang="zh-CN" dirty="0"/>
+              <a:t>- </a:t>
+            </a:r>
+            <a:r>
+              <a:rPr lang="en-CA" dirty="0"/>
+              <a:t>VM II: Program Control</a:t>
+            </a:r>
+          </a:p>
+        </p:txBody>
+      </p:sp>
+      <p:sp>
+        <p:nvSpPr>
+          <p:cNvPr id="3" name="Content Placeholder 2">
+            <a:extLst>
+              <a:ext uri="{FF2B5EF4-FFF2-40B4-BE49-F238E27FC236}">
+                <a16:creationId xmlns:a16="http://schemas.microsoft.com/office/drawing/2014/main" id="{AACB1AE7-613B-4781-A044-39ADD03C07A4}"/>
+              </a:ext>
+            </a:extLst>
+          </p:cNvPr>
+          <p:cNvSpPr>
+            <a:spLocks noGrp="1"/>
+          </p:cNvSpPr>
           <p:nvPr>
             <p:ph idx="1"/>
           </p:nvPr>
-        </p:nvPicPr>
-        <p:blipFill>
-          <a:blip r:embed="rId2">
+        </p:nvSpPr>
+        <p:spPr>
+          <a:xfrm>
+            <a:off x="1251678" y="2286001"/>
+            <a:ext cx="3950943" cy="4240923"/>
+          </a:xfrm>
+        </p:spPr>
+        <p:txBody>
+          <a:bodyPr/>
+          <a:lstStyle/>
+          <a:p>
+            <a:r>
+              <a:rPr lang="zh-CN" altLang="en-US" dirty="0"/>
+              <a:t>难点：函数的实现</a:t>
+            </a:r>
+            <a:endParaRPr lang="en-US" altLang="zh-CN" dirty="0"/>
+          </a:p>
+          <a:p>
+            <a:endParaRPr lang="en-US" dirty="0"/>
+          </a:p>
+          <a:p>
+            <a:r>
+              <a:rPr lang="en-US" altLang="zh-CN" dirty="0"/>
+              <a:t>Call </a:t>
+            </a:r>
+            <a:r>
+              <a:rPr lang="zh-CN" altLang="en-US" dirty="0"/>
+              <a:t>一个函数要包括哪些内容？</a:t>
+            </a:r>
+            <a:endParaRPr lang="en-US" altLang="zh-CN" dirty="0"/>
+          </a:p>
+          <a:p>
+            <a:pPr marL="0" indent="0">
+              <a:buNone/>
+            </a:pPr>
+            <a:r>
+              <a:rPr lang="zh-CN" altLang="en-US" dirty="0"/>
+              <a:t>储存当前函数的各种指针变量</a:t>
+            </a:r>
+            <a:endParaRPr lang="en-US" altLang="zh-CN" dirty="0"/>
+          </a:p>
+          <a:p>
+            <a:pPr marL="0" indent="0">
+              <a:buNone/>
+            </a:pPr>
+            <a:r>
+              <a:rPr lang="zh-CN" altLang="en-US" dirty="0"/>
+              <a:t>储存函数回调时的返回点</a:t>
+            </a:r>
+            <a:endParaRPr lang="en-US" altLang="zh-CN" dirty="0"/>
+          </a:p>
+          <a:p>
+            <a:pPr marL="0" indent="0">
+              <a:buNone/>
+            </a:pPr>
+            <a:r>
+              <a:rPr lang="zh-CN" altLang="en-US" dirty="0"/>
+              <a:t>为函数传参</a:t>
+            </a:r>
+            <a:endParaRPr lang="en-US" altLang="zh-CN" dirty="0"/>
+          </a:p>
+          <a:p>
+            <a:pPr marL="0" indent="0">
+              <a:buNone/>
+            </a:pPr>
+            <a:endParaRPr lang="en-US" altLang="zh-CN" dirty="0"/>
+          </a:p>
+          <a:p>
+            <a:r>
+              <a:rPr lang="zh-CN" altLang="en-US" dirty="0"/>
+              <a:t>函数入口要实现什么功能？</a:t>
+            </a:r>
+            <a:endParaRPr lang="en-US" altLang="zh-CN" dirty="0"/>
+          </a:p>
+          <a:p>
+            <a:pPr marL="0" indent="0">
+              <a:buNone/>
+            </a:pPr>
+            <a:r>
+              <a:rPr lang="zh-CN" altLang="en-US" dirty="0"/>
+              <a:t>为函数内部的局部变量开辟空间</a:t>
+            </a:r>
+            <a:endParaRPr lang="en-US" altLang="zh-CN" dirty="0"/>
+          </a:p>
+        </p:txBody>
+      </p:sp>
+      <p:sp>
+        <p:nvSpPr>
+          <p:cNvPr id="4" name="文本框 3">
             <a:extLst>
-              <a:ext uri="{28A0092B-C50C-407E-A947-70E740481C1C}">
-                <a14:useLocalDpi xmlns:a14="http://schemas.microsoft.com/office/drawing/2010/main" val="0"/>
+              <a:ext uri="{FF2B5EF4-FFF2-40B4-BE49-F238E27FC236}">
+                <a16:creationId xmlns:a16="http://schemas.microsoft.com/office/drawing/2014/main" id="{A175101A-93C0-4BAB-88D5-8D2DE53702AB}"/>
               </a:ext>
             </a:extLst>
-          </a:blip>
-          <a:stretch>
-            <a:fillRect/>
-          </a:stretch>
-        </p:blipFill>
+          </p:cNvPr>
+          <p:cNvSpPr txBox="1"/>
+          <p:nvPr/>
+        </p:nvSpPr>
         <p:spPr>
           <a:xfrm>
-            <a:off x="2031563" y="382385"/>
-            <a:ext cx="8618551" cy="5983127"/>
+            <a:off x="5864772" y="2159876"/>
+            <a:ext cx="4887311" cy="2031325"/>
           </a:xfrm>
+          <a:prstGeom prst="rect">
+            <a:avLst/>
+          </a:prstGeom>
+          <a:noFill/>
         </p:spPr>
-      </p:pic>
+        <p:txBody>
+          <a:bodyPr wrap="square" rtlCol="0">
+            <a:spAutoFit/>
+          </a:bodyPr>
+          <a:lstStyle/>
+          <a:p>
+            <a:r>
+              <a:rPr lang="zh-CN" altLang="en-US" dirty="0"/>
+              <a:t>返回时要做些什么？</a:t>
+            </a:r>
+            <a:endParaRPr lang="en-US" altLang="zh-CN" dirty="0"/>
+          </a:p>
+          <a:p>
+            <a:endParaRPr lang="en-US" altLang="zh-CN" dirty="0"/>
+          </a:p>
+          <a:p>
+            <a:r>
+              <a:rPr lang="zh-CN" altLang="en-US" dirty="0"/>
+              <a:t>将调用前的各内存块指针复原</a:t>
+            </a:r>
+            <a:endParaRPr lang="en-US" altLang="zh-CN" dirty="0"/>
+          </a:p>
+          <a:p>
+            <a:endParaRPr lang="en-US" altLang="zh-CN" dirty="0"/>
+          </a:p>
+          <a:p>
+            <a:r>
+              <a:rPr lang="zh-CN" altLang="en-US" dirty="0"/>
+              <a:t>将函数返回值压入栈中</a:t>
+            </a:r>
+            <a:endParaRPr lang="en-US" altLang="zh-CN" dirty="0"/>
+          </a:p>
+          <a:p>
+            <a:endParaRPr lang="en-US" altLang="zh-CN" dirty="0"/>
+          </a:p>
+          <a:p>
+            <a:r>
+              <a:rPr lang="zh-CN" altLang="en-US" dirty="0"/>
+              <a:t>跳转到调用函数的入口点。</a:t>
+            </a:r>
+          </a:p>
+        </p:txBody>
+      </p:sp>
     </p:spTree>
     <p:extLst>
       <p:ext uri="{BB962C8B-B14F-4D97-AF65-F5344CB8AC3E}">
@@ -14419,4 +20069,299 @@
     </a:ext>
   </a:extLst>
 </a:theme>
+</file>
+
+<file path=ppt/theme/theme2.xml><?xml version="1.0" encoding="utf-8"?>
+<a:theme xmlns:a="http://schemas.openxmlformats.org/drawingml/2006/main" name="Office 主题​​">
+  <a:themeElements>
+    <a:clrScheme name="Office">
+      <a:dk1>
+        <a:sysClr val="windowText" lastClr="000000"/>
+      </a:dk1>
+      <a:lt1>
+        <a:sysClr val="window" lastClr="FFFFFF"/>
+      </a:lt1>
+      <a:dk2>
+        <a:srgbClr val="44546A"/>
+      </a:dk2>
+      <a:lt2>
+        <a:srgbClr val="E7E6E6"/>
+      </a:lt2>
+      <a:accent1>
+        <a:srgbClr val="4472C4"/>
+      </a:accent1>
+      <a:accent2>
+        <a:srgbClr val="ED7D31"/>
+      </a:accent2>
+      <a:accent3>
+        <a:srgbClr val="A5A5A5"/>
+      </a:accent3>
+      <a:accent4>
+        <a:srgbClr val="FFC000"/>
+      </a:accent4>
+      <a:accent5>
+        <a:srgbClr val="5B9BD5"/>
+      </a:accent5>
+      <a:accent6>
+        <a:srgbClr val="70AD47"/>
+      </a:accent6>
+      <a:hlink>
+        <a:srgbClr val="0563C1"/>
+      </a:hlink>
+      <a:folHlink>
+        <a:srgbClr val="954F72"/>
+      </a:folHlink>
+    </a:clrScheme>
+    <a:fontScheme name="Office">
+      <a:majorFont>
+        <a:latin typeface="等线 Light" panose="020F0302020204030204"/>
+        <a:ea typeface=""/>
+        <a:cs typeface=""/>
+        <a:font script="Jpan" typeface="游ゴシック Light"/>
+        <a:font script="Hang" typeface="맑은 고딕"/>
+        <a:font script="Hans" typeface="等线 Light"/>
+        <a:font script="Hant" typeface="新細明體"/>
+        <a:font script="Arab" typeface="Times New Roman"/>
+        <a:font script="Hebr" typeface="Times New Roman"/>
+        <a:font script="Thai" typeface="Angsana New"/>
+        <a:font script="Ethi" typeface="Nyala"/>
+        <a:font script="Beng" typeface="Vrinda"/>
+        <a:font script="Gujr" typeface="Shruti"/>
+        <a:font script="Khmr" typeface="MoolBoran"/>
+        <a:font script="Knda" typeface="Tunga"/>
+        <a:font script="Guru" typeface="Raavi"/>
+        <a:font script="Cans" typeface="Euphemia"/>
+        <a:font script="Cher" typeface="Plantagenet Cherokee"/>
+        <a:font script="Yiii" typeface="Microsoft Yi Baiti"/>
+        <a:font script="Tibt" typeface="Microsoft Himalaya"/>
+        <a:font script="Thaa" typeface="MV Boli"/>
+        <a:font script="Deva" typeface="Mangal"/>
+        <a:font script="Telu" typeface="Gautami"/>
+        <a:font script="Taml" typeface="Latha"/>
+        <a:font script="Syrc" typeface="Estrangelo Edessa"/>
+        <a:font script="Orya" typeface="Kalinga"/>
+        <a:font script="Mlym" typeface="Kartika"/>
+        <a:font script="Laoo" typeface="DokChampa"/>
+        <a:font script="Sinh" typeface="Iskoola Pota"/>
+        <a:font script="Mong" typeface="Mongolian Baiti"/>
+        <a:font script="Viet" typeface="Times New Roman"/>
+        <a:font script="Uigh" typeface="Microsoft Uighur"/>
+        <a:font script="Geor" typeface="Sylfaen"/>
+        <a:font script="Armn" typeface="Arial"/>
+        <a:font script="Bugi" typeface="Leelawadee UI"/>
+        <a:font script="Bopo" typeface="Microsoft JhengHei"/>
+        <a:font script="Java" typeface="Javanese Text"/>
+        <a:font script="Lisu" typeface="Segoe UI"/>
+        <a:font script="Mymr" typeface="Myanmar Text"/>
+        <a:font script="Nkoo" typeface="Ebrima"/>
+        <a:font script="Olck" typeface="Nirmala UI"/>
+        <a:font script="Osma" typeface="Ebrima"/>
+        <a:font script="Phag" typeface="Phagspa"/>
+        <a:font script="Syrn" typeface="Estrangelo Edessa"/>
+        <a:font script="Syrj" typeface="Estrangelo Edessa"/>
+        <a:font script="Syre" typeface="Estrangelo Edessa"/>
+        <a:font script="Sora" typeface="Nirmala UI"/>
+        <a:font script="Tale" typeface="Microsoft Tai Le"/>
+        <a:font script="Talu" typeface="Microsoft New Tai Lue"/>
+        <a:font script="Tfng" typeface="Ebrima"/>
+      </a:majorFont>
+      <a:minorFont>
+        <a:latin typeface="等线" panose="020F0502020204030204"/>
+        <a:ea typeface=""/>
+        <a:cs typeface=""/>
+        <a:font script="Jpan" typeface="游ゴシック"/>
+        <a:font script="Hang" typeface="맑은 고딕"/>
+        <a:font script="Hans" typeface="等线"/>
+        <a:font script="Hant" typeface="新細明體"/>
+        <a:font script="Arab" typeface="Arial"/>
+        <a:font script="Hebr" typeface="Arial"/>
+        <a:font script="Thai" typeface="Cordia New"/>
+        <a:font script="Ethi" typeface="Nyala"/>
+        <a:font script="Beng" typeface="Vrinda"/>
+        <a:font script="Gujr" typeface="Shruti"/>
+        <a:font script="Khmr" typeface="DaunPenh"/>
+        <a:font script="Knda" typeface="Tunga"/>
+        <a:font script="Guru" typeface="Raavi"/>
+        <a:font script="Cans" typeface="Euphemia"/>
+        <a:font script="Cher" typeface="Plantagenet Cherokee"/>
+        <a:font script="Yiii" typeface="Microsoft Yi Baiti"/>
+        <a:font script="Tibt" typeface="Microsoft Himalaya"/>
+        <a:font script="Thaa" typeface="MV Boli"/>
+        <a:font script="Deva" typeface="Mangal"/>
+        <a:font script="Telu" typeface="Gautami"/>
+        <a:font script="Taml" typeface="Latha"/>
+        <a:font script="Syrc" typeface="Estrangelo Edessa"/>
+        <a:font script="Orya" typeface="Kalinga"/>
+        <a:font script="Mlym" typeface="Kartika"/>
+        <a:font script="Laoo" typeface="DokChampa"/>
+        <a:font script="Sinh" typeface="Iskoola Pota"/>
+        <a:font script="Mong" typeface="Mongolian Baiti"/>
+        <a:font script="Viet" typeface="Arial"/>
+        <a:font script="Uigh" typeface="Microsoft Uighur"/>
+        <a:font script="Geor" typeface="Sylfaen"/>
+        <a:font script="Armn" typeface="Arial"/>
+        <a:font script="Bugi" typeface="Leelawadee UI"/>
+        <a:font script="Bopo" typeface="Microsoft JhengHei"/>
+        <a:font script="Java" typeface="Javanese Text"/>
+        <a:font script="Lisu" typeface="Segoe UI"/>
+        <a:font script="Mymr" typeface="Myanmar Text"/>
+        <a:font script="Nkoo" typeface="Ebrima"/>
+        <a:font script="Olck" typeface="Nirmala UI"/>
+        <a:font script="Osma" typeface="Ebrima"/>
+        <a:font script="Phag" typeface="Phagspa"/>
+        <a:font script="Syrn" typeface="Estrangelo Edessa"/>
+        <a:font script="Syrj" typeface="Estrangelo Edessa"/>
+        <a:font script="Syre" typeface="Estrangelo Edessa"/>
+        <a:font script="Sora" typeface="Nirmala UI"/>
+        <a:font script="Tale" typeface="Microsoft Tai Le"/>
+        <a:font script="Talu" typeface="Microsoft New Tai Lue"/>
+        <a:font script="Tfng" typeface="Ebrima"/>
+      </a:minorFont>
+    </a:fontScheme>
+    <a:fmtScheme name="Office">
+      <a:fillStyleLst>
+        <a:solidFill>
+          <a:schemeClr val="phClr"/>
+        </a:solidFill>
+        <a:gradFill rotWithShape="1">
+          <a:gsLst>
+            <a:gs pos="0">
+              <a:schemeClr val="phClr">
+                <a:lumMod val="110000"/>
+                <a:satMod val="105000"/>
+                <a:tint val="67000"/>
+              </a:schemeClr>
+            </a:gs>
+            <a:gs pos="50000">
+              <a:schemeClr val="phClr">
+                <a:lumMod val="105000"/>
+                <a:satMod val="103000"/>
+                <a:tint val="73000"/>
+              </a:schemeClr>
+            </a:gs>
+            <a:gs pos="100000">
+              <a:schemeClr val="phClr">
+                <a:lumMod val="105000"/>
+                <a:satMod val="109000"/>
+                <a:tint val="81000"/>
+              </a:schemeClr>
+            </a:gs>
+          </a:gsLst>
+          <a:lin ang="5400000" scaled="0"/>
+        </a:gradFill>
+        <a:gradFill rotWithShape="1">
+          <a:gsLst>
+            <a:gs pos="0">
+              <a:schemeClr val="phClr">
+                <a:satMod val="103000"/>
+                <a:lumMod val="102000"/>
+                <a:tint val="94000"/>
+              </a:schemeClr>
+            </a:gs>
+            <a:gs pos="50000">
+              <a:schemeClr val="phClr">
+                <a:satMod val="110000"/>
+                <a:lumMod val="100000"/>
+                <a:shade val="100000"/>
+              </a:schemeClr>
+            </a:gs>
+            <a:gs pos="100000">
+              <a:schemeClr val="phClr">
+                <a:lumMod val="99000"/>
+                <a:satMod val="120000"/>
+                <a:shade val="78000"/>
+              </a:schemeClr>
+            </a:gs>
+          </a:gsLst>
+          <a:lin ang="5400000" scaled="0"/>
+        </a:gradFill>
+      </a:fillStyleLst>
+      <a:lnStyleLst>
+        <a:ln w="6350" cap="flat" cmpd="sng" algn="ctr">
+          <a:solidFill>
+            <a:schemeClr val="phClr"/>
+          </a:solidFill>
+          <a:prstDash val="solid"/>
+          <a:miter lim="800000"/>
+        </a:ln>
+        <a:ln w="12700" cap="flat" cmpd="sng" algn="ctr">
+          <a:solidFill>
+            <a:schemeClr val="phClr"/>
+          </a:solidFill>
+          <a:prstDash val="solid"/>
+          <a:miter lim="800000"/>
+        </a:ln>
+        <a:ln w="19050" cap="flat" cmpd="sng" algn="ctr">
+          <a:solidFill>
+            <a:schemeClr val="phClr"/>
+          </a:solidFill>
+          <a:prstDash val="solid"/>
+          <a:miter lim="800000"/>
+        </a:ln>
+      </a:lnStyleLst>
+      <a:effectStyleLst>
+        <a:effectStyle>
+          <a:effectLst/>
+        </a:effectStyle>
+        <a:effectStyle>
+          <a:effectLst/>
+        </a:effectStyle>
+        <a:effectStyle>
+          <a:effectLst>
+            <a:outerShdw blurRad="57150" dist="19050" dir="5400000" algn="ctr" rotWithShape="0">
+              <a:srgbClr val="000000">
+                <a:alpha val="63000"/>
+              </a:srgbClr>
+            </a:outerShdw>
+          </a:effectLst>
+        </a:effectStyle>
+      </a:effectStyleLst>
+      <a:bgFillStyleLst>
+        <a:solidFill>
+          <a:schemeClr val="phClr"/>
+        </a:solidFill>
+        <a:solidFill>
+          <a:schemeClr val="phClr">
+            <a:tint val="95000"/>
+            <a:satMod val="170000"/>
+          </a:schemeClr>
+        </a:solidFill>
+        <a:gradFill rotWithShape="1">
+          <a:gsLst>
+            <a:gs pos="0">
+              <a:schemeClr val="phClr">
+                <a:tint val="93000"/>
+                <a:satMod val="150000"/>
+                <a:shade val="98000"/>
+                <a:lumMod val="102000"/>
+              </a:schemeClr>
+            </a:gs>
+            <a:gs pos="50000">
+              <a:schemeClr val="phClr">
+                <a:tint val="98000"/>
+                <a:satMod val="130000"/>
+                <a:shade val="90000"/>
+                <a:lumMod val="103000"/>
+              </a:schemeClr>
+            </a:gs>
+            <a:gs pos="100000">
+              <a:schemeClr val="phClr">
+                <a:shade val="63000"/>
+                <a:satMod val="120000"/>
+              </a:schemeClr>
+            </a:gs>
+          </a:gsLst>
+          <a:lin ang="5400000" scaled="0"/>
+        </a:gradFill>
+      </a:bgFillStyleLst>
+    </a:fmtScheme>
+  </a:themeElements>
+  <a:objectDefaults/>
+  <a:extraClrSchemeLst/>
+  <a:extLst>
+    <a:ext uri="{05A4C25C-085E-4340-85A3-A5531E510DB2}">
+      <thm15:themeFamily xmlns:thm15="http://schemas.microsoft.com/office/thememl/2012/main" name="Office Theme" id="{62F939B6-93AF-4DB8-9C6B-D6C7DFDC589F}" vid="{4A3C46E8-61CC-4603-A589-7422A47A8E4A}"/>
+    </a:ext>
+  </a:extLst>
+</a:theme>
 </file>